--- a/docs/youtube/2-docker.pptx
+++ b/docs/youtube/2-docker.pptx
@@ -5,12 +5,18 @@
     <p:sldMasterId id="2147483648" r:id="rId1"/>
   </p:sldMasterIdLst>
   <p:notesMasterIdLst>
-    <p:notesMasterId r:id="rId5"/>
+    <p:notesMasterId r:id="rId11"/>
   </p:notesMasterIdLst>
   <p:sldIdLst>
     <p:sldId id="256" r:id="rId2"/>
     <p:sldId id="257" r:id="rId3"/>
-    <p:sldId id="258" r:id="rId4"/>
+    <p:sldId id="260" r:id="rId4"/>
+    <p:sldId id="258" r:id="rId5"/>
+    <p:sldId id="259" r:id="rId6"/>
+    <p:sldId id="261" r:id="rId7"/>
+    <p:sldId id="262" r:id="rId8"/>
+    <p:sldId id="263" r:id="rId9"/>
+    <p:sldId id="264" r:id="rId10"/>
   </p:sldIdLst>
   <p:sldSz cx="12192000" cy="6858000"/>
   <p:notesSz cx="6858000" cy="9144000"/>
@@ -109,6 +115,11 @@
       </a:defRPr>
     </a:lvl9pPr>
   </p:defaultTextStyle>
+  <p:extLst>
+    <p:ext uri="{EFAFB233-063F-42B5-8137-9DF3F51BA10A}">
+      <p15:sldGuideLst xmlns:p15="http://schemas.microsoft.com/office/powerpoint/2012/main"/>
+    </p:ext>
+  </p:extLst>
 </p:presentation>
 </file>
 
@@ -194,7 +205,7 @@
           <a:p>
             <a:fld id="{8BE75661-6DD2-444E-A73E-EEED38BC0567}" type="datetimeFigureOut">
               <a:rPr lang="it-IT" smtClean="0"/>
-              <a:t>30/06/21</a:t>
+              <a:t>03/07/21</a:t>
             </a:fld>
             <a:endParaRPr lang="it-IT"/>
           </a:p>
@@ -711,7 +722,7 @@
           <a:p>
             <a:fld id="{9E0C3239-A5EA-0940-9807-BDF01F9E8073}" type="datetimeFigureOut">
               <a:rPr lang="it-IT" smtClean="0"/>
-              <a:t>30/06/21</a:t>
+              <a:t>03/07/21</a:t>
             </a:fld>
             <a:endParaRPr lang="it-IT"/>
           </a:p>
@@ -909,7 +920,7 @@
           <a:p>
             <a:fld id="{9E0C3239-A5EA-0940-9807-BDF01F9E8073}" type="datetimeFigureOut">
               <a:rPr lang="it-IT" smtClean="0"/>
-              <a:t>30/06/21</a:t>
+              <a:t>03/07/21</a:t>
             </a:fld>
             <a:endParaRPr lang="it-IT"/>
           </a:p>
@@ -1117,7 +1128,7 @@
           <a:p>
             <a:fld id="{9E0C3239-A5EA-0940-9807-BDF01F9E8073}" type="datetimeFigureOut">
               <a:rPr lang="it-IT" smtClean="0"/>
-              <a:t>30/06/21</a:t>
+              <a:t>03/07/21</a:t>
             </a:fld>
             <a:endParaRPr lang="it-IT"/>
           </a:p>
@@ -1315,7 +1326,7 @@
           <a:p>
             <a:fld id="{9E0C3239-A5EA-0940-9807-BDF01F9E8073}" type="datetimeFigureOut">
               <a:rPr lang="it-IT" smtClean="0"/>
-              <a:t>30/06/21</a:t>
+              <a:t>03/07/21</a:t>
             </a:fld>
             <a:endParaRPr lang="it-IT"/>
           </a:p>
@@ -1590,7 +1601,7 @@
           <a:p>
             <a:fld id="{9E0C3239-A5EA-0940-9807-BDF01F9E8073}" type="datetimeFigureOut">
               <a:rPr lang="it-IT" smtClean="0"/>
-              <a:t>30/06/21</a:t>
+              <a:t>03/07/21</a:t>
             </a:fld>
             <a:endParaRPr lang="it-IT"/>
           </a:p>
@@ -1855,7 +1866,7 @@
           <a:p>
             <a:fld id="{9E0C3239-A5EA-0940-9807-BDF01F9E8073}" type="datetimeFigureOut">
               <a:rPr lang="it-IT" smtClean="0"/>
-              <a:t>30/06/21</a:t>
+              <a:t>03/07/21</a:t>
             </a:fld>
             <a:endParaRPr lang="it-IT"/>
           </a:p>
@@ -2267,7 +2278,7 @@
           <a:p>
             <a:fld id="{9E0C3239-A5EA-0940-9807-BDF01F9E8073}" type="datetimeFigureOut">
               <a:rPr lang="it-IT" smtClean="0"/>
-              <a:t>30/06/21</a:t>
+              <a:t>03/07/21</a:t>
             </a:fld>
             <a:endParaRPr lang="it-IT"/>
           </a:p>
@@ -2408,7 +2419,7 @@
           <a:p>
             <a:fld id="{9E0C3239-A5EA-0940-9807-BDF01F9E8073}" type="datetimeFigureOut">
               <a:rPr lang="it-IT" smtClean="0"/>
-              <a:t>30/06/21</a:t>
+              <a:t>03/07/21</a:t>
             </a:fld>
             <a:endParaRPr lang="it-IT"/>
           </a:p>
@@ -2521,7 +2532,7 @@
           <a:p>
             <a:fld id="{9E0C3239-A5EA-0940-9807-BDF01F9E8073}" type="datetimeFigureOut">
               <a:rPr lang="it-IT" smtClean="0"/>
-              <a:t>30/06/21</a:t>
+              <a:t>03/07/21</a:t>
             </a:fld>
             <a:endParaRPr lang="it-IT"/>
           </a:p>
@@ -2832,7 +2843,7 @@
           <a:p>
             <a:fld id="{9E0C3239-A5EA-0940-9807-BDF01F9E8073}" type="datetimeFigureOut">
               <a:rPr lang="it-IT" smtClean="0"/>
-              <a:t>30/06/21</a:t>
+              <a:t>03/07/21</a:t>
             </a:fld>
             <a:endParaRPr lang="it-IT"/>
           </a:p>
@@ -3120,7 +3131,7 @@
           <a:p>
             <a:fld id="{9E0C3239-A5EA-0940-9807-BDF01F9E8073}" type="datetimeFigureOut">
               <a:rPr lang="it-IT" smtClean="0"/>
-              <a:t>30/06/21</a:t>
+              <a:t>03/07/21</a:t>
             </a:fld>
             <a:endParaRPr lang="it-IT"/>
           </a:p>
@@ -3361,7 +3372,7 @@
           <a:p>
             <a:fld id="{9E0C3239-A5EA-0940-9807-BDF01F9E8073}" type="datetimeFigureOut">
               <a:rPr lang="it-IT" smtClean="0"/>
-              <a:t>30/06/21</a:t>
+              <a:t>03/07/21</a:t>
             </a:fld>
             <a:endParaRPr lang="it-IT"/>
           </a:p>
@@ -3876,8 +3887,8 @@
         </p:blipFill>
         <p:spPr bwMode="auto">
           <a:xfrm>
-            <a:off x="250781" y="103748"/>
-            <a:ext cx="5622324" cy="6754252"/>
+            <a:off x="6221390" y="1256130"/>
+            <a:ext cx="4576706" cy="5498123"/>
           </a:xfrm>
           <a:prstGeom prst="rect">
             <a:avLst/>
@@ -3894,6 +3905,122 @@
           </a:extLst>
         </p:spPr>
       </p:pic>
+      <p:pic>
+        <p:nvPicPr>
+          <p:cNvPr id="6" name="Picture 3">
+            <a:extLst>
+              <a:ext uri="{FF2B5EF4-FFF2-40B4-BE49-F238E27FC236}">
+                <a16:creationId xmlns:a16="http://schemas.microsoft.com/office/drawing/2014/main" id="{932B54A8-EF51-784F-A458-E446EC5CD0C2}"/>
+              </a:ext>
+            </a:extLst>
+          </p:cNvPr>
+          <p:cNvPicPr>
+            <a:picLocks noChangeAspect="1"/>
+          </p:cNvPicPr>
+          <p:nvPr/>
+        </p:nvPicPr>
+        <p:blipFill rotWithShape="1">
+          <a:blip r:embed="rId4"/>
+          <a:srcRect l="19745" r="27910" b="10780"/>
+          <a:stretch/>
+        </p:blipFill>
+        <p:spPr>
+          <a:xfrm>
+            <a:off x="1031631" y="1001340"/>
+            <a:ext cx="4377949" cy="5593668"/>
+          </a:xfrm>
+          <a:prstGeom prst="rect">
+            <a:avLst/>
+          </a:prstGeom>
+        </p:spPr>
+      </p:pic>
+      <p:sp>
+        <p:nvSpPr>
+          <p:cNvPr id="7" name="CasellaDiTesto 6">
+            <a:extLst>
+              <a:ext uri="{FF2B5EF4-FFF2-40B4-BE49-F238E27FC236}">
+                <a16:creationId xmlns:a16="http://schemas.microsoft.com/office/drawing/2014/main" id="{1426B6E6-5AB0-474E-9AF5-EACF386ECCD5}"/>
+              </a:ext>
+            </a:extLst>
+          </p:cNvPr>
+          <p:cNvSpPr txBox="1"/>
+          <p:nvPr/>
+        </p:nvSpPr>
+        <p:spPr>
+          <a:xfrm>
+            <a:off x="2665769" y="262992"/>
+            <a:ext cx="7111242" cy="584775"/>
+          </a:xfrm>
+          <a:prstGeom prst="rect">
+            <a:avLst/>
+          </a:prstGeom>
+          <a:noFill/>
+        </p:spPr>
+        <p:txBody>
+          <a:bodyPr wrap="none" rtlCol="0">
+            <a:spAutoFit/>
+          </a:bodyPr>
+          <a:lstStyle/>
+          <a:p>
+            <a:r>
+              <a:rPr lang="it-IT" sz="3200" dirty="0" err="1">
+                <a:latin typeface="Aharoni" panose="02010803020104030203" pitchFamily="2" charset="-79"/>
+                <a:cs typeface="Aharoni" panose="02010803020104030203" pitchFamily="2" charset="-79"/>
+              </a:rPr>
+              <a:t>What</a:t>
+            </a:r>
+            <a:r>
+              <a:rPr lang="it-IT" sz="3200" dirty="0">
+                <a:latin typeface="Aharoni" panose="02010803020104030203" pitchFamily="2" charset="-79"/>
+                <a:cs typeface="Aharoni" panose="02010803020104030203" pitchFamily="2" charset="-79"/>
+              </a:rPr>
+              <a:t> </a:t>
+            </a:r>
+            <a:r>
+              <a:rPr lang="it-IT" sz="3200" dirty="0" err="1">
+                <a:latin typeface="Aharoni" panose="02010803020104030203" pitchFamily="2" charset="-79"/>
+                <a:cs typeface="Aharoni" panose="02010803020104030203" pitchFamily="2" charset="-79"/>
+              </a:rPr>
+              <a:t>is</a:t>
+            </a:r>
+            <a:r>
+              <a:rPr lang="it-IT" sz="3200" dirty="0">
+                <a:latin typeface="Aharoni" panose="02010803020104030203" pitchFamily="2" charset="-79"/>
+                <a:cs typeface="Aharoni" panose="02010803020104030203" pitchFamily="2" charset="-79"/>
+              </a:rPr>
+              <a:t> </a:t>
+            </a:r>
+            <a:r>
+              <a:rPr lang="it-IT" sz="3200" dirty="0" err="1">
+                <a:latin typeface="Aharoni" panose="02010803020104030203" pitchFamily="2" charset="-79"/>
+                <a:cs typeface="Aharoni" panose="02010803020104030203" pitchFamily="2" charset="-79"/>
+              </a:rPr>
+              <a:t>OpenWhisk</a:t>
+            </a:r>
+            <a:r>
+              <a:rPr lang="it-IT" sz="3200" dirty="0">
+                <a:latin typeface="Aharoni" panose="02010803020104030203" pitchFamily="2" charset="-79"/>
+                <a:cs typeface="Aharoni" panose="02010803020104030203" pitchFamily="2" charset="-79"/>
+              </a:rPr>
+              <a:t> and </a:t>
+            </a:r>
+            <a:r>
+              <a:rPr lang="it-IT" sz="3200" dirty="0" err="1">
+                <a:latin typeface="Aharoni" panose="02010803020104030203" pitchFamily="2" charset="-79"/>
+                <a:cs typeface="Aharoni" panose="02010803020104030203" pitchFamily="2" charset="-79"/>
+              </a:rPr>
+              <a:t>Serverless</a:t>
+            </a:r>
+            <a:r>
+              <a:rPr lang="it-IT" sz="3200" dirty="0">
+                <a:latin typeface="Aharoni" panose="02010803020104030203" pitchFamily="2" charset="-79"/>
+                <a:cs typeface="Aharoni" panose="02010803020104030203" pitchFamily="2" charset="-79"/>
+              </a:rPr>
+              <a:t> </a:t>
+            </a:r>
+          </a:p>
+        </p:txBody>
+      </p:sp>
     </p:spTree>
     <p:extLst>
       <p:ext uri="{BB962C8B-B14F-4D97-AF65-F5344CB8AC3E}">
@@ -3904,6 +4031,346 @@
   <p:clrMapOvr>
     <a:masterClrMapping/>
   </p:clrMapOvr>
+  <mc:AlternateContent xmlns:mc="http://schemas.openxmlformats.org/markup-compatibility/2006">
+    <mc:Choice xmlns:p14="http://schemas.microsoft.com/office/powerpoint/2010/main" Requires="p14">
+      <p:transition spd="med" p14:dur="700">
+        <p:fade/>
+      </p:transition>
+    </mc:Choice>
+    <mc:Fallback>
+      <p:transition spd="med">
+        <p:fade/>
+      </p:transition>
+    </mc:Fallback>
+  </mc:AlternateContent>
+  <p:timing>
+    <p:tnLst>
+      <p:par>
+        <p:cTn id="1" dur="indefinite" restart="never" nodeType="tmRoot">
+          <p:childTnLst>
+            <p:seq concurrent="1" nextAc="seek">
+              <p:cTn id="2" dur="indefinite" nodeType="mainSeq">
+                <p:childTnLst>
+                  <p:par>
+                    <p:cTn id="3" fill="hold">
+                      <p:stCondLst>
+                        <p:cond delay="indefinite"/>
+                      </p:stCondLst>
+                      <p:childTnLst>
+                        <p:par>
+                          <p:cTn id="4" fill="hold">
+                            <p:stCondLst>
+                              <p:cond delay="0"/>
+                            </p:stCondLst>
+                            <p:childTnLst>
+                              <p:par>
+                                <p:cTn id="5" presetID="31" presetClass="entr" presetSubtype="0" fill="hold" nodeType="clickEffect">
+                                  <p:stCondLst>
+                                    <p:cond delay="0"/>
+                                  </p:stCondLst>
+                                  <p:childTnLst>
+                                    <p:set>
+                                      <p:cBhvr>
+                                        <p:cTn id="6" dur="1" fill="hold">
+                                          <p:stCondLst>
+                                            <p:cond delay="0"/>
+                                          </p:stCondLst>
+                                        </p:cTn>
+                                        <p:tgtEl>
+                                          <p:spTgt spid="6"/>
+                                        </p:tgtEl>
+                                        <p:attrNameLst>
+                                          <p:attrName>style.visibility</p:attrName>
+                                        </p:attrNameLst>
+                                      </p:cBhvr>
+                                      <p:to>
+                                        <p:strVal val="visible"/>
+                                      </p:to>
+                                    </p:set>
+                                    <p:anim calcmode="lin" valueType="num">
+                                      <p:cBhvr>
+                                        <p:cTn id="7" dur="1000" fill="hold"/>
+                                        <p:tgtEl>
+                                          <p:spTgt spid="6"/>
+                                        </p:tgtEl>
+                                        <p:attrNameLst>
+                                          <p:attrName>ppt_w</p:attrName>
+                                        </p:attrNameLst>
+                                      </p:cBhvr>
+                                      <p:tavLst>
+                                        <p:tav tm="0">
+                                          <p:val>
+                                            <p:fltVal val="0"/>
+                                          </p:val>
+                                        </p:tav>
+                                        <p:tav tm="100000">
+                                          <p:val>
+                                            <p:strVal val="#ppt_w"/>
+                                          </p:val>
+                                        </p:tav>
+                                      </p:tavLst>
+                                    </p:anim>
+                                    <p:anim calcmode="lin" valueType="num">
+                                      <p:cBhvr>
+                                        <p:cTn id="8" dur="1000" fill="hold"/>
+                                        <p:tgtEl>
+                                          <p:spTgt spid="6"/>
+                                        </p:tgtEl>
+                                        <p:attrNameLst>
+                                          <p:attrName>ppt_h</p:attrName>
+                                        </p:attrNameLst>
+                                      </p:cBhvr>
+                                      <p:tavLst>
+                                        <p:tav tm="0">
+                                          <p:val>
+                                            <p:fltVal val="0"/>
+                                          </p:val>
+                                        </p:tav>
+                                        <p:tav tm="100000">
+                                          <p:val>
+                                            <p:strVal val="#ppt_h"/>
+                                          </p:val>
+                                        </p:tav>
+                                      </p:tavLst>
+                                    </p:anim>
+                                    <p:anim calcmode="lin" valueType="num">
+                                      <p:cBhvr>
+                                        <p:cTn id="9" dur="1000" fill="hold"/>
+                                        <p:tgtEl>
+                                          <p:spTgt spid="6"/>
+                                        </p:tgtEl>
+                                        <p:attrNameLst>
+                                          <p:attrName>style.rotation</p:attrName>
+                                        </p:attrNameLst>
+                                      </p:cBhvr>
+                                      <p:tavLst>
+                                        <p:tav tm="0">
+                                          <p:val>
+                                            <p:fltVal val="90"/>
+                                          </p:val>
+                                        </p:tav>
+                                        <p:tav tm="100000">
+                                          <p:val>
+                                            <p:fltVal val="0"/>
+                                          </p:val>
+                                        </p:tav>
+                                      </p:tavLst>
+                                    </p:anim>
+                                    <p:animEffect transition="in" filter="fade">
+                                      <p:cBhvr>
+                                        <p:cTn id="10" dur="1000"/>
+                                        <p:tgtEl>
+                                          <p:spTgt spid="6"/>
+                                        </p:tgtEl>
+                                      </p:cBhvr>
+                                    </p:animEffect>
+                                  </p:childTnLst>
+                                </p:cTn>
+                              </p:par>
+                            </p:childTnLst>
+                          </p:cTn>
+                        </p:par>
+                      </p:childTnLst>
+                    </p:cTn>
+                  </p:par>
+                  <p:par>
+                    <p:cTn id="11" fill="hold">
+                      <p:stCondLst>
+                        <p:cond delay="indefinite"/>
+                      </p:stCondLst>
+                      <p:childTnLst>
+                        <p:par>
+                          <p:cTn id="12" fill="hold">
+                            <p:stCondLst>
+                              <p:cond delay="0"/>
+                            </p:stCondLst>
+                            <p:childTnLst>
+                              <p:par>
+                                <p:cTn id="13" presetID="30" presetClass="entr" presetSubtype="0" fill="hold" nodeType="clickEffect">
+                                  <p:stCondLst>
+                                    <p:cond delay="0"/>
+                                  </p:stCondLst>
+                                  <p:childTnLst>
+                                    <p:set>
+                                      <p:cBhvr>
+                                        <p:cTn id="14" dur="1" fill="hold">
+                                          <p:stCondLst>
+                                            <p:cond delay="0"/>
+                                          </p:stCondLst>
+                                        </p:cTn>
+                                        <p:tgtEl>
+                                          <p:spTgt spid="1025"/>
+                                        </p:tgtEl>
+                                        <p:attrNameLst>
+                                          <p:attrName>style.visibility</p:attrName>
+                                        </p:attrNameLst>
+                                      </p:cBhvr>
+                                      <p:to>
+                                        <p:strVal val="visible"/>
+                                      </p:to>
+                                    </p:set>
+                                    <p:animEffect transition="in" filter="fade">
+                                      <p:cBhvr>
+                                        <p:cTn id="15" dur="800" decel="100000"/>
+                                        <p:tgtEl>
+                                          <p:spTgt spid="1025"/>
+                                        </p:tgtEl>
+                                      </p:cBhvr>
+                                    </p:animEffect>
+                                    <p:anim calcmode="lin" valueType="num">
+                                      <p:cBhvr>
+                                        <p:cTn id="16" dur="800" decel="100000" fill="hold"/>
+                                        <p:tgtEl>
+                                          <p:spTgt spid="1025"/>
+                                        </p:tgtEl>
+                                        <p:attrNameLst>
+                                          <p:attrName>style.rotation</p:attrName>
+                                        </p:attrNameLst>
+                                      </p:cBhvr>
+                                      <p:tavLst>
+                                        <p:tav tm="0">
+                                          <p:val>
+                                            <p:fltVal val="-90"/>
+                                          </p:val>
+                                        </p:tav>
+                                        <p:tav tm="100000">
+                                          <p:val>
+                                            <p:fltVal val="0"/>
+                                          </p:val>
+                                        </p:tav>
+                                      </p:tavLst>
+                                    </p:anim>
+                                    <p:anim calcmode="lin" valueType="num">
+                                      <p:cBhvr>
+                                        <p:cTn id="17" dur="800" decel="100000" fill="hold"/>
+                                        <p:tgtEl>
+                                          <p:spTgt spid="1025"/>
+                                        </p:tgtEl>
+                                        <p:attrNameLst>
+                                          <p:attrName>ppt_x</p:attrName>
+                                        </p:attrNameLst>
+                                      </p:cBhvr>
+                                      <p:tavLst>
+                                        <p:tav tm="0">
+                                          <p:val>
+                                            <p:strVal val="#ppt_x+0.4"/>
+                                          </p:val>
+                                        </p:tav>
+                                        <p:tav tm="100000">
+                                          <p:val>
+                                            <p:strVal val="#ppt_x-0.05"/>
+                                          </p:val>
+                                        </p:tav>
+                                      </p:tavLst>
+                                    </p:anim>
+                                    <p:anim calcmode="lin" valueType="num">
+                                      <p:cBhvr>
+                                        <p:cTn id="18" dur="800" decel="100000" fill="hold"/>
+                                        <p:tgtEl>
+                                          <p:spTgt spid="1025"/>
+                                        </p:tgtEl>
+                                        <p:attrNameLst>
+                                          <p:attrName>ppt_y</p:attrName>
+                                        </p:attrNameLst>
+                                      </p:cBhvr>
+                                      <p:tavLst>
+                                        <p:tav tm="0">
+                                          <p:val>
+                                            <p:strVal val="#ppt_y-0.4"/>
+                                          </p:val>
+                                        </p:tav>
+                                        <p:tav tm="100000">
+                                          <p:val>
+                                            <p:strVal val="#ppt_y+0.1"/>
+                                          </p:val>
+                                        </p:tav>
+                                      </p:tavLst>
+                                    </p:anim>
+                                    <p:anim calcmode="lin" valueType="num">
+                                      <p:cBhvr>
+                                        <p:cTn id="19" dur="200" accel="100000" fill="hold">
+                                          <p:stCondLst>
+                                            <p:cond delay="800"/>
+                                          </p:stCondLst>
+                                        </p:cTn>
+                                        <p:tgtEl>
+                                          <p:spTgt spid="1025"/>
+                                        </p:tgtEl>
+                                        <p:attrNameLst>
+                                          <p:attrName>ppt_x</p:attrName>
+                                        </p:attrNameLst>
+                                      </p:cBhvr>
+                                      <p:tavLst>
+                                        <p:tav tm="0">
+                                          <p:val>
+                                            <p:strVal val="#ppt_x-0.05"/>
+                                          </p:val>
+                                        </p:tav>
+                                        <p:tav tm="100000">
+                                          <p:val>
+                                            <p:strVal val="#ppt_x"/>
+                                          </p:val>
+                                        </p:tav>
+                                      </p:tavLst>
+                                    </p:anim>
+                                    <p:anim calcmode="lin" valueType="num">
+                                      <p:cBhvr>
+                                        <p:cTn id="20" dur="200" accel="100000" fill="hold">
+                                          <p:stCondLst>
+                                            <p:cond delay="800"/>
+                                          </p:stCondLst>
+                                        </p:cTn>
+                                        <p:tgtEl>
+                                          <p:spTgt spid="1025"/>
+                                        </p:tgtEl>
+                                        <p:attrNameLst>
+                                          <p:attrName>ppt_y</p:attrName>
+                                        </p:attrNameLst>
+                                      </p:cBhvr>
+                                      <p:tavLst>
+                                        <p:tav tm="0">
+                                          <p:val>
+                                            <p:strVal val="#ppt_y+0.1"/>
+                                          </p:val>
+                                        </p:tav>
+                                        <p:tav tm="100000">
+                                          <p:val>
+                                            <p:strVal val="#ppt_y"/>
+                                          </p:val>
+                                        </p:tav>
+                                      </p:tavLst>
+                                    </p:anim>
+                                  </p:childTnLst>
+                                </p:cTn>
+                              </p:par>
+                            </p:childTnLst>
+                          </p:cTn>
+                        </p:par>
+                      </p:childTnLst>
+                    </p:cTn>
+                  </p:par>
+                </p:childTnLst>
+              </p:cTn>
+              <p:prevCondLst>
+                <p:cond evt="onPrev" delay="0">
+                  <p:tgtEl>
+                    <p:sldTgt/>
+                  </p:tgtEl>
+                </p:cond>
+              </p:prevCondLst>
+              <p:nextCondLst>
+                <p:cond evt="onNext" delay="0">
+                  <p:tgtEl>
+                    <p:sldTgt/>
+                  </p:tgtEl>
+                </p:cond>
+              </p:nextCondLst>
+            </p:seq>
+          </p:childTnLst>
+        </p:cTn>
+      </p:par>
+    </p:tnLst>
+  </p:timing>
 </p:sld>
 </file>
 
@@ -3926,10 +4393,10 @@
       </p:grpSpPr>
       <p:pic>
         <p:nvPicPr>
-          <p:cNvPr id="3" name="Immagine 2" descr="Immagine che contiene testo&#10;&#10;Descrizione generata automaticamente">
+          <p:cNvPr id="5" name="Immagine 4" descr="Immagine che contiene testo&#10;&#10;Descrizione generata automaticamente">
             <a:extLst>
               <a:ext uri="{FF2B5EF4-FFF2-40B4-BE49-F238E27FC236}">
-                <a16:creationId xmlns:a16="http://schemas.microsoft.com/office/drawing/2014/main" id="{AD9FA5A1-3F0A-B145-9FD6-B70D6703A414}"/>
+                <a16:creationId xmlns:a16="http://schemas.microsoft.com/office/drawing/2014/main" id="{0E1349D6-383B-074E-8C19-AAC157B8CAFA}"/>
               </a:ext>
             </a:extLst>
           </p:cNvPr>
@@ -3946,14 +4413,84 @@
         </p:blipFill>
         <p:spPr>
           <a:xfrm>
-            <a:off x="925883" y="617513"/>
-            <a:ext cx="10340234" cy="5622974"/>
+            <a:off x="0" y="852235"/>
+            <a:ext cx="12192000" cy="5506688"/>
           </a:xfrm>
           <a:prstGeom prst="rect">
             <a:avLst/>
           </a:prstGeom>
         </p:spPr>
       </p:pic>
+      <p:sp>
+        <p:nvSpPr>
+          <p:cNvPr id="6" name="CasellaDiTesto 5">
+            <a:extLst>
+              <a:ext uri="{FF2B5EF4-FFF2-40B4-BE49-F238E27FC236}">
+                <a16:creationId xmlns:a16="http://schemas.microsoft.com/office/drawing/2014/main" id="{6ADFFF3F-59CA-0743-AD4D-411588A2CF8A}"/>
+              </a:ext>
+            </a:extLst>
+          </p:cNvPr>
+          <p:cNvSpPr txBox="1"/>
+          <p:nvPr/>
+        </p:nvSpPr>
+        <p:spPr>
+          <a:xfrm>
+            <a:off x="2754923" y="206689"/>
+            <a:ext cx="6920484" cy="584775"/>
+          </a:xfrm>
+          <a:prstGeom prst="rect">
+            <a:avLst/>
+          </a:prstGeom>
+          <a:noFill/>
+        </p:spPr>
+        <p:txBody>
+          <a:bodyPr wrap="none" rtlCol="0">
+            <a:spAutoFit/>
+          </a:bodyPr>
+          <a:lstStyle/>
+          <a:p>
+            <a:r>
+              <a:rPr lang="it-IT" sz="3200" dirty="0" err="1">
+                <a:latin typeface="Aharoni" panose="02010803020104030203" pitchFamily="2" charset="-79"/>
+                <a:cs typeface="Aharoni" panose="02010803020104030203" pitchFamily="2" charset="-79"/>
+              </a:rPr>
+              <a:t>Running</a:t>
+            </a:r>
+            <a:r>
+              <a:rPr lang="it-IT" sz="3200" dirty="0">
+                <a:latin typeface="Aharoni" panose="02010803020104030203" pitchFamily="2" charset="-79"/>
+                <a:cs typeface="Aharoni" panose="02010803020104030203" pitchFamily="2" charset="-79"/>
+              </a:rPr>
+              <a:t> «</a:t>
+            </a:r>
+            <a:r>
+              <a:rPr lang="it-IT" sz="3200" dirty="0" err="1">
+                <a:latin typeface="Aharoni" panose="02010803020104030203" pitchFamily="2" charset="-79"/>
+                <a:cs typeface="Aharoni" panose="02010803020104030203" pitchFamily="2" charset="-79"/>
+              </a:rPr>
+              <a:t>Standalone</a:t>
+            </a:r>
+            <a:r>
+              <a:rPr lang="it-IT" sz="3200" dirty="0">
+                <a:latin typeface="Aharoni" panose="02010803020104030203" pitchFamily="2" charset="-79"/>
+                <a:cs typeface="Aharoni" panose="02010803020104030203" pitchFamily="2" charset="-79"/>
+              </a:rPr>
+              <a:t>» </a:t>
+            </a:r>
+            <a:r>
+              <a:rPr lang="it-IT" sz="3200" dirty="0" err="1">
+                <a:latin typeface="Aharoni" panose="02010803020104030203" pitchFamily="2" charset="-79"/>
+                <a:cs typeface="Aharoni" panose="02010803020104030203" pitchFamily="2" charset="-79"/>
+              </a:rPr>
+              <a:t>OpenWhisk</a:t>
+            </a:r>
+            <a:endParaRPr lang="it-IT" sz="3200" dirty="0">
+              <a:latin typeface="Aharoni" panose="02010803020104030203" pitchFamily="2" charset="-79"/>
+              <a:cs typeface="Aharoni" panose="02010803020104030203" pitchFamily="2" charset="-79"/>
+            </a:endParaRPr>
+          </a:p>
+        </p:txBody>
+      </p:sp>
     </p:spTree>
     <p:extLst>
       <p:ext uri="{BB962C8B-B14F-4D97-AF65-F5344CB8AC3E}">
@@ -3964,6 +4501,18 @@
   <p:clrMapOvr>
     <a:masterClrMapping/>
   </p:clrMapOvr>
+  <mc:AlternateContent xmlns:mc="http://schemas.openxmlformats.org/markup-compatibility/2006">
+    <mc:Choice xmlns:p159="http://schemas.microsoft.com/office/powerpoint/2015/09/main" Requires="p159">
+      <p:transition xmlns:p14="http://schemas.microsoft.com/office/powerpoint/2010/main" spd="slow" p14:dur="2000">
+        <p159:morph option="byObject"/>
+      </p:transition>
+    </mc:Choice>
+    <mc:Fallback>
+      <p:transition spd="slow">
+        <p:fade/>
+      </p:transition>
+    </mc:Fallback>
+  </mc:AlternateContent>
 </p:sld>
 </file>
 
@@ -3984,6 +4533,226 @@
           <a:chExt cx="0" cy="0"/>
         </a:xfrm>
       </p:grpSpPr>
+      <p:pic>
+        <p:nvPicPr>
+          <p:cNvPr id="4" name="Immagine 3" descr="Immagine che contiene testo, screenshot, monitor, nero&#10;&#10;Descrizione generata automaticamente">
+            <a:extLst>
+              <a:ext uri="{FF2B5EF4-FFF2-40B4-BE49-F238E27FC236}">
+                <a16:creationId xmlns:a16="http://schemas.microsoft.com/office/drawing/2014/main" id="{B38216A7-D962-FB46-88D8-17F04AEFB708}"/>
+              </a:ext>
+            </a:extLst>
+          </p:cNvPr>
+          <p:cNvPicPr>
+            <a:picLocks noChangeAspect="1"/>
+          </p:cNvPicPr>
+          <p:nvPr/>
+        </p:nvPicPr>
+        <p:blipFill>
+          <a:blip r:embed="rId2"/>
+          <a:stretch>
+            <a:fillRect/>
+          </a:stretch>
+        </p:blipFill>
+        <p:spPr>
+          <a:xfrm>
+            <a:off x="1589732" y="829564"/>
+            <a:ext cx="9012536" cy="6097352"/>
+          </a:xfrm>
+          <a:prstGeom prst="rect">
+            <a:avLst/>
+          </a:prstGeom>
+        </p:spPr>
+      </p:pic>
+      <p:sp>
+        <p:nvSpPr>
+          <p:cNvPr id="5" name="CasellaDiTesto 4">
+            <a:extLst>
+              <a:ext uri="{FF2B5EF4-FFF2-40B4-BE49-F238E27FC236}">
+                <a16:creationId xmlns:a16="http://schemas.microsoft.com/office/drawing/2014/main" id="{D26491E6-66B9-EF4A-B94C-B51E9874CD2F}"/>
+              </a:ext>
+            </a:extLst>
+          </p:cNvPr>
+          <p:cNvSpPr txBox="1"/>
+          <p:nvPr/>
+        </p:nvSpPr>
+        <p:spPr>
+          <a:xfrm>
+            <a:off x="4027349" y="244789"/>
+            <a:ext cx="4392549" cy="584775"/>
+          </a:xfrm>
+          <a:prstGeom prst="rect">
+            <a:avLst/>
+          </a:prstGeom>
+          <a:noFill/>
+        </p:spPr>
+        <p:txBody>
+          <a:bodyPr wrap="none" rtlCol="0">
+            <a:spAutoFit/>
+          </a:bodyPr>
+          <a:lstStyle/>
+          <a:p>
+            <a:r>
+              <a:rPr lang="it-IT" sz="3200" dirty="0">
+                <a:latin typeface="Aharoni" panose="02010803020104030203" pitchFamily="2" charset="-79"/>
+                <a:cs typeface="Aharoni" panose="02010803020104030203" pitchFamily="2" charset="-79"/>
+              </a:rPr>
+              <a:t>Using the playground</a:t>
+            </a:r>
+          </a:p>
+        </p:txBody>
+      </p:sp>
+    </p:spTree>
+    <p:extLst>
+      <p:ext uri="{BB962C8B-B14F-4D97-AF65-F5344CB8AC3E}">
+        <p14:creationId xmlns:p14="http://schemas.microsoft.com/office/powerpoint/2010/main" val="1225902132"/>
+      </p:ext>
+    </p:extLst>
+  </p:cSld>
+  <p:clrMapOvr>
+    <a:masterClrMapping/>
+  </p:clrMapOvr>
+  <p:transition spd="slow">
+    <p:push dir="u"/>
+  </p:transition>
+</p:sld>
+</file>
+
+<file path=ppt/slides/slide4.xml><?xml version="1.0" encoding="utf-8"?>
+<p:sld xmlns:a="http://schemas.openxmlformats.org/drawingml/2006/main" xmlns:r="http://schemas.openxmlformats.org/officeDocument/2006/relationships" xmlns:p="http://schemas.openxmlformats.org/presentationml/2006/main">
+  <p:cSld>
+    <p:spTree>
+      <p:nvGrpSpPr>
+        <p:cNvPr id="1" name=""/>
+        <p:cNvGrpSpPr/>
+        <p:nvPr/>
+      </p:nvGrpSpPr>
+      <p:grpSpPr>
+        <a:xfrm>
+          <a:off x="0" y="0"/>
+          <a:ext cx="0" cy="0"/>
+          <a:chOff x="0" y="0"/>
+          <a:chExt cx="0" cy="0"/>
+        </a:xfrm>
+      </p:grpSpPr>
+      <p:pic>
+        <p:nvPicPr>
+          <p:cNvPr id="3" name="Immagine 2" descr="Immagine che contiene testo&#10;&#10;Descrizione generata automaticamente">
+            <a:extLst>
+              <a:ext uri="{FF2B5EF4-FFF2-40B4-BE49-F238E27FC236}">
+                <a16:creationId xmlns:a16="http://schemas.microsoft.com/office/drawing/2014/main" id="{36C6B765-E586-494D-BE3C-B51524D6187B}"/>
+              </a:ext>
+            </a:extLst>
+          </p:cNvPr>
+          <p:cNvPicPr>
+            <a:picLocks noChangeAspect="1"/>
+          </p:cNvPicPr>
+          <p:nvPr/>
+        </p:nvPicPr>
+        <p:blipFill>
+          <a:blip r:embed="rId2"/>
+          <a:stretch>
+            <a:fillRect/>
+          </a:stretch>
+        </p:blipFill>
+        <p:spPr>
+          <a:xfrm>
+            <a:off x="462990" y="977900"/>
+            <a:ext cx="6807679" cy="3649672"/>
+          </a:xfrm>
+          <a:prstGeom prst="rect">
+            <a:avLst/>
+          </a:prstGeom>
+        </p:spPr>
+      </p:pic>
+      <p:sp>
+        <p:nvSpPr>
+          <p:cNvPr id="4" name="CasellaDiTesto 3">
+            <a:extLst>
+              <a:ext uri="{FF2B5EF4-FFF2-40B4-BE49-F238E27FC236}">
+                <a16:creationId xmlns:a16="http://schemas.microsoft.com/office/drawing/2014/main" id="{E50ACDAA-6865-4548-B001-6928CF198188}"/>
+              </a:ext>
+            </a:extLst>
+          </p:cNvPr>
+          <p:cNvSpPr txBox="1"/>
+          <p:nvPr/>
+        </p:nvSpPr>
+        <p:spPr>
+          <a:xfrm>
+            <a:off x="2208823" y="219389"/>
+            <a:ext cx="8068234" cy="584775"/>
+          </a:xfrm>
+          <a:prstGeom prst="rect">
+            <a:avLst/>
+          </a:prstGeom>
+          <a:noFill/>
+        </p:spPr>
+        <p:txBody>
+          <a:bodyPr wrap="none" rtlCol="0">
+            <a:spAutoFit/>
+          </a:bodyPr>
+          <a:lstStyle/>
+          <a:p>
+            <a:r>
+              <a:rPr lang="it-IT" sz="3200" dirty="0" err="1">
+                <a:latin typeface="Aharoni" panose="02010803020104030203" pitchFamily="2" charset="-79"/>
+                <a:cs typeface="Aharoni" panose="02010803020104030203" pitchFamily="2" charset="-79"/>
+              </a:rPr>
+              <a:t>Deploying</a:t>
+            </a:r>
+            <a:r>
+              <a:rPr lang="it-IT" sz="3200" dirty="0">
+                <a:latin typeface="Aharoni" panose="02010803020104030203" pitchFamily="2" charset="-79"/>
+                <a:cs typeface="Aharoni" panose="02010803020104030203" pitchFamily="2" charset="-79"/>
+              </a:rPr>
+              <a:t> a Simple </a:t>
+            </a:r>
+            <a:r>
+              <a:rPr lang="it-IT" sz="3200" dirty="0" err="1">
+                <a:latin typeface="Aharoni" panose="02010803020104030203" pitchFamily="2" charset="-79"/>
+                <a:cs typeface="Aharoni" panose="02010803020104030203" pitchFamily="2" charset="-79"/>
+              </a:rPr>
+              <a:t>function</a:t>
+            </a:r>
+            <a:r>
+              <a:rPr lang="it-IT" sz="3200" dirty="0">
+                <a:latin typeface="Aharoni" panose="02010803020104030203" pitchFamily="2" charset="-79"/>
+                <a:cs typeface="Aharoni" panose="02010803020104030203" pitchFamily="2" charset="-79"/>
+              </a:rPr>
+              <a:t> Hello World</a:t>
+            </a:r>
+          </a:p>
+        </p:txBody>
+      </p:sp>
+      <p:pic>
+        <p:nvPicPr>
+          <p:cNvPr id="6" name="Immagine 5" descr="Immagine che contiene testo&#10;&#10;Descrizione generata automaticamente">
+            <a:extLst>
+              <a:ext uri="{FF2B5EF4-FFF2-40B4-BE49-F238E27FC236}">
+                <a16:creationId xmlns:a16="http://schemas.microsoft.com/office/drawing/2014/main" id="{2B0B5E45-5EF5-984C-8DD9-6342A896C7D6}"/>
+              </a:ext>
+            </a:extLst>
+          </p:cNvPr>
+          <p:cNvPicPr>
+            <a:picLocks noChangeAspect="1"/>
+          </p:cNvPicPr>
+          <p:nvPr/>
+        </p:nvPicPr>
+        <p:blipFill>
+          <a:blip r:embed="rId3"/>
+          <a:stretch>
+            <a:fillRect/>
+          </a:stretch>
+        </p:blipFill>
+        <p:spPr>
+          <a:xfrm>
+            <a:off x="4641290" y="4310072"/>
+            <a:ext cx="7062690" cy="2116128"/>
+          </a:xfrm>
+          <a:prstGeom prst="rect">
+            <a:avLst/>
+          </a:prstGeom>
+        </p:spPr>
+      </p:pic>
     </p:spTree>
     <p:extLst>
       <p:ext uri="{BB962C8B-B14F-4D97-AF65-F5344CB8AC3E}">
@@ -3994,6 +4763,7362 @@
   <p:clrMapOvr>
     <a:masterClrMapping/>
   </p:clrMapOvr>
+  <p:timing>
+    <p:tnLst>
+      <p:par>
+        <p:cTn id="1" dur="indefinite" restart="never" nodeType="tmRoot">
+          <p:childTnLst>
+            <p:seq concurrent="1" nextAc="seek">
+              <p:cTn id="2" dur="indefinite" nodeType="mainSeq">
+                <p:childTnLst>
+                  <p:par>
+                    <p:cTn id="3" fill="hold">
+                      <p:stCondLst>
+                        <p:cond delay="indefinite"/>
+                      </p:stCondLst>
+                      <p:childTnLst>
+                        <p:par>
+                          <p:cTn id="4" fill="hold">
+                            <p:stCondLst>
+                              <p:cond delay="0"/>
+                            </p:stCondLst>
+                            <p:childTnLst>
+                              <p:par>
+                                <p:cTn id="5" presetID="12" presetClass="entr" presetSubtype="8" fill="hold" nodeType="clickEffect">
+                                  <p:stCondLst>
+                                    <p:cond delay="0"/>
+                                  </p:stCondLst>
+                                  <p:childTnLst>
+                                    <p:set>
+                                      <p:cBhvr>
+                                        <p:cTn id="6" dur="1" fill="hold">
+                                          <p:stCondLst>
+                                            <p:cond delay="0"/>
+                                          </p:stCondLst>
+                                        </p:cTn>
+                                        <p:tgtEl>
+                                          <p:spTgt spid="3"/>
+                                        </p:tgtEl>
+                                        <p:attrNameLst>
+                                          <p:attrName>style.visibility</p:attrName>
+                                        </p:attrNameLst>
+                                      </p:cBhvr>
+                                      <p:to>
+                                        <p:strVal val="visible"/>
+                                      </p:to>
+                                    </p:set>
+                                    <p:anim calcmode="lin" valueType="num">
+                                      <p:cBhvr additive="base">
+                                        <p:cTn id="7" dur="500"/>
+                                        <p:tgtEl>
+                                          <p:spTgt spid="3"/>
+                                        </p:tgtEl>
+                                        <p:attrNameLst>
+                                          <p:attrName>ppt_x</p:attrName>
+                                        </p:attrNameLst>
+                                      </p:cBhvr>
+                                      <p:tavLst>
+                                        <p:tav tm="0">
+                                          <p:val>
+                                            <p:strVal val="#ppt_x-#ppt_w*1.125000"/>
+                                          </p:val>
+                                        </p:tav>
+                                        <p:tav tm="100000">
+                                          <p:val>
+                                            <p:strVal val="#ppt_x"/>
+                                          </p:val>
+                                        </p:tav>
+                                      </p:tavLst>
+                                    </p:anim>
+                                    <p:animEffect transition="in" filter="wipe(right)">
+                                      <p:cBhvr>
+                                        <p:cTn id="8" dur="500"/>
+                                        <p:tgtEl>
+                                          <p:spTgt spid="3"/>
+                                        </p:tgtEl>
+                                      </p:cBhvr>
+                                    </p:animEffect>
+                                  </p:childTnLst>
+                                </p:cTn>
+                              </p:par>
+                            </p:childTnLst>
+                          </p:cTn>
+                        </p:par>
+                      </p:childTnLst>
+                    </p:cTn>
+                  </p:par>
+                  <p:par>
+                    <p:cTn id="9" fill="hold">
+                      <p:stCondLst>
+                        <p:cond delay="indefinite"/>
+                      </p:stCondLst>
+                      <p:childTnLst>
+                        <p:par>
+                          <p:cTn id="10" fill="hold">
+                            <p:stCondLst>
+                              <p:cond delay="0"/>
+                            </p:stCondLst>
+                            <p:childTnLst>
+                              <p:par>
+                                <p:cTn id="11" presetID="2" presetClass="entr" presetSubtype="4" fill="hold" nodeType="clickEffect">
+                                  <p:stCondLst>
+                                    <p:cond delay="0"/>
+                                  </p:stCondLst>
+                                  <p:childTnLst>
+                                    <p:set>
+                                      <p:cBhvr>
+                                        <p:cTn id="12" dur="1" fill="hold">
+                                          <p:stCondLst>
+                                            <p:cond delay="0"/>
+                                          </p:stCondLst>
+                                        </p:cTn>
+                                        <p:tgtEl>
+                                          <p:spTgt spid="6"/>
+                                        </p:tgtEl>
+                                        <p:attrNameLst>
+                                          <p:attrName>style.visibility</p:attrName>
+                                        </p:attrNameLst>
+                                      </p:cBhvr>
+                                      <p:to>
+                                        <p:strVal val="visible"/>
+                                      </p:to>
+                                    </p:set>
+                                    <p:anim calcmode="lin" valueType="num">
+                                      <p:cBhvr additive="base">
+                                        <p:cTn id="13" dur="500" fill="hold"/>
+                                        <p:tgtEl>
+                                          <p:spTgt spid="6"/>
+                                        </p:tgtEl>
+                                        <p:attrNameLst>
+                                          <p:attrName>ppt_x</p:attrName>
+                                        </p:attrNameLst>
+                                      </p:cBhvr>
+                                      <p:tavLst>
+                                        <p:tav tm="0">
+                                          <p:val>
+                                            <p:strVal val="#ppt_x"/>
+                                          </p:val>
+                                        </p:tav>
+                                        <p:tav tm="100000">
+                                          <p:val>
+                                            <p:strVal val="#ppt_x"/>
+                                          </p:val>
+                                        </p:tav>
+                                      </p:tavLst>
+                                    </p:anim>
+                                    <p:anim calcmode="lin" valueType="num">
+                                      <p:cBhvr additive="base">
+                                        <p:cTn id="14" dur="500" fill="hold"/>
+                                        <p:tgtEl>
+                                          <p:spTgt spid="6"/>
+                                        </p:tgtEl>
+                                        <p:attrNameLst>
+                                          <p:attrName>ppt_y</p:attrName>
+                                        </p:attrNameLst>
+                                      </p:cBhvr>
+                                      <p:tavLst>
+                                        <p:tav tm="0">
+                                          <p:val>
+                                            <p:strVal val="1+#ppt_h/2"/>
+                                          </p:val>
+                                        </p:tav>
+                                        <p:tav tm="100000">
+                                          <p:val>
+                                            <p:strVal val="#ppt_y"/>
+                                          </p:val>
+                                        </p:tav>
+                                      </p:tavLst>
+                                    </p:anim>
+                                  </p:childTnLst>
+                                </p:cTn>
+                              </p:par>
+                            </p:childTnLst>
+                          </p:cTn>
+                        </p:par>
+                      </p:childTnLst>
+                    </p:cTn>
+                  </p:par>
+                </p:childTnLst>
+              </p:cTn>
+              <p:prevCondLst>
+                <p:cond evt="onPrev" delay="0">
+                  <p:tgtEl>
+                    <p:sldTgt/>
+                  </p:tgtEl>
+                </p:cond>
+              </p:prevCondLst>
+              <p:nextCondLst>
+                <p:cond evt="onNext" delay="0">
+                  <p:tgtEl>
+                    <p:sldTgt/>
+                  </p:tgtEl>
+                </p:cond>
+              </p:nextCondLst>
+            </p:seq>
+          </p:childTnLst>
+        </p:cTn>
+      </p:par>
+    </p:tnLst>
+  </p:timing>
+</p:sld>
+</file>
+
+<file path=ppt/slides/slide5.xml><?xml version="1.0" encoding="utf-8"?>
+<p:sld xmlns:a="http://schemas.openxmlformats.org/drawingml/2006/main" xmlns:r="http://schemas.openxmlformats.org/officeDocument/2006/relationships" xmlns:p="http://schemas.openxmlformats.org/presentationml/2006/main">
+  <p:cSld>
+    <p:spTree>
+      <p:nvGrpSpPr>
+        <p:cNvPr id="1" name=""/>
+        <p:cNvGrpSpPr/>
+        <p:nvPr/>
+      </p:nvGrpSpPr>
+      <p:grpSpPr>
+        <a:xfrm>
+          <a:off x="0" y="0"/>
+          <a:ext cx="0" cy="0"/>
+          <a:chOff x="0" y="0"/>
+          <a:chExt cx="0" cy="0"/>
+        </a:xfrm>
+      </p:grpSpPr>
+      <p:sp>
+        <p:nvSpPr>
+          <p:cNvPr id="2" name="CasellaDiTesto 1">
+            <a:extLst>
+              <a:ext uri="{FF2B5EF4-FFF2-40B4-BE49-F238E27FC236}">
+                <a16:creationId xmlns:a16="http://schemas.microsoft.com/office/drawing/2014/main" id="{76ACE38D-0077-294E-869D-69A00A374118}"/>
+              </a:ext>
+            </a:extLst>
+          </p:cNvPr>
+          <p:cNvSpPr txBox="1"/>
+          <p:nvPr/>
+        </p:nvSpPr>
+        <p:spPr>
+          <a:xfrm>
+            <a:off x="2155657" y="261253"/>
+            <a:ext cx="7922362" cy="584775"/>
+          </a:xfrm>
+          <a:prstGeom prst="rect">
+            <a:avLst/>
+          </a:prstGeom>
+          <a:noFill/>
+        </p:spPr>
+        <p:txBody>
+          <a:bodyPr wrap="none" rtlCol="0">
+            <a:spAutoFit/>
+          </a:bodyPr>
+          <a:lstStyle/>
+          <a:p>
+            <a:r>
+              <a:rPr lang="it-IT" sz="3200" dirty="0" err="1">
+                <a:latin typeface="Aharoni" panose="02010803020104030203" pitchFamily="2" charset="-79"/>
+                <a:cs typeface="Aharoni" panose="02010803020104030203" pitchFamily="2" charset="-79"/>
+              </a:rPr>
+              <a:t>Check</a:t>
+            </a:r>
+            <a:r>
+              <a:rPr lang="it-IT" sz="3200" dirty="0">
+                <a:latin typeface="Aharoni" panose="02010803020104030203" pitchFamily="2" charset="-79"/>
+                <a:cs typeface="Aharoni" panose="02010803020104030203" pitchFamily="2" charset="-79"/>
+              </a:rPr>
+              <a:t> </a:t>
+            </a:r>
+            <a:r>
+              <a:rPr lang="it-IT" sz="3200" dirty="0" err="1">
+                <a:latin typeface="Aharoni" panose="02010803020104030203" pitchFamily="2" charset="-79"/>
+                <a:cs typeface="Aharoni" panose="02010803020104030203" pitchFamily="2" charset="-79"/>
+              </a:rPr>
+              <a:t>prerequisites</a:t>
+            </a:r>
+            <a:r>
+              <a:rPr lang="it-IT" sz="3200" dirty="0">
+                <a:latin typeface="Aharoni" panose="02010803020104030203" pitchFamily="2" charset="-79"/>
+                <a:cs typeface="Aharoni" panose="02010803020104030203" pitchFamily="2" charset="-79"/>
+              </a:rPr>
+              <a:t>, compile and </a:t>
+            </a:r>
+            <a:r>
+              <a:rPr lang="it-IT" sz="3200" dirty="0" err="1">
+                <a:latin typeface="Aharoni" panose="02010803020104030203" pitchFamily="2" charset="-79"/>
+                <a:cs typeface="Aharoni" panose="02010803020104030203" pitchFamily="2" charset="-79"/>
+              </a:rPr>
+              <a:t>launch</a:t>
+            </a:r>
+            <a:endParaRPr lang="it-IT" sz="3200" dirty="0">
+              <a:latin typeface="Aharoni" panose="02010803020104030203" pitchFamily="2" charset="-79"/>
+              <a:cs typeface="Aharoni" panose="02010803020104030203" pitchFamily="2" charset="-79"/>
+            </a:endParaRPr>
+          </a:p>
+        </p:txBody>
+      </p:sp>
+      <p:pic>
+        <p:nvPicPr>
+          <p:cNvPr id="2050" name="Picture 2">
+            <a:extLst>
+              <a:ext uri="{FF2B5EF4-FFF2-40B4-BE49-F238E27FC236}">
+                <a16:creationId xmlns:a16="http://schemas.microsoft.com/office/drawing/2014/main" id="{41EFB2D7-50CA-1444-B9E8-1A337A0A4A02}"/>
+              </a:ext>
+            </a:extLst>
+          </p:cNvPr>
+          <p:cNvPicPr>
+            <a:picLocks noChangeAspect="1" noChangeArrowheads="1"/>
+          </p:cNvPicPr>
+          <p:nvPr/>
+        </p:nvPicPr>
+        <p:blipFill>
+          <a:blip r:embed="rId2">
+            <a:extLst>
+              <a:ext uri="{28A0092B-C50C-407E-A947-70E740481C1C}">
+                <a14:useLocalDpi xmlns:a14="http://schemas.microsoft.com/office/drawing/2010/main" val="0"/>
+              </a:ext>
+            </a:extLst>
+          </a:blip>
+          <a:srcRect/>
+          <a:stretch>
+            <a:fillRect/>
+          </a:stretch>
+        </p:blipFill>
+        <p:spPr bwMode="auto">
+          <a:xfrm>
+            <a:off x="764501" y="1070535"/>
+            <a:ext cx="3261329" cy="2698750"/>
+          </a:xfrm>
+          <a:prstGeom prst="rect">
+            <a:avLst/>
+          </a:prstGeom>
+          <a:noFill/>
+          <a:extLst>
+            <a:ext uri="{909E8E84-426E-40DD-AFC4-6F175D3DCCD1}">
+              <a14:hiddenFill xmlns:a14="http://schemas.microsoft.com/office/drawing/2010/main">
+                <a:solidFill>
+                  <a:srgbClr val="FFFFFF"/>
+                </a:solidFill>
+              </a14:hiddenFill>
+            </a:ext>
+          </a:extLst>
+        </p:spPr>
+      </p:pic>
+      <p:pic>
+        <p:nvPicPr>
+          <p:cNvPr id="2052" name="Picture 4" descr="How to Manage Multiple Java Versions in MacOS (Updated 2021 + macOS Big  Sur) | by Chamika Kasun | Medium">
+            <a:extLst>
+              <a:ext uri="{FF2B5EF4-FFF2-40B4-BE49-F238E27FC236}">
+                <a16:creationId xmlns:a16="http://schemas.microsoft.com/office/drawing/2014/main" id="{FA61AF0B-EBAA-0C48-830C-0645D0A75C15}"/>
+              </a:ext>
+            </a:extLst>
+          </p:cNvPr>
+          <p:cNvPicPr>
+            <a:picLocks noChangeAspect="1" noChangeArrowheads="1"/>
+          </p:cNvPicPr>
+          <p:nvPr/>
+        </p:nvPicPr>
+        <p:blipFill>
+          <a:blip r:embed="rId3">
+            <a:extLst>
+              <a:ext uri="{28A0092B-C50C-407E-A947-70E740481C1C}">
+                <a14:useLocalDpi xmlns:a14="http://schemas.microsoft.com/office/drawing/2010/main" val="0"/>
+              </a:ext>
+            </a:extLst>
+          </a:blip>
+          <a:srcRect/>
+          <a:stretch>
+            <a:fillRect/>
+          </a:stretch>
+        </p:blipFill>
+        <p:spPr bwMode="auto">
+          <a:xfrm>
+            <a:off x="4094534" y="2778578"/>
+            <a:ext cx="3539719" cy="1981414"/>
+          </a:xfrm>
+          <a:prstGeom prst="rect">
+            <a:avLst/>
+          </a:prstGeom>
+          <a:noFill/>
+          <a:extLst>
+            <a:ext uri="{909E8E84-426E-40DD-AFC4-6F175D3DCCD1}">
+              <a14:hiddenFill xmlns:a14="http://schemas.microsoft.com/office/drawing/2010/main">
+                <a:solidFill>
+                  <a:srgbClr val="FFFFFF"/>
+                </a:solidFill>
+              </a14:hiddenFill>
+            </a:ext>
+          </a:extLst>
+        </p:spPr>
+      </p:pic>
+      <p:pic>
+        <p:nvPicPr>
+          <p:cNvPr id="2054" name="Picture 6">
+            <a:extLst>
+              <a:ext uri="{FF2B5EF4-FFF2-40B4-BE49-F238E27FC236}">
+                <a16:creationId xmlns:a16="http://schemas.microsoft.com/office/drawing/2014/main" id="{6011BAE6-DDBA-9946-8230-8C6C984AE52F}"/>
+              </a:ext>
+            </a:extLst>
+          </p:cNvPr>
+          <p:cNvPicPr>
+            <a:picLocks noChangeAspect="1" noChangeArrowheads="1"/>
+          </p:cNvPicPr>
+          <p:nvPr/>
+        </p:nvPicPr>
+        <p:blipFill>
+          <a:blip r:embed="rId4">
+            <a:extLst>
+              <a:ext uri="{28A0092B-C50C-407E-A947-70E740481C1C}">
+                <a14:useLocalDpi xmlns:a14="http://schemas.microsoft.com/office/drawing/2010/main" val="0"/>
+              </a:ext>
+            </a:extLst>
+          </a:blip>
+          <a:srcRect/>
+          <a:stretch>
+            <a:fillRect/>
+          </a:stretch>
+        </p:blipFill>
+        <p:spPr bwMode="auto">
+          <a:xfrm>
+            <a:off x="7177004" y="1341339"/>
+            <a:ext cx="3206044" cy="1803400"/>
+          </a:xfrm>
+          <a:prstGeom prst="rect">
+            <a:avLst/>
+          </a:prstGeom>
+          <a:noFill/>
+          <a:extLst>
+            <a:ext uri="{909E8E84-426E-40DD-AFC4-6F175D3DCCD1}">
+              <a14:hiddenFill xmlns:a14="http://schemas.microsoft.com/office/drawing/2010/main">
+                <a:solidFill>
+                  <a:srgbClr val="FFFFFF"/>
+                </a:solidFill>
+              </a14:hiddenFill>
+            </a:ext>
+          </a:extLst>
+        </p:spPr>
+      </p:pic>
+      <p:sp>
+        <p:nvSpPr>
+          <p:cNvPr id="7" name="CasellaDiTesto 6">
+            <a:extLst>
+              <a:ext uri="{FF2B5EF4-FFF2-40B4-BE49-F238E27FC236}">
+                <a16:creationId xmlns:a16="http://schemas.microsoft.com/office/drawing/2014/main" id="{D7BDC20F-B624-7E4F-863F-B28796A8D4B9}"/>
+              </a:ext>
+            </a:extLst>
+          </p:cNvPr>
+          <p:cNvSpPr txBox="1"/>
+          <p:nvPr/>
+        </p:nvSpPr>
+        <p:spPr>
+          <a:xfrm>
+            <a:off x="1081675" y="5077289"/>
+            <a:ext cx="8084264" cy="584775"/>
+          </a:xfrm>
+          <a:prstGeom prst="rect">
+            <a:avLst/>
+          </a:prstGeom>
+          <a:noFill/>
+        </p:spPr>
+        <p:txBody>
+          <a:bodyPr wrap="none" rtlCol="0">
+            <a:spAutoFit/>
+          </a:bodyPr>
+          <a:lstStyle/>
+          <a:p>
+            <a:r>
+              <a:rPr lang="it-IT" sz="3200" dirty="0">
+                <a:latin typeface="Courier" pitchFamily="2" charset="0"/>
+                <a:cs typeface="Aharoni" panose="02010803020104030203" pitchFamily="2" charset="-79"/>
+              </a:rPr>
+              <a:t>./</a:t>
+            </a:r>
+            <a:r>
+              <a:rPr lang="it-IT" sz="3200" dirty="0" err="1">
+                <a:latin typeface="Courier" pitchFamily="2" charset="0"/>
+                <a:cs typeface="Aharoni" panose="02010803020104030203" pitchFamily="2" charset="-79"/>
+              </a:rPr>
+              <a:t>gradlew</a:t>
+            </a:r>
+            <a:r>
+              <a:rPr lang="it-IT" sz="3200" dirty="0">
+                <a:latin typeface="Courier" pitchFamily="2" charset="0"/>
+                <a:cs typeface="Aharoni" panose="02010803020104030203" pitchFamily="2" charset="-79"/>
+              </a:rPr>
+              <a:t> :</a:t>
+            </a:r>
+            <a:r>
+              <a:rPr lang="it-IT" sz="3200" dirty="0" err="1">
+                <a:latin typeface="Courier" pitchFamily="2" charset="0"/>
+                <a:cs typeface="Aharoni" panose="02010803020104030203" pitchFamily="2" charset="-79"/>
+              </a:rPr>
+              <a:t>core:standalone:build</a:t>
+            </a:r>
+            <a:endParaRPr lang="it-IT" sz="3200" dirty="0">
+              <a:latin typeface="Courier" pitchFamily="2" charset="0"/>
+              <a:cs typeface="Aharoni" panose="02010803020104030203" pitchFamily="2" charset="-79"/>
+            </a:endParaRPr>
+          </a:p>
+        </p:txBody>
+      </p:sp>
+      <p:sp>
+        <p:nvSpPr>
+          <p:cNvPr id="8" name="CasellaDiTesto 7">
+            <a:extLst>
+              <a:ext uri="{FF2B5EF4-FFF2-40B4-BE49-F238E27FC236}">
+                <a16:creationId xmlns:a16="http://schemas.microsoft.com/office/drawing/2014/main" id="{B9E723DB-4839-CA4B-90D0-1070A178D6B9}"/>
+              </a:ext>
+            </a:extLst>
+          </p:cNvPr>
+          <p:cNvSpPr txBox="1"/>
+          <p:nvPr/>
+        </p:nvSpPr>
+        <p:spPr>
+          <a:xfrm>
+            <a:off x="1081675" y="5858336"/>
+            <a:ext cx="9565439" cy="584775"/>
+          </a:xfrm>
+          <a:prstGeom prst="rect">
+            <a:avLst/>
+          </a:prstGeom>
+          <a:noFill/>
+        </p:spPr>
+        <p:txBody>
+          <a:bodyPr wrap="none" rtlCol="0">
+            <a:spAutoFit/>
+          </a:bodyPr>
+          <a:lstStyle/>
+          <a:p>
+            <a:r>
+              <a:rPr lang="it-IT" sz="3200" dirty="0">
+                <a:latin typeface="Courier" pitchFamily="2" charset="0"/>
+                <a:cs typeface="Aharoni" panose="02010803020104030203" pitchFamily="2" charset="-79"/>
+              </a:rPr>
+              <a:t>java –</a:t>
+            </a:r>
+            <a:r>
+              <a:rPr lang="it-IT" sz="3200" dirty="0" err="1">
+                <a:latin typeface="Courier" pitchFamily="2" charset="0"/>
+                <a:cs typeface="Aharoni" panose="02010803020104030203" pitchFamily="2" charset="-79"/>
+              </a:rPr>
+              <a:t>jar</a:t>
+            </a:r>
+            <a:r>
+              <a:rPr lang="it-IT" sz="3200" dirty="0">
+                <a:latin typeface="Courier" pitchFamily="2" charset="0"/>
+                <a:cs typeface="Aharoni" panose="02010803020104030203" pitchFamily="2" charset="-79"/>
+              </a:rPr>
+              <a:t> bin/</a:t>
+            </a:r>
+            <a:r>
+              <a:rPr lang="it-IT" sz="3200" dirty="0" err="1">
+                <a:latin typeface="Courier" pitchFamily="2" charset="0"/>
+                <a:cs typeface="Aharoni" panose="02010803020104030203" pitchFamily="2" charset="-79"/>
+              </a:rPr>
+              <a:t>openwhisk-standalone.jar</a:t>
+            </a:r>
+            <a:endParaRPr lang="it-IT" sz="3200" dirty="0">
+              <a:latin typeface="Courier" pitchFamily="2" charset="0"/>
+              <a:cs typeface="Aharoni" panose="02010803020104030203" pitchFamily="2" charset="-79"/>
+            </a:endParaRPr>
+          </a:p>
+        </p:txBody>
+      </p:sp>
+    </p:spTree>
+    <p:extLst>
+      <p:ext uri="{BB962C8B-B14F-4D97-AF65-F5344CB8AC3E}">
+        <p14:creationId xmlns:p14="http://schemas.microsoft.com/office/powerpoint/2010/main" val="3227254374"/>
+      </p:ext>
+    </p:extLst>
+  </p:cSld>
+  <p:clrMapOvr>
+    <a:masterClrMapping/>
+  </p:clrMapOvr>
+  <p:timing>
+    <p:tnLst>
+      <p:par>
+        <p:cTn id="1" dur="indefinite" restart="never" nodeType="tmRoot">
+          <p:childTnLst>
+            <p:seq concurrent="1" nextAc="seek">
+              <p:cTn id="2" dur="indefinite" nodeType="mainSeq">
+                <p:childTnLst>
+                  <p:par>
+                    <p:cTn id="3" fill="hold">
+                      <p:stCondLst>
+                        <p:cond delay="indefinite"/>
+                      </p:stCondLst>
+                      <p:childTnLst>
+                        <p:par>
+                          <p:cTn id="4" fill="hold">
+                            <p:stCondLst>
+                              <p:cond delay="0"/>
+                            </p:stCondLst>
+                            <p:childTnLst>
+                              <p:par>
+                                <p:cTn id="5" presetID="52" presetClass="entr" presetSubtype="0" fill="hold" nodeType="clickEffect">
+                                  <p:stCondLst>
+                                    <p:cond delay="0"/>
+                                  </p:stCondLst>
+                                  <p:childTnLst>
+                                    <p:set>
+                                      <p:cBhvr>
+                                        <p:cTn id="6" dur="1" fill="hold">
+                                          <p:stCondLst>
+                                            <p:cond delay="0"/>
+                                          </p:stCondLst>
+                                        </p:cTn>
+                                        <p:tgtEl>
+                                          <p:spTgt spid="2050"/>
+                                        </p:tgtEl>
+                                        <p:attrNameLst>
+                                          <p:attrName>style.visibility</p:attrName>
+                                        </p:attrNameLst>
+                                      </p:cBhvr>
+                                      <p:to>
+                                        <p:strVal val="visible"/>
+                                      </p:to>
+                                    </p:set>
+                                    <p:animScale>
+                                      <p:cBhvr>
+                                        <p:cTn id="7" dur="1000" decel="50000" fill="hold">
+                                          <p:stCondLst>
+                                            <p:cond delay="0"/>
+                                          </p:stCondLst>
+                                        </p:cTn>
+                                        <p:tgtEl>
+                                          <p:spTgt spid="2050"/>
+                                        </p:tgtEl>
+                                      </p:cBhvr>
+                                      <p:from x="250000" y="250000"/>
+                                      <p:to x="100000" y="100000"/>
+                                    </p:animScale>
+                                    <p:animMotion origin="layout" path="M -0.46736 0.92887  C -0.37517 0.88508  -0.02552 0.75279  0.0908 0.66613  C  0.20747 0.57948  0.21649 0.50394  0.23177 0.40825  C 0.24705 0.31256  0.22118 0.15964   0.18264 0.09152  C 0.1441 0.02341  0.03802 0.0  0.0 0.0  " pathEditMode="relative" ptsTypes="">
+                                      <p:cBhvr>
+                                        <p:cTn id="8" dur="1000" decel="50000" fill="hold">
+                                          <p:stCondLst>
+                                            <p:cond delay="0"/>
+                                          </p:stCondLst>
+                                        </p:cTn>
+                                        <p:tgtEl>
+                                          <p:spTgt spid="2050"/>
+                                        </p:tgtEl>
+                                        <p:attrNameLst>
+                                          <p:attrName>ppt_x</p:attrName>
+                                          <p:attrName>ppt_y</p:attrName>
+                                        </p:attrNameLst>
+                                      </p:cBhvr>
+                                    </p:animMotion>
+                                    <p:animEffect transition="in" filter="fade">
+                                      <p:cBhvr>
+                                        <p:cTn id="9" dur="1000"/>
+                                        <p:tgtEl>
+                                          <p:spTgt spid="2050"/>
+                                        </p:tgtEl>
+                                      </p:cBhvr>
+                                    </p:animEffect>
+                                  </p:childTnLst>
+                                </p:cTn>
+                              </p:par>
+                            </p:childTnLst>
+                          </p:cTn>
+                        </p:par>
+                      </p:childTnLst>
+                    </p:cTn>
+                  </p:par>
+                  <p:par>
+                    <p:cTn id="10" fill="hold">
+                      <p:stCondLst>
+                        <p:cond delay="indefinite"/>
+                      </p:stCondLst>
+                      <p:childTnLst>
+                        <p:par>
+                          <p:cTn id="11" fill="hold">
+                            <p:stCondLst>
+                              <p:cond delay="0"/>
+                            </p:stCondLst>
+                            <p:childTnLst>
+                              <p:par>
+                                <p:cTn id="12" presetID="52" presetClass="entr" presetSubtype="0" fill="hold" nodeType="clickEffect">
+                                  <p:stCondLst>
+                                    <p:cond delay="0"/>
+                                  </p:stCondLst>
+                                  <p:childTnLst>
+                                    <p:set>
+                                      <p:cBhvr>
+                                        <p:cTn id="13" dur="1" fill="hold">
+                                          <p:stCondLst>
+                                            <p:cond delay="0"/>
+                                          </p:stCondLst>
+                                        </p:cTn>
+                                        <p:tgtEl>
+                                          <p:spTgt spid="2052"/>
+                                        </p:tgtEl>
+                                        <p:attrNameLst>
+                                          <p:attrName>style.visibility</p:attrName>
+                                        </p:attrNameLst>
+                                      </p:cBhvr>
+                                      <p:to>
+                                        <p:strVal val="visible"/>
+                                      </p:to>
+                                    </p:set>
+                                    <p:animScale>
+                                      <p:cBhvr>
+                                        <p:cTn id="14" dur="1000" decel="50000" fill="hold">
+                                          <p:stCondLst>
+                                            <p:cond delay="0"/>
+                                          </p:stCondLst>
+                                        </p:cTn>
+                                        <p:tgtEl>
+                                          <p:spTgt spid="2052"/>
+                                        </p:tgtEl>
+                                      </p:cBhvr>
+                                      <p:from x="250000" y="250000"/>
+                                      <p:to x="100000" y="100000"/>
+                                    </p:animScale>
+                                    <p:animMotion origin="layout" path="M -0.46736 0.92887  C -0.37517 0.88508  -0.02552 0.75279  0.0908 0.66613  C  0.20747 0.57948  0.21649 0.50394  0.23177 0.40825  C 0.24705 0.31256  0.22118 0.15964   0.18264 0.09152  C 0.1441 0.02341  0.03802 0.0  0.0 0.0  " pathEditMode="relative" ptsTypes="">
+                                      <p:cBhvr>
+                                        <p:cTn id="15" dur="1000" decel="50000" fill="hold">
+                                          <p:stCondLst>
+                                            <p:cond delay="0"/>
+                                          </p:stCondLst>
+                                        </p:cTn>
+                                        <p:tgtEl>
+                                          <p:spTgt spid="2052"/>
+                                        </p:tgtEl>
+                                        <p:attrNameLst>
+                                          <p:attrName>ppt_x</p:attrName>
+                                          <p:attrName>ppt_y</p:attrName>
+                                        </p:attrNameLst>
+                                      </p:cBhvr>
+                                    </p:animMotion>
+                                    <p:animEffect transition="in" filter="fade">
+                                      <p:cBhvr>
+                                        <p:cTn id="16" dur="1000"/>
+                                        <p:tgtEl>
+                                          <p:spTgt spid="2052"/>
+                                        </p:tgtEl>
+                                      </p:cBhvr>
+                                    </p:animEffect>
+                                  </p:childTnLst>
+                                </p:cTn>
+                              </p:par>
+                            </p:childTnLst>
+                          </p:cTn>
+                        </p:par>
+                      </p:childTnLst>
+                    </p:cTn>
+                  </p:par>
+                  <p:par>
+                    <p:cTn id="17" fill="hold">
+                      <p:stCondLst>
+                        <p:cond delay="indefinite"/>
+                      </p:stCondLst>
+                      <p:childTnLst>
+                        <p:par>
+                          <p:cTn id="18" fill="hold">
+                            <p:stCondLst>
+                              <p:cond delay="0"/>
+                            </p:stCondLst>
+                            <p:childTnLst>
+                              <p:par>
+                                <p:cTn id="19" presetID="52" presetClass="entr" presetSubtype="0" fill="hold" nodeType="clickEffect">
+                                  <p:stCondLst>
+                                    <p:cond delay="0"/>
+                                  </p:stCondLst>
+                                  <p:childTnLst>
+                                    <p:set>
+                                      <p:cBhvr>
+                                        <p:cTn id="20" dur="1" fill="hold">
+                                          <p:stCondLst>
+                                            <p:cond delay="0"/>
+                                          </p:stCondLst>
+                                        </p:cTn>
+                                        <p:tgtEl>
+                                          <p:spTgt spid="2054"/>
+                                        </p:tgtEl>
+                                        <p:attrNameLst>
+                                          <p:attrName>style.visibility</p:attrName>
+                                        </p:attrNameLst>
+                                      </p:cBhvr>
+                                      <p:to>
+                                        <p:strVal val="visible"/>
+                                      </p:to>
+                                    </p:set>
+                                    <p:animScale>
+                                      <p:cBhvr>
+                                        <p:cTn id="21" dur="1000" decel="50000" fill="hold">
+                                          <p:stCondLst>
+                                            <p:cond delay="0"/>
+                                          </p:stCondLst>
+                                        </p:cTn>
+                                        <p:tgtEl>
+                                          <p:spTgt spid="2054"/>
+                                        </p:tgtEl>
+                                      </p:cBhvr>
+                                      <p:from x="250000" y="250000"/>
+                                      <p:to x="100000" y="100000"/>
+                                    </p:animScale>
+                                    <p:animMotion origin="layout" path="M -0.46736 0.92887  C -0.37517 0.88508  -0.02552 0.75279  0.0908 0.66613  C  0.20747 0.57948  0.21649 0.50394  0.23177 0.40825  C 0.24705 0.31256  0.22118 0.15964   0.18264 0.09152  C 0.1441 0.02341  0.03802 0.0  0.0 0.0  " pathEditMode="relative" ptsTypes="">
+                                      <p:cBhvr>
+                                        <p:cTn id="22" dur="1000" decel="50000" fill="hold">
+                                          <p:stCondLst>
+                                            <p:cond delay="0"/>
+                                          </p:stCondLst>
+                                        </p:cTn>
+                                        <p:tgtEl>
+                                          <p:spTgt spid="2054"/>
+                                        </p:tgtEl>
+                                        <p:attrNameLst>
+                                          <p:attrName>ppt_x</p:attrName>
+                                          <p:attrName>ppt_y</p:attrName>
+                                        </p:attrNameLst>
+                                      </p:cBhvr>
+                                    </p:animMotion>
+                                    <p:animEffect transition="in" filter="fade">
+                                      <p:cBhvr>
+                                        <p:cTn id="23" dur="1000"/>
+                                        <p:tgtEl>
+                                          <p:spTgt spid="2054"/>
+                                        </p:tgtEl>
+                                      </p:cBhvr>
+                                    </p:animEffect>
+                                  </p:childTnLst>
+                                </p:cTn>
+                              </p:par>
+                            </p:childTnLst>
+                          </p:cTn>
+                        </p:par>
+                      </p:childTnLst>
+                    </p:cTn>
+                  </p:par>
+                  <p:par>
+                    <p:cTn id="24" fill="hold">
+                      <p:stCondLst>
+                        <p:cond delay="indefinite"/>
+                      </p:stCondLst>
+                      <p:childTnLst>
+                        <p:par>
+                          <p:cTn id="25" fill="hold">
+                            <p:stCondLst>
+                              <p:cond delay="0"/>
+                            </p:stCondLst>
+                            <p:childTnLst>
+                              <p:par>
+                                <p:cTn id="26" presetID="41" presetClass="entr" presetSubtype="0" fill="hold" grpId="0" nodeType="clickEffect">
+                                  <p:stCondLst>
+                                    <p:cond delay="0"/>
+                                  </p:stCondLst>
+                                  <p:iterate type="lt">
+                                    <p:tmPct val="10000"/>
+                                  </p:iterate>
+                                  <p:childTnLst>
+                                    <p:set>
+                                      <p:cBhvr>
+                                        <p:cTn id="27" dur="1" fill="hold">
+                                          <p:stCondLst>
+                                            <p:cond delay="0"/>
+                                          </p:stCondLst>
+                                        </p:cTn>
+                                        <p:tgtEl>
+                                          <p:spTgt spid="7"/>
+                                        </p:tgtEl>
+                                        <p:attrNameLst>
+                                          <p:attrName>style.visibility</p:attrName>
+                                        </p:attrNameLst>
+                                      </p:cBhvr>
+                                      <p:to>
+                                        <p:strVal val="visible"/>
+                                      </p:to>
+                                    </p:set>
+                                    <p:anim calcmode="lin" valueType="num">
+                                      <p:cBhvr>
+                                        <p:cTn id="28" dur="500" fill="hold"/>
+                                        <p:tgtEl>
+                                          <p:spTgt spid="7"/>
+                                        </p:tgtEl>
+                                        <p:attrNameLst>
+                                          <p:attrName>ppt_x</p:attrName>
+                                        </p:attrNameLst>
+                                      </p:cBhvr>
+                                      <p:tavLst>
+                                        <p:tav tm="0">
+                                          <p:val>
+                                            <p:strVal val="#ppt_x"/>
+                                          </p:val>
+                                        </p:tav>
+                                        <p:tav tm="50000">
+                                          <p:val>
+                                            <p:strVal val="#ppt_x+.1"/>
+                                          </p:val>
+                                        </p:tav>
+                                        <p:tav tm="100000">
+                                          <p:val>
+                                            <p:strVal val="#ppt_x"/>
+                                          </p:val>
+                                        </p:tav>
+                                      </p:tavLst>
+                                    </p:anim>
+                                    <p:anim calcmode="lin" valueType="num">
+                                      <p:cBhvr>
+                                        <p:cTn id="29" dur="500" fill="hold"/>
+                                        <p:tgtEl>
+                                          <p:spTgt spid="7"/>
+                                        </p:tgtEl>
+                                        <p:attrNameLst>
+                                          <p:attrName>ppt_y</p:attrName>
+                                        </p:attrNameLst>
+                                      </p:cBhvr>
+                                      <p:tavLst>
+                                        <p:tav tm="0">
+                                          <p:val>
+                                            <p:strVal val="#ppt_y"/>
+                                          </p:val>
+                                        </p:tav>
+                                        <p:tav tm="100000">
+                                          <p:val>
+                                            <p:strVal val="#ppt_y"/>
+                                          </p:val>
+                                        </p:tav>
+                                      </p:tavLst>
+                                    </p:anim>
+                                    <p:anim calcmode="lin" valueType="num">
+                                      <p:cBhvr>
+                                        <p:cTn id="30" dur="500" fill="hold"/>
+                                        <p:tgtEl>
+                                          <p:spTgt spid="7"/>
+                                        </p:tgtEl>
+                                        <p:attrNameLst>
+                                          <p:attrName>ppt_h</p:attrName>
+                                        </p:attrNameLst>
+                                      </p:cBhvr>
+                                      <p:tavLst>
+                                        <p:tav tm="0">
+                                          <p:val>
+                                            <p:strVal val="#ppt_h/10"/>
+                                          </p:val>
+                                        </p:tav>
+                                        <p:tav tm="50000">
+                                          <p:val>
+                                            <p:strVal val="#ppt_h+.01"/>
+                                          </p:val>
+                                        </p:tav>
+                                        <p:tav tm="100000">
+                                          <p:val>
+                                            <p:strVal val="#ppt_h"/>
+                                          </p:val>
+                                        </p:tav>
+                                      </p:tavLst>
+                                    </p:anim>
+                                    <p:anim calcmode="lin" valueType="num">
+                                      <p:cBhvr>
+                                        <p:cTn id="31" dur="500" fill="hold"/>
+                                        <p:tgtEl>
+                                          <p:spTgt spid="7"/>
+                                        </p:tgtEl>
+                                        <p:attrNameLst>
+                                          <p:attrName>ppt_w</p:attrName>
+                                        </p:attrNameLst>
+                                      </p:cBhvr>
+                                      <p:tavLst>
+                                        <p:tav tm="0">
+                                          <p:val>
+                                            <p:strVal val="#ppt_w/10"/>
+                                          </p:val>
+                                        </p:tav>
+                                        <p:tav tm="50000">
+                                          <p:val>
+                                            <p:strVal val="#ppt_w+.01"/>
+                                          </p:val>
+                                        </p:tav>
+                                        <p:tav tm="100000">
+                                          <p:val>
+                                            <p:strVal val="#ppt_w"/>
+                                          </p:val>
+                                        </p:tav>
+                                      </p:tavLst>
+                                    </p:anim>
+                                    <p:animEffect transition="in" filter="fade">
+                                      <p:cBhvr>
+                                        <p:cTn id="32" dur="500" tmFilter="0,0; .5, 1; 1, 1"/>
+                                        <p:tgtEl>
+                                          <p:spTgt spid="7"/>
+                                        </p:tgtEl>
+                                      </p:cBhvr>
+                                    </p:animEffect>
+                                  </p:childTnLst>
+                                </p:cTn>
+                              </p:par>
+                            </p:childTnLst>
+                          </p:cTn>
+                        </p:par>
+                      </p:childTnLst>
+                    </p:cTn>
+                  </p:par>
+                  <p:par>
+                    <p:cTn id="33" fill="hold">
+                      <p:stCondLst>
+                        <p:cond delay="indefinite"/>
+                      </p:stCondLst>
+                      <p:childTnLst>
+                        <p:par>
+                          <p:cTn id="34" fill="hold">
+                            <p:stCondLst>
+                              <p:cond delay="0"/>
+                            </p:stCondLst>
+                            <p:childTnLst>
+                              <p:par>
+                                <p:cTn id="35" presetID="41" presetClass="entr" presetSubtype="0" fill="hold" grpId="0" nodeType="clickEffect">
+                                  <p:stCondLst>
+                                    <p:cond delay="0"/>
+                                  </p:stCondLst>
+                                  <p:iterate type="lt">
+                                    <p:tmPct val="10000"/>
+                                  </p:iterate>
+                                  <p:childTnLst>
+                                    <p:set>
+                                      <p:cBhvr>
+                                        <p:cTn id="36" dur="1" fill="hold">
+                                          <p:stCondLst>
+                                            <p:cond delay="0"/>
+                                          </p:stCondLst>
+                                        </p:cTn>
+                                        <p:tgtEl>
+                                          <p:spTgt spid="8"/>
+                                        </p:tgtEl>
+                                        <p:attrNameLst>
+                                          <p:attrName>style.visibility</p:attrName>
+                                        </p:attrNameLst>
+                                      </p:cBhvr>
+                                      <p:to>
+                                        <p:strVal val="visible"/>
+                                      </p:to>
+                                    </p:set>
+                                    <p:anim calcmode="lin" valueType="num">
+                                      <p:cBhvr>
+                                        <p:cTn id="37" dur="500" fill="hold"/>
+                                        <p:tgtEl>
+                                          <p:spTgt spid="8"/>
+                                        </p:tgtEl>
+                                        <p:attrNameLst>
+                                          <p:attrName>ppt_x</p:attrName>
+                                        </p:attrNameLst>
+                                      </p:cBhvr>
+                                      <p:tavLst>
+                                        <p:tav tm="0">
+                                          <p:val>
+                                            <p:strVal val="#ppt_x"/>
+                                          </p:val>
+                                        </p:tav>
+                                        <p:tav tm="50000">
+                                          <p:val>
+                                            <p:strVal val="#ppt_x+.1"/>
+                                          </p:val>
+                                        </p:tav>
+                                        <p:tav tm="100000">
+                                          <p:val>
+                                            <p:strVal val="#ppt_x"/>
+                                          </p:val>
+                                        </p:tav>
+                                      </p:tavLst>
+                                    </p:anim>
+                                    <p:anim calcmode="lin" valueType="num">
+                                      <p:cBhvr>
+                                        <p:cTn id="38" dur="500" fill="hold"/>
+                                        <p:tgtEl>
+                                          <p:spTgt spid="8"/>
+                                        </p:tgtEl>
+                                        <p:attrNameLst>
+                                          <p:attrName>ppt_y</p:attrName>
+                                        </p:attrNameLst>
+                                      </p:cBhvr>
+                                      <p:tavLst>
+                                        <p:tav tm="0">
+                                          <p:val>
+                                            <p:strVal val="#ppt_y"/>
+                                          </p:val>
+                                        </p:tav>
+                                        <p:tav tm="100000">
+                                          <p:val>
+                                            <p:strVal val="#ppt_y"/>
+                                          </p:val>
+                                        </p:tav>
+                                      </p:tavLst>
+                                    </p:anim>
+                                    <p:anim calcmode="lin" valueType="num">
+                                      <p:cBhvr>
+                                        <p:cTn id="39" dur="500" fill="hold"/>
+                                        <p:tgtEl>
+                                          <p:spTgt spid="8"/>
+                                        </p:tgtEl>
+                                        <p:attrNameLst>
+                                          <p:attrName>ppt_h</p:attrName>
+                                        </p:attrNameLst>
+                                      </p:cBhvr>
+                                      <p:tavLst>
+                                        <p:tav tm="0">
+                                          <p:val>
+                                            <p:strVal val="#ppt_h/10"/>
+                                          </p:val>
+                                        </p:tav>
+                                        <p:tav tm="50000">
+                                          <p:val>
+                                            <p:strVal val="#ppt_h+.01"/>
+                                          </p:val>
+                                        </p:tav>
+                                        <p:tav tm="100000">
+                                          <p:val>
+                                            <p:strVal val="#ppt_h"/>
+                                          </p:val>
+                                        </p:tav>
+                                      </p:tavLst>
+                                    </p:anim>
+                                    <p:anim calcmode="lin" valueType="num">
+                                      <p:cBhvr>
+                                        <p:cTn id="40" dur="500" fill="hold"/>
+                                        <p:tgtEl>
+                                          <p:spTgt spid="8"/>
+                                        </p:tgtEl>
+                                        <p:attrNameLst>
+                                          <p:attrName>ppt_w</p:attrName>
+                                        </p:attrNameLst>
+                                      </p:cBhvr>
+                                      <p:tavLst>
+                                        <p:tav tm="0">
+                                          <p:val>
+                                            <p:strVal val="#ppt_w/10"/>
+                                          </p:val>
+                                        </p:tav>
+                                        <p:tav tm="50000">
+                                          <p:val>
+                                            <p:strVal val="#ppt_w+.01"/>
+                                          </p:val>
+                                        </p:tav>
+                                        <p:tav tm="100000">
+                                          <p:val>
+                                            <p:strVal val="#ppt_w"/>
+                                          </p:val>
+                                        </p:tav>
+                                      </p:tavLst>
+                                    </p:anim>
+                                    <p:animEffect transition="in" filter="fade">
+                                      <p:cBhvr>
+                                        <p:cTn id="41" dur="500" tmFilter="0,0; .5, 1; 1, 1"/>
+                                        <p:tgtEl>
+                                          <p:spTgt spid="8"/>
+                                        </p:tgtEl>
+                                      </p:cBhvr>
+                                    </p:animEffect>
+                                  </p:childTnLst>
+                                </p:cTn>
+                              </p:par>
+                            </p:childTnLst>
+                          </p:cTn>
+                        </p:par>
+                      </p:childTnLst>
+                    </p:cTn>
+                  </p:par>
+                </p:childTnLst>
+              </p:cTn>
+              <p:prevCondLst>
+                <p:cond evt="onPrev" delay="0">
+                  <p:tgtEl>
+                    <p:sldTgt/>
+                  </p:tgtEl>
+                </p:cond>
+              </p:prevCondLst>
+              <p:nextCondLst>
+                <p:cond evt="onNext" delay="0">
+                  <p:tgtEl>
+                    <p:sldTgt/>
+                  </p:tgtEl>
+                </p:cond>
+              </p:nextCondLst>
+            </p:seq>
+          </p:childTnLst>
+        </p:cTn>
+      </p:par>
+    </p:tnLst>
+    <p:bldLst>
+      <p:bldP spid="7" grpId="0"/>
+      <p:bldP spid="8" grpId="0"/>
+    </p:bldLst>
+  </p:timing>
+</p:sld>
+</file>
+
+<file path=ppt/slides/slide6.xml><?xml version="1.0" encoding="utf-8"?>
+<p:sld xmlns:a="http://schemas.openxmlformats.org/drawingml/2006/main" xmlns:r="http://schemas.openxmlformats.org/officeDocument/2006/relationships" xmlns:p="http://schemas.openxmlformats.org/presentationml/2006/main">
+  <p:cSld>
+    <p:spTree>
+      <p:nvGrpSpPr>
+        <p:cNvPr id="1" name=""/>
+        <p:cNvGrpSpPr/>
+        <p:nvPr/>
+      </p:nvGrpSpPr>
+      <p:grpSpPr>
+        <a:xfrm>
+          <a:off x="0" y="0"/>
+          <a:ext cx="0" cy="0"/>
+          <a:chOff x="0" y="0"/>
+          <a:chExt cx="0" cy="0"/>
+        </a:xfrm>
+      </p:grpSpPr>
+      <p:pic>
+        <p:nvPicPr>
+          <p:cNvPr id="4" name="Immagine 3" descr="Immagine che contiene testo&#10;&#10;Descrizione generata automaticamente">
+            <a:extLst>
+              <a:ext uri="{FF2B5EF4-FFF2-40B4-BE49-F238E27FC236}">
+                <a16:creationId xmlns:a16="http://schemas.microsoft.com/office/drawing/2014/main" id="{17916FC9-1968-6E42-A2C0-00640862D688}"/>
+              </a:ext>
+            </a:extLst>
+          </p:cNvPr>
+          <p:cNvPicPr>
+            <a:picLocks noChangeAspect="1"/>
+          </p:cNvPicPr>
+          <p:nvPr/>
+        </p:nvPicPr>
+        <p:blipFill>
+          <a:blip r:embed="rId2"/>
+          <a:stretch>
+            <a:fillRect/>
+          </a:stretch>
+        </p:blipFill>
+        <p:spPr>
+          <a:xfrm>
+            <a:off x="1206760" y="2615669"/>
+            <a:ext cx="6992287" cy="2972331"/>
+          </a:xfrm>
+          <a:prstGeom prst="rect">
+            <a:avLst/>
+          </a:prstGeom>
+        </p:spPr>
+      </p:pic>
+      <p:sp>
+        <p:nvSpPr>
+          <p:cNvPr id="5" name="Fumetto 2 4">
+            <a:extLst>
+              <a:ext uri="{FF2B5EF4-FFF2-40B4-BE49-F238E27FC236}">
+                <a16:creationId xmlns:a16="http://schemas.microsoft.com/office/drawing/2014/main" id="{FF7CD437-24A6-D74C-A82E-DAC4726B9E78}"/>
+              </a:ext>
+            </a:extLst>
+          </p:cNvPr>
+          <p:cNvSpPr/>
+          <p:nvPr/>
+        </p:nvSpPr>
+        <p:spPr>
+          <a:xfrm>
+            <a:off x="1387307" y="1028700"/>
+            <a:ext cx="1536700" cy="1028700"/>
+          </a:xfrm>
+          <a:prstGeom prst="wedgeRoundRectCallout">
+            <a:avLst>
+              <a:gd name="adj1" fmla="val -27445"/>
+              <a:gd name="adj2" fmla="val 103241"/>
+              <a:gd name="adj3" fmla="val 16667"/>
+            </a:avLst>
+          </a:prstGeom>
+        </p:spPr>
+        <p:style>
+          <a:lnRef idx="2">
+            <a:schemeClr val="accent1">
+              <a:shade val="50000"/>
+            </a:schemeClr>
+          </a:lnRef>
+          <a:fillRef idx="1">
+            <a:schemeClr val="accent1"/>
+          </a:fillRef>
+          <a:effectRef idx="0">
+            <a:schemeClr val="accent1"/>
+          </a:effectRef>
+          <a:fontRef idx="minor">
+            <a:schemeClr val="lt1"/>
+          </a:fontRef>
+        </p:style>
+        <p:txBody>
+          <a:bodyPr rtlCol="0" anchor="ctr"/>
+          <a:lstStyle/>
+          <a:p>
+            <a:pPr algn="ctr"/>
+            <a:r>
+              <a:rPr lang="it-IT" dirty="0"/>
+              <a:t>Base Image</a:t>
+            </a:r>
+          </a:p>
+        </p:txBody>
+      </p:sp>
+      <p:sp>
+        <p:nvSpPr>
+          <p:cNvPr id="6" name="CasellaDiTesto 5">
+            <a:extLst>
+              <a:ext uri="{FF2B5EF4-FFF2-40B4-BE49-F238E27FC236}">
+                <a16:creationId xmlns:a16="http://schemas.microsoft.com/office/drawing/2014/main" id="{E1E57661-64EC-564D-9A25-0410B96D8A92}"/>
+              </a:ext>
+            </a:extLst>
+          </p:cNvPr>
+          <p:cNvSpPr txBox="1"/>
+          <p:nvPr/>
+        </p:nvSpPr>
+        <p:spPr>
+          <a:xfrm>
+            <a:off x="2425840" y="178043"/>
+            <a:ext cx="6832320" cy="584775"/>
+          </a:xfrm>
+          <a:prstGeom prst="rect">
+            <a:avLst/>
+          </a:prstGeom>
+          <a:noFill/>
+        </p:spPr>
+        <p:txBody>
+          <a:bodyPr wrap="none" rtlCol="0">
+            <a:spAutoFit/>
+          </a:bodyPr>
+          <a:lstStyle/>
+          <a:p>
+            <a:r>
+              <a:rPr lang="it-IT" sz="3200" dirty="0" err="1">
+                <a:latin typeface="Aharoni" panose="02010803020104030203" pitchFamily="2" charset="-79"/>
+                <a:cs typeface="Aharoni" panose="02010803020104030203" pitchFamily="2" charset="-79"/>
+              </a:rPr>
+              <a:t>Compiling</a:t>
+            </a:r>
+            <a:r>
+              <a:rPr lang="it-IT" sz="3200" dirty="0">
+                <a:latin typeface="Aharoni" panose="02010803020104030203" pitchFamily="2" charset="-79"/>
+                <a:cs typeface="Aharoni" panose="02010803020104030203" pitchFamily="2" charset="-79"/>
+              </a:rPr>
+              <a:t> </a:t>
+            </a:r>
+            <a:r>
+              <a:rPr lang="it-IT" sz="3200" dirty="0" err="1">
+                <a:latin typeface="Aharoni" panose="02010803020104030203" pitchFamily="2" charset="-79"/>
+                <a:cs typeface="Aharoni" panose="02010803020104030203" pitchFamily="2" charset="-79"/>
+              </a:rPr>
+              <a:t>Standalone</a:t>
+            </a:r>
+            <a:r>
+              <a:rPr lang="it-IT" sz="3200" dirty="0">
+                <a:latin typeface="Aharoni" panose="02010803020104030203" pitchFamily="2" charset="-79"/>
+                <a:cs typeface="Aharoni" panose="02010803020104030203" pitchFamily="2" charset="-79"/>
+              </a:rPr>
+              <a:t> </a:t>
+            </a:r>
+            <a:r>
+              <a:rPr lang="it-IT" sz="3200" dirty="0" err="1">
+                <a:latin typeface="Aharoni" panose="02010803020104030203" pitchFamily="2" charset="-79"/>
+                <a:cs typeface="Aharoni" panose="02010803020104030203" pitchFamily="2" charset="-79"/>
+              </a:rPr>
+              <a:t>OpenWhisk</a:t>
+            </a:r>
+            <a:endParaRPr lang="it-IT" sz="3200" dirty="0">
+              <a:latin typeface="Aharoni" panose="02010803020104030203" pitchFamily="2" charset="-79"/>
+              <a:cs typeface="Aharoni" panose="02010803020104030203" pitchFamily="2" charset="-79"/>
+            </a:endParaRPr>
+          </a:p>
+        </p:txBody>
+      </p:sp>
+      <p:grpSp>
+        <p:nvGrpSpPr>
+          <p:cNvPr id="10" name="Gruppo 9">
+            <a:extLst>
+              <a:ext uri="{FF2B5EF4-FFF2-40B4-BE49-F238E27FC236}">
+                <a16:creationId xmlns:a16="http://schemas.microsoft.com/office/drawing/2014/main" id="{4805E352-E51C-284E-82E6-1068EE7DC98C}"/>
+              </a:ext>
+            </a:extLst>
+          </p:cNvPr>
+          <p:cNvGrpSpPr/>
+          <p:nvPr/>
+        </p:nvGrpSpPr>
+        <p:grpSpPr>
+          <a:xfrm>
+            <a:off x="1117599" y="1231900"/>
+            <a:ext cx="7081447" cy="3035300"/>
+            <a:chOff x="1117599" y="1231900"/>
+            <a:chExt cx="7081447" cy="3035300"/>
+          </a:xfrm>
+        </p:grpSpPr>
+        <p:sp>
+          <p:nvSpPr>
+            <p:cNvPr id="8" name="Callout 2 7">
+              <a:extLst>
+                <a:ext uri="{FF2B5EF4-FFF2-40B4-BE49-F238E27FC236}">
+                  <a16:creationId xmlns:a16="http://schemas.microsoft.com/office/drawing/2014/main" id="{518B3677-2995-774A-A8F2-910EBBDA2166}"/>
+                </a:ext>
+              </a:extLst>
+            </p:cNvPr>
+            <p:cNvSpPr/>
+            <p:nvPr/>
+          </p:nvSpPr>
+          <p:spPr>
+            <a:xfrm>
+              <a:off x="5842000" y="1231900"/>
+              <a:ext cx="2146300" cy="825500"/>
+            </a:xfrm>
+            <a:prstGeom prst="borderCallout2">
+              <a:avLst>
+                <a:gd name="adj1" fmla="val 18750"/>
+                <a:gd name="adj2" fmla="val -8333"/>
+                <a:gd name="adj3" fmla="val 18750"/>
+                <a:gd name="adj4" fmla="val -16667"/>
+                <a:gd name="adj5" fmla="val 192500"/>
+                <a:gd name="adj6" fmla="val -51992"/>
+              </a:avLst>
+            </a:prstGeom>
+          </p:spPr>
+          <p:style>
+            <a:lnRef idx="2">
+              <a:schemeClr val="accent1">
+                <a:shade val="50000"/>
+              </a:schemeClr>
+            </a:lnRef>
+            <a:fillRef idx="1">
+              <a:schemeClr val="accent1"/>
+            </a:fillRef>
+            <a:effectRef idx="0">
+              <a:schemeClr val="accent1"/>
+            </a:effectRef>
+            <a:fontRef idx="minor">
+              <a:schemeClr val="lt1"/>
+            </a:fontRef>
+          </p:style>
+          <p:txBody>
+            <a:bodyPr rtlCol="0" anchor="ctr"/>
+            <a:lstStyle/>
+            <a:p>
+              <a:pPr algn="ctr"/>
+              <a:r>
+                <a:rPr lang="it-IT" dirty="0" err="1"/>
+                <a:t>Parameters</a:t>
+              </a:r>
+              <a:endParaRPr lang="it-IT" dirty="0"/>
+            </a:p>
+          </p:txBody>
+        </p:sp>
+        <p:sp>
+          <p:nvSpPr>
+            <p:cNvPr id="9" name="Rettangolo 8">
+              <a:extLst>
+                <a:ext uri="{FF2B5EF4-FFF2-40B4-BE49-F238E27FC236}">
+                  <a16:creationId xmlns:a16="http://schemas.microsoft.com/office/drawing/2014/main" id="{BE34F134-E6AF-D54C-B272-920B32D1DE92}"/>
+                </a:ext>
+              </a:extLst>
+            </p:cNvPr>
+            <p:cNvSpPr/>
+            <p:nvPr/>
+          </p:nvSpPr>
+          <p:spPr>
+            <a:xfrm>
+              <a:off x="1117599" y="2832100"/>
+              <a:ext cx="7081447" cy="1435100"/>
+            </a:xfrm>
+            <a:prstGeom prst="rect">
+              <a:avLst/>
+            </a:prstGeom>
+            <a:solidFill>
+              <a:schemeClr val="accent1">
+                <a:alpha val="22000"/>
+              </a:schemeClr>
+            </a:solidFill>
+          </p:spPr>
+          <p:style>
+            <a:lnRef idx="2">
+              <a:schemeClr val="accent1">
+                <a:shade val="50000"/>
+              </a:schemeClr>
+            </a:lnRef>
+            <a:fillRef idx="1">
+              <a:schemeClr val="accent1"/>
+            </a:fillRef>
+            <a:effectRef idx="0">
+              <a:schemeClr val="accent1"/>
+            </a:effectRef>
+            <a:fontRef idx="minor">
+              <a:schemeClr val="lt1"/>
+            </a:fontRef>
+          </p:style>
+          <p:txBody>
+            <a:bodyPr rtlCol="0" anchor="ctr"/>
+            <a:lstStyle/>
+            <a:p>
+              <a:pPr algn="ctr"/>
+              <a:endParaRPr lang="it-IT"/>
+            </a:p>
+          </p:txBody>
+        </p:sp>
+      </p:grpSp>
+      <p:grpSp>
+        <p:nvGrpSpPr>
+          <p:cNvPr id="19" name="Gruppo 18">
+            <a:extLst>
+              <a:ext uri="{FF2B5EF4-FFF2-40B4-BE49-F238E27FC236}">
+                <a16:creationId xmlns:a16="http://schemas.microsoft.com/office/drawing/2014/main" id="{5C304990-E181-FD4F-8AC2-B93795E59165}"/>
+              </a:ext>
+            </a:extLst>
+          </p:cNvPr>
+          <p:cNvGrpSpPr/>
+          <p:nvPr/>
+        </p:nvGrpSpPr>
+        <p:grpSpPr>
+          <a:xfrm>
+            <a:off x="1130299" y="5063667"/>
+            <a:ext cx="6992287" cy="1724987"/>
+            <a:chOff x="1130299" y="5063667"/>
+            <a:chExt cx="6992287" cy="1724987"/>
+          </a:xfrm>
+        </p:grpSpPr>
+        <p:sp>
+          <p:nvSpPr>
+            <p:cNvPr id="15" name="Callout 2 14">
+              <a:extLst>
+                <a:ext uri="{FF2B5EF4-FFF2-40B4-BE49-F238E27FC236}">
+                  <a16:creationId xmlns:a16="http://schemas.microsoft.com/office/drawing/2014/main" id="{3CBEDB69-B1C6-5942-83ED-1449C5D0A800}"/>
+                </a:ext>
+              </a:extLst>
+            </p:cNvPr>
+            <p:cNvSpPr/>
+            <p:nvPr/>
+          </p:nvSpPr>
+          <p:spPr>
+            <a:xfrm>
+              <a:off x="4436172" y="5980279"/>
+              <a:ext cx="2217148" cy="808375"/>
+            </a:xfrm>
+            <a:prstGeom prst="borderCallout2">
+              <a:avLst>
+                <a:gd name="adj1" fmla="val 18750"/>
+                <a:gd name="adj2" fmla="val -8333"/>
+                <a:gd name="adj3" fmla="val 18750"/>
+                <a:gd name="adj4" fmla="val -16667"/>
+                <a:gd name="adj5" fmla="val -43158"/>
+                <a:gd name="adj6" fmla="val -102399"/>
+              </a:avLst>
+            </a:prstGeom>
+          </p:spPr>
+          <p:style>
+            <a:lnRef idx="2">
+              <a:schemeClr val="accent1">
+                <a:shade val="50000"/>
+              </a:schemeClr>
+            </a:lnRef>
+            <a:fillRef idx="1">
+              <a:schemeClr val="accent1"/>
+            </a:fillRef>
+            <a:effectRef idx="0">
+              <a:schemeClr val="accent1"/>
+            </a:effectRef>
+            <a:fontRef idx="minor">
+              <a:schemeClr val="lt1"/>
+            </a:fontRef>
+          </p:style>
+          <p:txBody>
+            <a:bodyPr rtlCol="0" anchor="ctr"/>
+            <a:lstStyle/>
+            <a:p>
+              <a:pPr algn="ctr"/>
+              <a:r>
+                <a:rPr lang="it-IT" dirty="0"/>
+                <a:t>building from </a:t>
+              </a:r>
+              <a:r>
+                <a:rPr lang="it-IT" dirty="0" err="1"/>
+                <a:t>sources</a:t>
+              </a:r>
+              <a:endParaRPr lang="it-IT" dirty="0"/>
+            </a:p>
+          </p:txBody>
+        </p:sp>
+        <p:sp>
+          <p:nvSpPr>
+            <p:cNvPr id="16" name="Rettangolo 15">
+              <a:extLst>
+                <a:ext uri="{FF2B5EF4-FFF2-40B4-BE49-F238E27FC236}">
+                  <a16:creationId xmlns:a16="http://schemas.microsoft.com/office/drawing/2014/main" id="{4F45B8E5-BA6B-7844-8ABC-BC441E132379}"/>
+                </a:ext>
+              </a:extLst>
+            </p:cNvPr>
+            <p:cNvSpPr/>
+            <p:nvPr/>
+          </p:nvSpPr>
+          <p:spPr>
+            <a:xfrm>
+              <a:off x="1130299" y="5063667"/>
+              <a:ext cx="6992287" cy="562433"/>
+            </a:xfrm>
+            <a:prstGeom prst="rect">
+              <a:avLst/>
+            </a:prstGeom>
+            <a:solidFill>
+              <a:schemeClr val="accent1">
+                <a:alpha val="22000"/>
+              </a:schemeClr>
+            </a:solidFill>
+          </p:spPr>
+          <p:style>
+            <a:lnRef idx="2">
+              <a:schemeClr val="accent1">
+                <a:shade val="50000"/>
+              </a:schemeClr>
+            </a:lnRef>
+            <a:fillRef idx="1">
+              <a:schemeClr val="accent1"/>
+            </a:fillRef>
+            <a:effectRef idx="0">
+              <a:schemeClr val="accent1"/>
+            </a:effectRef>
+            <a:fontRef idx="minor">
+              <a:schemeClr val="lt1"/>
+            </a:fontRef>
+          </p:style>
+          <p:txBody>
+            <a:bodyPr rtlCol="0" anchor="ctr"/>
+            <a:lstStyle/>
+            <a:p>
+              <a:pPr algn="ctr"/>
+              <a:endParaRPr lang="it-IT"/>
+            </a:p>
+          </p:txBody>
+        </p:sp>
+      </p:grpSp>
+      <p:grpSp>
+        <p:nvGrpSpPr>
+          <p:cNvPr id="20" name="Gruppo 19">
+            <a:extLst>
+              <a:ext uri="{FF2B5EF4-FFF2-40B4-BE49-F238E27FC236}">
+                <a16:creationId xmlns:a16="http://schemas.microsoft.com/office/drawing/2014/main" id="{0E460595-4356-B845-93E0-17E2E16F109A}"/>
+              </a:ext>
+            </a:extLst>
+          </p:cNvPr>
+          <p:cNvGrpSpPr/>
+          <p:nvPr/>
+        </p:nvGrpSpPr>
+        <p:grpSpPr>
+          <a:xfrm>
+            <a:off x="867502" y="4056024"/>
+            <a:ext cx="10016138" cy="1173454"/>
+            <a:chOff x="867502" y="4056024"/>
+            <a:chExt cx="10016138" cy="1173454"/>
+          </a:xfrm>
+        </p:grpSpPr>
+        <p:sp>
+          <p:nvSpPr>
+            <p:cNvPr id="17" name="Fumetto 2 16">
+              <a:extLst>
+                <a:ext uri="{FF2B5EF4-FFF2-40B4-BE49-F238E27FC236}">
+                  <a16:creationId xmlns:a16="http://schemas.microsoft.com/office/drawing/2014/main" id="{777537AE-10D6-8C4D-AC17-5498119A6FDF}"/>
+                </a:ext>
+              </a:extLst>
+            </p:cNvPr>
+            <p:cNvSpPr/>
+            <p:nvPr/>
+          </p:nvSpPr>
+          <p:spPr>
+            <a:xfrm>
+              <a:off x="9080240" y="4056024"/>
+              <a:ext cx="1803400" cy="977900"/>
+            </a:xfrm>
+            <a:prstGeom prst="wedgeRoundRectCallout">
+              <a:avLst>
+                <a:gd name="adj1" fmla="val -79284"/>
+                <a:gd name="adj2" fmla="val 18344"/>
+                <a:gd name="adj3" fmla="val 16667"/>
+              </a:avLst>
+            </a:prstGeom>
+          </p:spPr>
+          <p:style>
+            <a:lnRef idx="2">
+              <a:schemeClr val="accent1">
+                <a:shade val="50000"/>
+              </a:schemeClr>
+            </a:lnRef>
+            <a:fillRef idx="1">
+              <a:schemeClr val="accent1"/>
+            </a:fillRef>
+            <a:effectRef idx="0">
+              <a:schemeClr val="accent1"/>
+            </a:effectRef>
+            <a:fontRef idx="minor">
+              <a:schemeClr val="lt1"/>
+            </a:fontRef>
+          </p:style>
+          <p:txBody>
+            <a:bodyPr rtlCol="0" anchor="ctr"/>
+            <a:lstStyle/>
+            <a:p>
+              <a:pPr algn="ctr"/>
+              <a:r>
+                <a:rPr lang="it-IT" dirty="0" err="1"/>
+                <a:t>Install</a:t>
+              </a:r>
+              <a:r>
+                <a:rPr lang="it-IT" dirty="0"/>
+                <a:t> software</a:t>
+              </a:r>
+            </a:p>
+          </p:txBody>
+        </p:sp>
+        <p:sp>
+          <p:nvSpPr>
+            <p:cNvPr id="18" name="Doppia parentesi graffa 17">
+              <a:extLst>
+                <a:ext uri="{FF2B5EF4-FFF2-40B4-BE49-F238E27FC236}">
+                  <a16:creationId xmlns:a16="http://schemas.microsoft.com/office/drawing/2014/main" id="{86CA65B3-2A02-FC49-830D-4BFC124ACD30}"/>
+                </a:ext>
+              </a:extLst>
+            </p:cNvPr>
+            <p:cNvSpPr/>
+            <p:nvPr/>
+          </p:nvSpPr>
+          <p:spPr>
+            <a:xfrm>
+              <a:off x="867502" y="4213478"/>
+              <a:ext cx="7581640" cy="1016000"/>
+            </a:xfrm>
+            <a:prstGeom prst="bracePair">
+              <a:avLst/>
+            </a:prstGeom>
+          </p:spPr>
+          <p:style>
+            <a:lnRef idx="1">
+              <a:schemeClr val="accent1"/>
+            </a:lnRef>
+            <a:fillRef idx="0">
+              <a:schemeClr val="accent1"/>
+            </a:fillRef>
+            <a:effectRef idx="0">
+              <a:schemeClr val="accent1"/>
+            </a:effectRef>
+            <a:fontRef idx="minor">
+              <a:schemeClr val="tx1"/>
+            </a:fontRef>
+          </p:style>
+          <p:txBody>
+            <a:bodyPr rtlCol="0" anchor="ctr"/>
+            <a:lstStyle/>
+            <a:p>
+              <a:pPr algn="ctr"/>
+              <a:endParaRPr lang="it-IT"/>
+            </a:p>
+          </p:txBody>
+        </p:sp>
+      </p:grpSp>
+    </p:spTree>
+    <p:extLst>
+      <p:ext uri="{BB962C8B-B14F-4D97-AF65-F5344CB8AC3E}">
+        <p14:creationId xmlns:p14="http://schemas.microsoft.com/office/powerpoint/2010/main" val="3410111442"/>
+      </p:ext>
+    </p:extLst>
+  </p:cSld>
+  <p:clrMapOvr>
+    <a:masterClrMapping/>
+  </p:clrMapOvr>
+  <p:timing>
+    <p:tnLst>
+      <p:par>
+        <p:cTn id="1" dur="indefinite" restart="never" nodeType="tmRoot">
+          <p:childTnLst>
+            <p:seq concurrent="1" nextAc="seek">
+              <p:cTn id="2" dur="indefinite" nodeType="mainSeq">
+                <p:childTnLst>
+                  <p:par>
+                    <p:cTn id="3" fill="hold">
+                      <p:stCondLst>
+                        <p:cond delay="indefinite"/>
+                      </p:stCondLst>
+                      <p:childTnLst>
+                        <p:par>
+                          <p:cTn id="4" fill="hold">
+                            <p:stCondLst>
+                              <p:cond delay="0"/>
+                            </p:stCondLst>
+                            <p:childTnLst>
+                              <p:par>
+                                <p:cTn id="5" presetID="35" presetClass="entr" presetSubtype="0" fill="hold" grpId="0" nodeType="clickEffect">
+                                  <p:stCondLst>
+                                    <p:cond delay="0"/>
+                                  </p:stCondLst>
+                                  <p:childTnLst>
+                                    <p:set>
+                                      <p:cBhvr>
+                                        <p:cTn id="6" dur="1" fill="hold">
+                                          <p:stCondLst>
+                                            <p:cond delay="0"/>
+                                          </p:stCondLst>
+                                        </p:cTn>
+                                        <p:tgtEl>
+                                          <p:spTgt spid="5"/>
+                                        </p:tgtEl>
+                                        <p:attrNameLst>
+                                          <p:attrName>style.visibility</p:attrName>
+                                        </p:attrNameLst>
+                                      </p:cBhvr>
+                                      <p:to>
+                                        <p:strVal val="visible"/>
+                                      </p:to>
+                                    </p:set>
+                                    <p:animEffect transition="in" filter="fade">
+                                      <p:cBhvr>
+                                        <p:cTn id="7" dur="2000"/>
+                                        <p:tgtEl>
+                                          <p:spTgt spid="5"/>
+                                        </p:tgtEl>
+                                      </p:cBhvr>
+                                    </p:animEffect>
+                                    <p:anim calcmode="lin" valueType="num">
+                                      <p:cBhvr>
+                                        <p:cTn id="8" dur="2000" fill="hold"/>
+                                        <p:tgtEl>
+                                          <p:spTgt spid="5"/>
+                                        </p:tgtEl>
+                                        <p:attrNameLst>
+                                          <p:attrName>style.rotation</p:attrName>
+                                        </p:attrNameLst>
+                                      </p:cBhvr>
+                                      <p:tavLst>
+                                        <p:tav tm="0">
+                                          <p:val>
+                                            <p:fltVal val="720"/>
+                                          </p:val>
+                                        </p:tav>
+                                        <p:tav tm="100000">
+                                          <p:val>
+                                            <p:fltVal val="0"/>
+                                          </p:val>
+                                        </p:tav>
+                                      </p:tavLst>
+                                    </p:anim>
+                                    <p:anim calcmode="lin" valueType="num">
+                                      <p:cBhvr>
+                                        <p:cTn id="9" dur="2000" fill="hold"/>
+                                        <p:tgtEl>
+                                          <p:spTgt spid="5"/>
+                                        </p:tgtEl>
+                                        <p:attrNameLst>
+                                          <p:attrName>ppt_h</p:attrName>
+                                        </p:attrNameLst>
+                                      </p:cBhvr>
+                                      <p:tavLst>
+                                        <p:tav tm="0">
+                                          <p:val>
+                                            <p:fltVal val="0"/>
+                                          </p:val>
+                                        </p:tav>
+                                        <p:tav tm="100000">
+                                          <p:val>
+                                            <p:strVal val="#ppt_h"/>
+                                          </p:val>
+                                        </p:tav>
+                                      </p:tavLst>
+                                    </p:anim>
+                                    <p:anim calcmode="lin" valueType="num">
+                                      <p:cBhvr>
+                                        <p:cTn id="10" dur="2000" fill="hold"/>
+                                        <p:tgtEl>
+                                          <p:spTgt spid="5"/>
+                                        </p:tgtEl>
+                                        <p:attrNameLst>
+                                          <p:attrName>ppt_w</p:attrName>
+                                        </p:attrNameLst>
+                                      </p:cBhvr>
+                                      <p:tavLst>
+                                        <p:tav tm="0">
+                                          <p:val>
+                                            <p:fltVal val="0"/>
+                                          </p:val>
+                                        </p:tav>
+                                        <p:tav tm="100000">
+                                          <p:val>
+                                            <p:strVal val="#ppt_w"/>
+                                          </p:val>
+                                        </p:tav>
+                                      </p:tavLst>
+                                    </p:anim>
+                                  </p:childTnLst>
+                                </p:cTn>
+                              </p:par>
+                            </p:childTnLst>
+                          </p:cTn>
+                        </p:par>
+                      </p:childTnLst>
+                    </p:cTn>
+                  </p:par>
+                  <p:par>
+                    <p:cTn id="11" fill="hold">
+                      <p:stCondLst>
+                        <p:cond delay="indefinite"/>
+                      </p:stCondLst>
+                      <p:childTnLst>
+                        <p:par>
+                          <p:cTn id="12" fill="hold">
+                            <p:stCondLst>
+                              <p:cond delay="0"/>
+                            </p:stCondLst>
+                            <p:childTnLst>
+                              <p:par>
+                                <p:cTn id="13" presetID="3" presetClass="entr" presetSubtype="10" fill="hold" nodeType="clickEffect">
+                                  <p:stCondLst>
+                                    <p:cond delay="0"/>
+                                  </p:stCondLst>
+                                  <p:childTnLst>
+                                    <p:set>
+                                      <p:cBhvr>
+                                        <p:cTn id="14" dur="1" fill="hold">
+                                          <p:stCondLst>
+                                            <p:cond delay="0"/>
+                                          </p:stCondLst>
+                                        </p:cTn>
+                                        <p:tgtEl>
+                                          <p:spTgt spid="10"/>
+                                        </p:tgtEl>
+                                        <p:attrNameLst>
+                                          <p:attrName>style.visibility</p:attrName>
+                                        </p:attrNameLst>
+                                      </p:cBhvr>
+                                      <p:to>
+                                        <p:strVal val="visible"/>
+                                      </p:to>
+                                    </p:set>
+                                    <p:animEffect transition="in" filter="blinds(horizontal)">
+                                      <p:cBhvr>
+                                        <p:cTn id="15" dur="500"/>
+                                        <p:tgtEl>
+                                          <p:spTgt spid="10"/>
+                                        </p:tgtEl>
+                                      </p:cBhvr>
+                                    </p:animEffect>
+                                  </p:childTnLst>
+                                </p:cTn>
+                              </p:par>
+                            </p:childTnLst>
+                          </p:cTn>
+                        </p:par>
+                      </p:childTnLst>
+                    </p:cTn>
+                  </p:par>
+                  <p:par>
+                    <p:cTn id="16" fill="hold">
+                      <p:stCondLst>
+                        <p:cond delay="indefinite"/>
+                      </p:stCondLst>
+                      <p:childTnLst>
+                        <p:par>
+                          <p:cTn id="17" fill="hold">
+                            <p:stCondLst>
+                              <p:cond delay="0"/>
+                            </p:stCondLst>
+                            <p:childTnLst>
+                              <p:par>
+                                <p:cTn id="18" presetID="5" presetClass="entr" presetSubtype="10" fill="hold" nodeType="clickEffect">
+                                  <p:stCondLst>
+                                    <p:cond delay="0"/>
+                                  </p:stCondLst>
+                                  <p:childTnLst>
+                                    <p:set>
+                                      <p:cBhvr>
+                                        <p:cTn id="19" dur="1" fill="hold">
+                                          <p:stCondLst>
+                                            <p:cond delay="0"/>
+                                          </p:stCondLst>
+                                        </p:cTn>
+                                        <p:tgtEl>
+                                          <p:spTgt spid="20"/>
+                                        </p:tgtEl>
+                                        <p:attrNameLst>
+                                          <p:attrName>style.visibility</p:attrName>
+                                        </p:attrNameLst>
+                                      </p:cBhvr>
+                                      <p:to>
+                                        <p:strVal val="visible"/>
+                                      </p:to>
+                                    </p:set>
+                                    <p:animEffect transition="in" filter="checkerboard(across)">
+                                      <p:cBhvr>
+                                        <p:cTn id="20" dur="500"/>
+                                        <p:tgtEl>
+                                          <p:spTgt spid="20"/>
+                                        </p:tgtEl>
+                                      </p:cBhvr>
+                                    </p:animEffect>
+                                  </p:childTnLst>
+                                </p:cTn>
+                              </p:par>
+                            </p:childTnLst>
+                          </p:cTn>
+                        </p:par>
+                      </p:childTnLst>
+                    </p:cTn>
+                  </p:par>
+                  <p:par>
+                    <p:cTn id="21" fill="hold">
+                      <p:stCondLst>
+                        <p:cond delay="indefinite"/>
+                      </p:stCondLst>
+                      <p:childTnLst>
+                        <p:par>
+                          <p:cTn id="22" fill="hold">
+                            <p:stCondLst>
+                              <p:cond delay="0"/>
+                            </p:stCondLst>
+                            <p:childTnLst>
+                              <p:par>
+                                <p:cTn id="23" presetID="3" presetClass="entr" presetSubtype="10" fill="hold" nodeType="clickEffect">
+                                  <p:stCondLst>
+                                    <p:cond delay="0"/>
+                                  </p:stCondLst>
+                                  <p:childTnLst>
+                                    <p:set>
+                                      <p:cBhvr>
+                                        <p:cTn id="24" dur="1" fill="hold">
+                                          <p:stCondLst>
+                                            <p:cond delay="0"/>
+                                          </p:stCondLst>
+                                        </p:cTn>
+                                        <p:tgtEl>
+                                          <p:spTgt spid="19"/>
+                                        </p:tgtEl>
+                                        <p:attrNameLst>
+                                          <p:attrName>style.visibility</p:attrName>
+                                        </p:attrNameLst>
+                                      </p:cBhvr>
+                                      <p:to>
+                                        <p:strVal val="visible"/>
+                                      </p:to>
+                                    </p:set>
+                                    <p:animEffect transition="in" filter="blinds(horizontal)">
+                                      <p:cBhvr>
+                                        <p:cTn id="25" dur="500"/>
+                                        <p:tgtEl>
+                                          <p:spTgt spid="19"/>
+                                        </p:tgtEl>
+                                      </p:cBhvr>
+                                    </p:animEffect>
+                                  </p:childTnLst>
+                                </p:cTn>
+                              </p:par>
+                            </p:childTnLst>
+                          </p:cTn>
+                        </p:par>
+                      </p:childTnLst>
+                    </p:cTn>
+                  </p:par>
+                </p:childTnLst>
+              </p:cTn>
+              <p:prevCondLst>
+                <p:cond evt="onPrev" delay="0">
+                  <p:tgtEl>
+                    <p:sldTgt/>
+                  </p:tgtEl>
+                </p:cond>
+              </p:prevCondLst>
+              <p:nextCondLst>
+                <p:cond evt="onNext" delay="0">
+                  <p:tgtEl>
+                    <p:sldTgt/>
+                  </p:tgtEl>
+                </p:cond>
+              </p:nextCondLst>
+            </p:seq>
+          </p:childTnLst>
+        </p:cTn>
+      </p:par>
+    </p:tnLst>
+    <p:bldLst>
+      <p:bldP spid="5" grpId="0" animBg="1"/>
+    </p:bldLst>
+  </p:timing>
+</p:sld>
+</file>
+
+<file path=ppt/slides/slide7.xml><?xml version="1.0" encoding="utf-8"?>
+<p:sld xmlns:a="http://schemas.openxmlformats.org/drawingml/2006/main" xmlns:r="http://schemas.openxmlformats.org/officeDocument/2006/relationships" xmlns:p="http://schemas.openxmlformats.org/presentationml/2006/main">
+  <p:cSld>
+    <p:spTree>
+      <p:nvGrpSpPr>
+        <p:cNvPr id="1" name=""/>
+        <p:cNvGrpSpPr/>
+        <p:nvPr/>
+      </p:nvGrpSpPr>
+      <p:grpSpPr>
+        <a:xfrm>
+          <a:off x="0" y="0"/>
+          <a:ext cx="0" cy="0"/>
+          <a:chOff x="0" y="0"/>
+          <a:chExt cx="0" cy="0"/>
+        </a:xfrm>
+      </p:grpSpPr>
+      <p:pic>
+        <p:nvPicPr>
+          <p:cNvPr id="4" name="Immagine 3" descr="Immagine che contiene testo&#10;&#10;Descrizione generata automaticamente">
+            <a:extLst>
+              <a:ext uri="{FF2B5EF4-FFF2-40B4-BE49-F238E27FC236}">
+                <a16:creationId xmlns:a16="http://schemas.microsoft.com/office/drawing/2014/main" id="{3232FAF5-1DF2-E54B-9A96-2F6F8CC571F7}"/>
+              </a:ext>
+            </a:extLst>
+          </p:cNvPr>
+          <p:cNvPicPr>
+            <a:picLocks noChangeAspect="1"/>
+          </p:cNvPicPr>
+          <p:nvPr/>
+        </p:nvPicPr>
+        <p:blipFill>
+          <a:blip r:embed="rId2"/>
+          <a:stretch>
+            <a:fillRect/>
+          </a:stretch>
+        </p:blipFill>
+        <p:spPr>
+          <a:xfrm>
+            <a:off x="-1" y="2263370"/>
+            <a:ext cx="12192000" cy="2659944"/>
+          </a:xfrm>
+          <a:prstGeom prst="rect">
+            <a:avLst/>
+          </a:prstGeom>
+        </p:spPr>
+      </p:pic>
+      <p:grpSp>
+        <p:nvGrpSpPr>
+          <p:cNvPr id="3" name="Gruppo 2">
+            <a:extLst>
+              <a:ext uri="{FF2B5EF4-FFF2-40B4-BE49-F238E27FC236}">
+                <a16:creationId xmlns:a16="http://schemas.microsoft.com/office/drawing/2014/main" id="{316423D7-77E3-0646-A62C-A40B5ECDA3DD}"/>
+              </a:ext>
+            </a:extLst>
+          </p:cNvPr>
+          <p:cNvGrpSpPr/>
+          <p:nvPr/>
+        </p:nvGrpSpPr>
+        <p:grpSpPr>
+          <a:xfrm>
+            <a:off x="165099" y="1107225"/>
+            <a:ext cx="11836401" cy="2763100"/>
+            <a:chOff x="165099" y="1107225"/>
+            <a:chExt cx="11836401" cy="2763100"/>
+          </a:xfrm>
+        </p:grpSpPr>
+        <p:sp>
+          <p:nvSpPr>
+            <p:cNvPr id="6" name="Callout 2 5">
+              <a:extLst>
+                <a:ext uri="{FF2B5EF4-FFF2-40B4-BE49-F238E27FC236}">
+                  <a16:creationId xmlns:a16="http://schemas.microsoft.com/office/drawing/2014/main" id="{3D48B4A3-7332-4144-AA82-AB0353B46AC9}"/>
+                </a:ext>
+              </a:extLst>
+            </p:cNvPr>
+            <p:cNvSpPr/>
+            <p:nvPr/>
+          </p:nvSpPr>
+          <p:spPr>
+            <a:xfrm>
+              <a:off x="7931639" y="1107225"/>
+              <a:ext cx="3587468" cy="1028700"/>
+            </a:xfrm>
+            <a:prstGeom prst="borderCallout2">
+              <a:avLst>
+                <a:gd name="adj1" fmla="val 18750"/>
+                <a:gd name="adj2" fmla="val -8333"/>
+                <a:gd name="adj3" fmla="val 18750"/>
+                <a:gd name="adj4" fmla="val -16667"/>
+                <a:gd name="adj5" fmla="val 181523"/>
+                <a:gd name="adj6" fmla="val -42461"/>
+              </a:avLst>
+            </a:prstGeom>
+          </p:spPr>
+          <p:style>
+            <a:lnRef idx="2">
+              <a:schemeClr val="accent1">
+                <a:shade val="50000"/>
+              </a:schemeClr>
+            </a:lnRef>
+            <a:fillRef idx="1">
+              <a:schemeClr val="accent1"/>
+            </a:fillRef>
+            <a:effectRef idx="0">
+              <a:schemeClr val="accent1"/>
+            </a:effectRef>
+            <a:fontRef idx="minor">
+              <a:schemeClr val="lt1"/>
+            </a:fontRef>
+          </p:style>
+          <p:txBody>
+            <a:bodyPr rtlCol="0" anchor="ctr"/>
+            <a:lstStyle/>
+            <a:p>
+              <a:pPr algn="ctr"/>
+              <a:r>
+                <a:rPr lang="it-IT" dirty="0"/>
+                <a:t>Copy </a:t>
+              </a:r>
+              <a:r>
+                <a:rPr lang="it-IT" dirty="0" err="1"/>
+                <a:t>artifacts</a:t>
+              </a:r>
+              <a:r>
+                <a:rPr lang="it-IT" dirty="0"/>
+                <a:t> from builder</a:t>
+              </a:r>
+            </a:p>
+          </p:txBody>
+        </p:sp>
+        <p:sp>
+          <p:nvSpPr>
+            <p:cNvPr id="7" name="Rettangolo 6">
+              <a:extLst>
+                <a:ext uri="{FF2B5EF4-FFF2-40B4-BE49-F238E27FC236}">
+                  <a16:creationId xmlns:a16="http://schemas.microsoft.com/office/drawing/2014/main" id="{E2B345EB-A8F6-B84A-8EE5-5F22643F7292}"/>
+                </a:ext>
+              </a:extLst>
+            </p:cNvPr>
+            <p:cNvSpPr/>
+            <p:nvPr/>
+          </p:nvSpPr>
+          <p:spPr>
+            <a:xfrm>
+              <a:off x="165099" y="2987675"/>
+              <a:ext cx="11836401" cy="882650"/>
+            </a:xfrm>
+            <a:prstGeom prst="rect">
+              <a:avLst/>
+            </a:prstGeom>
+            <a:solidFill>
+              <a:schemeClr val="accent1">
+                <a:alpha val="22000"/>
+              </a:schemeClr>
+            </a:solidFill>
+          </p:spPr>
+          <p:style>
+            <a:lnRef idx="2">
+              <a:schemeClr val="accent1">
+                <a:shade val="50000"/>
+              </a:schemeClr>
+            </a:lnRef>
+            <a:fillRef idx="1">
+              <a:schemeClr val="accent1"/>
+            </a:fillRef>
+            <a:effectRef idx="0">
+              <a:schemeClr val="accent1"/>
+            </a:effectRef>
+            <a:fontRef idx="minor">
+              <a:schemeClr val="lt1"/>
+            </a:fontRef>
+          </p:style>
+          <p:txBody>
+            <a:bodyPr rtlCol="0" anchor="ctr"/>
+            <a:lstStyle/>
+            <a:p>
+              <a:pPr algn="ctr"/>
+              <a:endParaRPr lang="it-IT"/>
+            </a:p>
+          </p:txBody>
+        </p:sp>
+      </p:grpSp>
+      <p:grpSp>
+        <p:nvGrpSpPr>
+          <p:cNvPr id="2" name="Gruppo 1">
+            <a:extLst>
+              <a:ext uri="{FF2B5EF4-FFF2-40B4-BE49-F238E27FC236}">
+                <a16:creationId xmlns:a16="http://schemas.microsoft.com/office/drawing/2014/main" id="{EBD5EF16-A381-1A40-9528-E466F5FEB9EF}"/>
+              </a:ext>
+            </a:extLst>
+          </p:cNvPr>
+          <p:cNvGrpSpPr/>
+          <p:nvPr/>
+        </p:nvGrpSpPr>
+        <p:grpSpPr>
+          <a:xfrm>
+            <a:off x="63500" y="606778"/>
+            <a:ext cx="5486400" cy="2318510"/>
+            <a:chOff x="63500" y="606778"/>
+            <a:chExt cx="5486400" cy="2318510"/>
+          </a:xfrm>
+        </p:grpSpPr>
+        <p:sp>
+          <p:nvSpPr>
+            <p:cNvPr id="8" name="Fumetto 2 7">
+              <a:extLst>
+                <a:ext uri="{FF2B5EF4-FFF2-40B4-BE49-F238E27FC236}">
+                  <a16:creationId xmlns:a16="http://schemas.microsoft.com/office/drawing/2014/main" id="{B3B9B51C-2742-FB45-8150-588806F91343}"/>
+                </a:ext>
+              </a:extLst>
+            </p:cNvPr>
+            <p:cNvSpPr/>
+            <p:nvPr/>
+          </p:nvSpPr>
+          <p:spPr>
+            <a:xfrm>
+              <a:off x="1939193" y="606778"/>
+              <a:ext cx="1536700" cy="1028700"/>
+            </a:xfrm>
+            <a:prstGeom prst="wedgeRoundRectCallout">
+              <a:avLst>
+                <a:gd name="adj1" fmla="val -64635"/>
+                <a:gd name="adj2" fmla="val 121760"/>
+                <a:gd name="adj3" fmla="val 16667"/>
+              </a:avLst>
+            </a:prstGeom>
+          </p:spPr>
+          <p:style>
+            <a:lnRef idx="2">
+              <a:schemeClr val="accent1">
+                <a:shade val="50000"/>
+              </a:schemeClr>
+            </a:lnRef>
+            <a:fillRef idx="1">
+              <a:schemeClr val="accent1"/>
+            </a:fillRef>
+            <a:effectRef idx="0">
+              <a:schemeClr val="accent1"/>
+            </a:effectRef>
+            <a:fontRef idx="minor">
+              <a:schemeClr val="lt1"/>
+            </a:fontRef>
+          </p:style>
+          <p:txBody>
+            <a:bodyPr rtlCol="0" anchor="ctr"/>
+            <a:lstStyle/>
+            <a:p>
+              <a:pPr algn="ctr"/>
+              <a:r>
+                <a:rPr lang="it-IT" dirty="0"/>
+                <a:t>Base Image,</a:t>
+              </a:r>
+            </a:p>
+            <a:p>
+              <a:pPr algn="ctr"/>
+              <a:r>
+                <a:rPr lang="it-IT" dirty="0" err="1"/>
+                <a:t>updated</a:t>
+              </a:r>
+              <a:endParaRPr lang="it-IT" dirty="0"/>
+            </a:p>
+          </p:txBody>
+        </p:sp>
+        <p:sp>
+          <p:nvSpPr>
+            <p:cNvPr id="9" name="Doppia parentesi graffa 8">
+              <a:extLst>
+                <a:ext uri="{FF2B5EF4-FFF2-40B4-BE49-F238E27FC236}">
+                  <a16:creationId xmlns:a16="http://schemas.microsoft.com/office/drawing/2014/main" id="{8443A35A-EC6A-D441-91C0-7E5907C3F230}"/>
+                </a:ext>
+              </a:extLst>
+            </p:cNvPr>
+            <p:cNvSpPr/>
+            <p:nvPr/>
+          </p:nvSpPr>
+          <p:spPr>
+            <a:xfrm>
+              <a:off x="63500" y="2326870"/>
+              <a:ext cx="5486400" cy="598418"/>
+            </a:xfrm>
+            <a:prstGeom prst="bracePair">
+              <a:avLst/>
+            </a:prstGeom>
+          </p:spPr>
+          <p:style>
+            <a:lnRef idx="1">
+              <a:schemeClr val="accent1"/>
+            </a:lnRef>
+            <a:fillRef idx="0">
+              <a:schemeClr val="accent1"/>
+            </a:fillRef>
+            <a:effectRef idx="0">
+              <a:schemeClr val="accent1"/>
+            </a:effectRef>
+            <a:fontRef idx="minor">
+              <a:schemeClr val="tx1"/>
+            </a:fontRef>
+          </p:style>
+          <p:txBody>
+            <a:bodyPr rtlCol="0" anchor="ctr"/>
+            <a:lstStyle/>
+            <a:p>
+              <a:pPr algn="ctr"/>
+              <a:endParaRPr lang="it-IT"/>
+            </a:p>
+          </p:txBody>
+        </p:sp>
+      </p:grpSp>
+      <p:sp>
+        <p:nvSpPr>
+          <p:cNvPr id="10" name="Fumetto 3 9">
+            <a:extLst>
+              <a:ext uri="{FF2B5EF4-FFF2-40B4-BE49-F238E27FC236}">
+                <a16:creationId xmlns:a16="http://schemas.microsoft.com/office/drawing/2014/main" id="{3C61BDA2-7C80-EA4C-B111-B5AF9CF258D3}"/>
+              </a:ext>
+            </a:extLst>
+          </p:cNvPr>
+          <p:cNvSpPr/>
+          <p:nvPr/>
+        </p:nvSpPr>
+        <p:spPr>
+          <a:xfrm>
+            <a:off x="774700" y="5449606"/>
+            <a:ext cx="2032000" cy="1143000"/>
+          </a:xfrm>
+          <a:prstGeom prst="wedgeEllipseCallout">
+            <a:avLst>
+              <a:gd name="adj1" fmla="val -28585"/>
+              <a:gd name="adj2" fmla="val -96324"/>
+            </a:avLst>
+          </a:prstGeom>
+        </p:spPr>
+        <p:style>
+          <a:lnRef idx="2">
+            <a:schemeClr val="accent1">
+              <a:shade val="50000"/>
+            </a:schemeClr>
+          </a:lnRef>
+          <a:fillRef idx="1">
+            <a:schemeClr val="accent1"/>
+          </a:fillRef>
+          <a:effectRef idx="0">
+            <a:schemeClr val="accent1"/>
+          </a:effectRef>
+          <a:fontRef idx="minor">
+            <a:schemeClr val="lt1"/>
+          </a:fontRef>
+        </p:style>
+        <p:txBody>
+          <a:bodyPr rtlCol="0" anchor="ctr"/>
+          <a:lstStyle/>
+          <a:p>
+            <a:pPr algn="ctr"/>
+            <a:r>
+              <a:rPr lang="it-IT" dirty="0" err="1"/>
+              <a:t>Add</a:t>
+            </a:r>
+            <a:r>
+              <a:rPr lang="it-IT" dirty="0"/>
+              <a:t> and use entry </a:t>
+            </a:r>
+            <a:r>
+              <a:rPr lang="it-IT" dirty="0" err="1"/>
+              <a:t>point</a:t>
+            </a:r>
+            <a:endParaRPr lang="it-IT" dirty="0"/>
+          </a:p>
+        </p:txBody>
+      </p:sp>
+      <p:sp>
+        <p:nvSpPr>
+          <p:cNvPr id="13" name="CasellaDiTesto 12">
+            <a:extLst>
+              <a:ext uri="{FF2B5EF4-FFF2-40B4-BE49-F238E27FC236}">
+                <a16:creationId xmlns:a16="http://schemas.microsoft.com/office/drawing/2014/main" id="{7350E55E-DB69-4A47-A91A-AC3EC873B8E1}"/>
+              </a:ext>
+            </a:extLst>
+          </p:cNvPr>
+          <p:cNvSpPr txBox="1"/>
+          <p:nvPr/>
+        </p:nvSpPr>
+        <p:spPr>
+          <a:xfrm>
+            <a:off x="3879502" y="155455"/>
+            <a:ext cx="7122463" cy="584775"/>
+          </a:xfrm>
+          <a:prstGeom prst="rect">
+            <a:avLst/>
+          </a:prstGeom>
+          <a:noFill/>
+        </p:spPr>
+        <p:txBody>
+          <a:bodyPr wrap="none" rtlCol="0">
+            <a:spAutoFit/>
+          </a:bodyPr>
+          <a:lstStyle/>
+          <a:p>
+            <a:r>
+              <a:rPr lang="it-IT" sz="3200" dirty="0" err="1">
+                <a:latin typeface="Aharoni" panose="02010803020104030203" pitchFamily="2" charset="-79"/>
+                <a:cs typeface="Aharoni" panose="02010803020104030203" pitchFamily="2" charset="-79"/>
+              </a:rPr>
+              <a:t>Assembling</a:t>
+            </a:r>
+            <a:r>
+              <a:rPr lang="it-IT" sz="3200" dirty="0">
+                <a:latin typeface="Aharoni" panose="02010803020104030203" pitchFamily="2" charset="-79"/>
+                <a:cs typeface="Aharoni" panose="02010803020104030203" pitchFamily="2" charset="-79"/>
+              </a:rPr>
+              <a:t> </a:t>
+            </a:r>
+            <a:r>
+              <a:rPr lang="it-IT" sz="3200" dirty="0" err="1">
+                <a:latin typeface="Aharoni" panose="02010803020104030203" pitchFamily="2" charset="-79"/>
+                <a:cs typeface="Aharoni" panose="02010803020104030203" pitchFamily="2" charset="-79"/>
+              </a:rPr>
+              <a:t>Standalone</a:t>
+            </a:r>
+            <a:r>
+              <a:rPr lang="it-IT" sz="3200" dirty="0">
+                <a:latin typeface="Aharoni" panose="02010803020104030203" pitchFamily="2" charset="-79"/>
+                <a:cs typeface="Aharoni" panose="02010803020104030203" pitchFamily="2" charset="-79"/>
+              </a:rPr>
+              <a:t> </a:t>
+            </a:r>
+            <a:r>
+              <a:rPr lang="it-IT" sz="3200" dirty="0" err="1">
+                <a:latin typeface="Aharoni" panose="02010803020104030203" pitchFamily="2" charset="-79"/>
+                <a:cs typeface="Aharoni" panose="02010803020104030203" pitchFamily="2" charset="-79"/>
+              </a:rPr>
+              <a:t>OpenWhisk</a:t>
+            </a:r>
+            <a:endParaRPr lang="it-IT" sz="3200" dirty="0">
+              <a:latin typeface="Aharoni" panose="02010803020104030203" pitchFamily="2" charset="-79"/>
+              <a:cs typeface="Aharoni" panose="02010803020104030203" pitchFamily="2" charset="-79"/>
+            </a:endParaRPr>
+          </a:p>
+        </p:txBody>
+      </p:sp>
+    </p:spTree>
+    <p:extLst>
+      <p:ext uri="{BB962C8B-B14F-4D97-AF65-F5344CB8AC3E}">
+        <p14:creationId xmlns:p14="http://schemas.microsoft.com/office/powerpoint/2010/main" val="2663700879"/>
+      </p:ext>
+    </p:extLst>
+  </p:cSld>
+  <p:clrMapOvr>
+    <a:masterClrMapping/>
+  </p:clrMapOvr>
+  <p:timing>
+    <p:tnLst>
+      <p:par>
+        <p:cTn id="1" dur="indefinite" restart="never" nodeType="tmRoot">
+          <p:childTnLst>
+            <p:seq concurrent="1" nextAc="seek">
+              <p:cTn id="2" dur="indefinite" nodeType="mainSeq">
+                <p:childTnLst>
+                  <p:par>
+                    <p:cTn id="3" fill="hold">
+                      <p:stCondLst>
+                        <p:cond delay="indefinite"/>
+                      </p:stCondLst>
+                      <p:childTnLst>
+                        <p:par>
+                          <p:cTn id="4" fill="hold">
+                            <p:stCondLst>
+                              <p:cond delay="0"/>
+                            </p:stCondLst>
+                            <p:childTnLst>
+                              <p:par>
+                                <p:cTn id="5" presetID="10" presetClass="entr" presetSubtype="0" fill="hold" nodeType="clickEffect">
+                                  <p:stCondLst>
+                                    <p:cond delay="0"/>
+                                  </p:stCondLst>
+                                  <p:childTnLst>
+                                    <p:set>
+                                      <p:cBhvr>
+                                        <p:cTn id="6" dur="1" fill="hold">
+                                          <p:stCondLst>
+                                            <p:cond delay="0"/>
+                                          </p:stCondLst>
+                                        </p:cTn>
+                                        <p:tgtEl>
+                                          <p:spTgt spid="2"/>
+                                        </p:tgtEl>
+                                        <p:attrNameLst>
+                                          <p:attrName>style.visibility</p:attrName>
+                                        </p:attrNameLst>
+                                      </p:cBhvr>
+                                      <p:to>
+                                        <p:strVal val="visible"/>
+                                      </p:to>
+                                    </p:set>
+                                    <p:animEffect transition="in" filter="fade">
+                                      <p:cBhvr>
+                                        <p:cTn id="7" dur="500"/>
+                                        <p:tgtEl>
+                                          <p:spTgt spid="2"/>
+                                        </p:tgtEl>
+                                      </p:cBhvr>
+                                    </p:animEffect>
+                                  </p:childTnLst>
+                                </p:cTn>
+                              </p:par>
+                            </p:childTnLst>
+                          </p:cTn>
+                        </p:par>
+                      </p:childTnLst>
+                    </p:cTn>
+                  </p:par>
+                  <p:par>
+                    <p:cTn id="8" fill="hold">
+                      <p:stCondLst>
+                        <p:cond delay="indefinite"/>
+                      </p:stCondLst>
+                      <p:childTnLst>
+                        <p:par>
+                          <p:cTn id="9" fill="hold">
+                            <p:stCondLst>
+                              <p:cond delay="0"/>
+                            </p:stCondLst>
+                            <p:childTnLst>
+                              <p:par>
+                                <p:cTn id="10" presetID="42" presetClass="entr" presetSubtype="0" fill="hold" nodeType="clickEffect">
+                                  <p:stCondLst>
+                                    <p:cond delay="0"/>
+                                  </p:stCondLst>
+                                  <p:childTnLst>
+                                    <p:set>
+                                      <p:cBhvr>
+                                        <p:cTn id="11" dur="1" fill="hold">
+                                          <p:stCondLst>
+                                            <p:cond delay="0"/>
+                                          </p:stCondLst>
+                                        </p:cTn>
+                                        <p:tgtEl>
+                                          <p:spTgt spid="3"/>
+                                        </p:tgtEl>
+                                        <p:attrNameLst>
+                                          <p:attrName>style.visibility</p:attrName>
+                                        </p:attrNameLst>
+                                      </p:cBhvr>
+                                      <p:to>
+                                        <p:strVal val="visible"/>
+                                      </p:to>
+                                    </p:set>
+                                    <p:animEffect transition="in" filter="fade">
+                                      <p:cBhvr>
+                                        <p:cTn id="12" dur="1000"/>
+                                        <p:tgtEl>
+                                          <p:spTgt spid="3"/>
+                                        </p:tgtEl>
+                                      </p:cBhvr>
+                                    </p:animEffect>
+                                    <p:anim calcmode="lin" valueType="num">
+                                      <p:cBhvr>
+                                        <p:cTn id="13" dur="1000" fill="hold"/>
+                                        <p:tgtEl>
+                                          <p:spTgt spid="3"/>
+                                        </p:tgtEl>
+                                        <p:attrNameLst>
+                                          <p:attrName>ppt_x</p:attrName>
+                                        </p:attrNameLst>
+                                      </p:cBhvr>
+                                      <p:tavLst>
+                                        <p:tav tm="0">
+                                          <p:val>
+                                            <p:strVal val="#ppt_x"/>
+                                          </p:val>
+                                        </p:tav>
+                                        <p:tav tm="100000">
+                                          <p:val>
+                                            <p:strVal val="#ppt_x"/>
+                                          </p:val>
+                                        </p:tav>
+                                      </p:tavLst>
+                                    </p:anim>
+                                    <p:anim calcmode="lin" valueType="num">
+                                      <p:cBhvr>
+                                        <p:cTn id="14" dur="1000" fill="hold"/>
+                                        <p:tgtEl>
+                                          <p:spTgt spid="3"/>
+                                        </p:tgtEl>
+                                        <p:attrNameLst>
+                                          <p:attrName>ppt_y</p:attrName>
+                                        </p:attrNameLst>
+                                      </p:cBhvr>
+                                      <p:tavLst>
+                                        <p:tav tm="0">
+                                          <p:val>
+                                            <p:strVal val="#ppt_y+.1"/>
+                                          </p:val>
+                                        </p:tav>
+                                        <p:tav tm="100000">
+                                          <p:val>
+                                            <p:strVal val="#ppt_y"/>
+                                          </p:val>
+                                        </p:tav>
+                                      </p:tavLst>
+                                    </p:anim>
+                                  </p:childTnLst>
+                                </p:cTn>
+                              </p:par>
+                            </p:childTnLst>
+                          </p:cTn>
+                        </p:par>
+                      </p:childTnLst>
+                    </p:cTn>
+                  </p:par>
+                  <p:par>
+                    <p:cTn id="15" fill="hold">
+                      <p:stCondLst>
+                        <p:cond delay="indefinite"/>
+                      </p:stCondLst>
+                      <p:childTnLst>
+                        <p:par>
+                          <p:cTn id="16" fill="hold">
+                            <p:stCondLst>
+                              <p:cond delay="0"/>
+                            </p:stCondLst>
+                            <p:childTnLst>
+                              <p:par>
+                                <p:cTn id="17" presetID="22" presetClass="entr" presetSubtype="4" fill="hold" grpId="0" nodeType="clickEffect">
+                                  <p:stCondLst>
+                                    <p:cond delay="0"/>
+                                  </p:stCondLst>
+                                  <p:childTnLst>
+                                    <p:set>
+                                      <p:cBhvr>
+                                        <p:cTn id="18" dur="1" fill="hold">
+                                          <p:stCondLst>
+                                            <p:cond delay="0"/>
+                                          </p:stCondLst>
+                                        </p:cTn>
+                                        <p:tgtEl>
+                                          <p:spTgt spid="10"/>
+                                        </p:tgtEl>
+                                        <p:attrNameLst>
+                                          <p:attrName>style.visibility</p:attrName>
+                                        </p:attrNameLst>
+                                      </p:cBhvr>
+                                      <p:to>
+                                        <p:strVal val="visible"/>
+                                      </p:to>
+                                    </p:set>
+                                    <p:animEffect transition="in" filter="wipe(down)">
+                                      <p:cBhvr>
+                                        <p:cTn id="19" dur="500"/>
+                                        <p:tgtEl>
+                                          <p:spTgt spid="10"/>
+                                        </p:tgtEl>
+                                      </p:cBhvr>
+                                    </p:animEffect>
+                                  </p:childTnLst>
+                                </p:cTn>
+                              </p:par>
+                            </p:childTnLst>
+                          </p:cTn>
+                        </p:par>
+                      </p:childTnLst>
+                    </p:cTn>
+                  </p:par>
+                </p:childTnLst>
+              </p:cTn>
+              <p:prevCondLst>
+                <p:cond evt="onPrev" delay="0">
+                  <p:tgtEl>
+                    <p:sldTgt/>
+                  </p:tgtEl>
+                </p:cond>
+              </p:prevCondLst>
+              <p:nextCondLst>
+                <p:cond evt="onNext" delay="0">
+                  <p:tgtEl>
+                    <p:sldTgt/>
+                  </p:tgtEl>
+                </p:cond>
+              </p:nextCondLst>
+            </p:seq>
+          </p:childTnLst>
+        </p:cTn>
+      </p:par>
+    </p:tnLst>
+    <p:bldLst>
+      <p:bldP spid="10" grpId="0" animBg="1"/>
+    </p:bldLst>
+  </p:timing>
+</p:sld>
+</file>
+
+<file path=ppt/slides/slide8.xml><?xml version="1.0" encoding="utf-8"?>
+<p:sld xmlns:a="http://schemas.openxmlformats.org/drawingml/2006/main" xmlns:r="http://schemas.openxmlformats.org/officeDocument/2006/relationships" xmlns:p="http://schemas.openxmlformats.org/presentationml/2006/main">
+  <p:cSld>
+    <p:spTree>
+      <p:nvGrpSpPr>
+        <p:cNvPr id="1" name=""/>
+        <p:cNvGrpSpPr/>
+        <p:nvPr/>
+      </p:nvGrpSpPr>
+      <p:grpSpPr>
+        <a:xfrm>
+          <a:off x="0" y="0"/>
+          <a:ext cx="0" cy="0"/>
+          <a:chOff x="0" y="0"/>
+          <a:chExt cx="0" cy="0"/>
+        </a:xfrm>
+      </p:grpSpPr>
+      <p:pic>
+        <p:nvPicPr>
+          <p:cNvPr id="3" name="Immagine 2" descr="Immagine che contiene testo&#10;&#10;Descrizione generata automaticamente">
+            <a:extLst>
+              <a:ext uri="{FF2B5EF4-FFF2-40B4-BE49-F238E27FC236}">
+                <a16:creationId xmlns:a16="http://schemas.microsoft.com/office/drawing/2014/main" id="{30102CFA-CA7D-4644-AAEC-4CF006A9FF0F}"/>
+              </a:ext>
+            </a:extLst>
+          </p:cNvPr>
+          <p:cNvPicPr>
+            <a:picLocks noChangeAspect="1"/>
+          </p:cNvPicPr>
+          <p:nvPr/>
+        </p:nvPicPr>
+        <p:blipFill>
+          <a:blip r:embed="rId2"/>
+          <a:stretch>
+            <a:fillRect/>
+          </a:stretch>
+        </p:blipFill>
+        <p:spPr>
+          <a:xfrm>
+            <a:off x="4728726" y="1121625"/>
+            <a:ext cx="7463274" cy="3075237"/>
+          </a:xfrm>
+          <a:prstGeom prst="rect">
+            <a:avLst/>
+          </a:prstGeom>
+        </p:spPr>
+      </p:pic>
+      <p:sp>
+        <p:nvSpPr>
+          <p:cNvPr id="4" name="CasellaDiTesto 3">
+            <a:extLst>
+              <a:ext uri="{FF2B5EF4-FFF2-40B4-BE49-F238E27FC236}">
+                <a16:creationId xmlns:a16="http://schemas.microsoft.com/office/drawing/2014/main" id="{C9F9141D-1EC6-7549-AB09-0BB44A85B225}"/>
+              </a:ext>
+            </a:extLst>
+          </p:cNvPr>
+          <p:cNvSpPr txBox="1"/>
+          <p:nvPr/>
+        </p:nvSpPr>
+        <p:spPr>
+          <a:xfrm>
+            <a:off x="3442817" y="202819"/>
+            <a:ext cx="7180171" cy="584775"/>
+          </a:xfrm>
+          <a:prstGeom prst="rect">
+            <a:avLst/>
+          </a:prstGeom>
+          <a:noFill/>
+        </p:spPr>
+        <p:txBody>
+          <a:bodyPr wrap="none" rtlCol="0">
+            <a:spAutoFit/>
+          </a:bodyPr>
+          <a:lstStyle/>
+          <a:p>
+            <a:r>
+              <a:rPr lang="it-IT" sz="3200" dirty="0">
+                <a:latin typeface="Aharoni" panose="02010803020104030203" pitchFamily="2" charset="-79"/>
+                <a:cs typeface="Aharoni" panose="02010803020104030203" pitchFamily="2" charset="-79"/>
+              </a:rPr>
+              <a:t>The entry </a:t>
+            </a:r>
+            <a:r>
+              <a:rPr lang="it-IT" sz="3200" dirty="0" err="1">
+                <a:latin typeface="Aharoni" panose="02010803020104030203" pitchFamily="2" charset="-79"/>
+                <a:cs typeface="Aharoni" panose="02010803020104030203" pitchFamily="2" charset="-79"/>
+              </a:rPr>
+              <a:t>point</a:t>
+            </a:r>
+            <a:r>
+              <a:rPr lang="it-IT" sz="3200" dirty="0">
+                <a:latin typeface="Aharoni" panose="02010803020104030203" pitchFamily="2" charset="-79"/>
+                <a:cs typeface="Aharoni" panose="02010803020104030203" pitchFamily="2" charset="-79"/>
+              </a:rPr>
+              <a:t> </a:t>
+            </a:r>
+            <a:r>
+              <a:rPr lang="it-IT" sz="3200" dirty="0" err="1">
+                <a:latin typeface="Aharoni" panose="02010803020104030203" pitchFamily="2" charset="-79"/>
+                <a:cs typeface="Aharoni" panose="02010803020104030203" pitchFamily="2" charset="-79"/>
+              </a:rPr>
+              <a:t>configure</a:t>
+            </a:r>
+            <a:r>
+              <a:rPr lang="it-IT" sz="3200" dirty="0">
+                <a:latin typeface="Aharoni" panose="02010803020104030203" pitchFamily="2" charset="-79"/>
+                <a:cs typeface="Aharoni" panose="02010803020104030203" pitchFamily="2" charset="-79"/>
+              </a:rPr>
+              <a:t> for </a:t>
+            </a:r>
+            <a:r>
+              <a:rPr lang="it-IT" sz="3200" dirty="0" err="1">
+                <a:latin typeface="Aharoni" panose="02010803020104030203" pitchFamily="2" charset="-79"/>
+                <a:cs typeface="Aharoni" panose="02010803020104030203" pitchFamily="2" charset="-79"/>
+              </a:rPr>
+              <a:t>docker</a:t>
+            </a:r>
+            <a:endParaRPr lang="it-IT" sz="3200" dirty="0">
+              <a:latin typeface="Aharoni" panose="02010803020104030203" pitchFamily="2" charset="-79"/>
+              <a:cs typeface="Aharoni" panose="02010803020104030203" pitchFamily="2" charset="-79"/>
+            </a:endParaRPr>
+          </a:p>
+        </p:txBody>
+      </p:sp>
+      <p:grpSp>
+        <p:nvGrpSpPr>
+          <p:cNvPr id="20" name="Gruppo 19">
+            <a:extLst>
+              <a:ext uri="{FF2B5EF4-FFF2-40B4-BE49-F238E27FC236}">
+                <a16:creationId xmlns:a16="http://schemas.microsoft.com/office/drawing/2014/main" id="{97692A8F-49F1-364D-9821-E22E58C2ED6B}"/>
+              </a:ext>
+            </a:extLst>
+          </p:cNvPr>
+          <p:cNvGrpSpPr/>
+          <p:nvPr/>
+        </p:nvGrpSpPr>
+        <p:grpSpPr>
+          <a:xfrm>
+            <a:off x="320433" y="-46075"/>
+            <a:ext cx="3641966" cy="6493768"/>
+            <a:chOff x="320433" y="-46075"/>
+            <a:chExt cx="3641966" cy="6493768"/>
+          </a:xfrm>
+        </p:grpSpPr>
+        <p:sp>
+          <p:nvSpPr>
+            <p:cNvPr id="2" name="Rettangolo con angoli arrotondati 1">
+              <a:extLst>
+                <a:ext uri="{FF2B5EF4-FFF2-40B4-BE49-F238E27FC236}">
+                  <a16:creationId xmlns:a16="http://schemas.microsoft.com/office/drawing/2014/main" id="{2F64757A-D999-744A-A7BF-7BB265324AFE}"/>
+                </a:ext>
+              </a:extLst>
+            </p:cNvPr>
+            <p:cNvSpPr/>
+            <p:nvPr/>
+          </p:nvSpPr>
+          <p:spPr>
+            <a:xfrm>
+              <a:off x="320433" y="1254370"/>
+              <a:ext cx="3513155" cy="5193323"/>
+            </a:xfrm>
+            <a:prstGeom prst="roundRect">
+              <a:avLst/>
+            </a:prstGeom>
+          </p:spPr>
+          <p:style>
+            <a:lnRef idx="1">
+              <a:schemeClr val="accent5"/>
+            </a:lnRef>
+            <a:fillRef idx="2">
+              <a:schemeClr val="accent5"/>
+            </a:fillRef>
+            <a:effectRef idx="1">
+              <a:schemeClr val="accent5"/>
+            </a:effectRef>
+            <a:fontRef idx="minor">
+              <a:schemeClr val="dk1"/>
+            </a:fontRef>
+          </p:style>
+          <p:txBody>
+            <a:bodyPr rtlCol="0" anchor="ctr"/>
+            <a:lstStyle/>
+            <a:p>
+              <a:pPr algn="ctr"/>
+              <a:endParaRPr lang="it-IT" dirty="0"/>
+            </a:p>
+          </p:txBody>
+        </p:sp>
+        <p:pic>
+          <p:nvPicPr>
+            <p:cNvPr id="5" name="Picture 2">
+              <a:extLst>
+                <a:ext uri="{FF2B5EF4-FFF2-40B4-BE49-F238E27FC236}">
+                  <a16:creationId xmlns:a16="http://schemas.microsoft.com/office/drawing/2014/main" id="{DDC029B3-3B2B-9D4A-8A10-93199839A237}"/>
+                </a:ext>
+              </a:extLst>
+            </p:cNvPr>
+            <p:cNvPicPr>
+              <a:picLocks noChangeAspect="1" noChangeArrowheads="1"/>
+            </p:cNvPicPr>
+            <p:nvPr/>
+          </p:nvPicPr>
+          <p:blipFill>
+            <a:blip r:embed="rId3">
+              <a:extLst>
+                <a:ext uri="{28A0092B-C50C-407E-A947-70E740481C1C}">
+                  <a14:useLocalDpi xmlns:a14="http://schemas.microsoft.com/office/drawing/2010/main" val="0"/>
+                </a:ext>
+              </a:extLst>
+            </a:blip>
+            <a:srcRect/>
+            <a:stretch>
+              <a:fillRect/>
+            </a:stretch>
+          </p:blipFill>
+          <p:spPr bwMode="auto">
+            <a:xfrm>
+              <a:off x="425941" y="-46075"/>
+              <a:ext cx="2403230" cy="1988673"/>
+            </a:xfrm>
+            <a:prstGeom prst="rect">
+              <a:avLst/>
+            </a:prstGeom>
+            <a:noFill/>
+            <a:extLst>
+              <a:ext uri="{909E8E84-426E-40DD-AFC4-6F175D3DCCD1}">
+                <a14:hiddenFill xmlns:a14="http://schemas.microsoft.com/office/drawing/2010/main">
+                  <a:solidFill>
+                    <a:srgbClr val="FFFFFF"/>
+                  </a:solidFill>
+                </a14:hiddenFill>
+              </a:ext>
+            </a:extLst>
+          </p:spPr>
+        </p:pic>
+        <p:sp>
+          <p:nvSpPr>
+            <p:cNvPr id="7" name="Rettangolo 6">
+              <a:extLst>
+                <a:ext uri="{FF2B5EF4-FFF2-40B4-BE49-F238E27FC236}">
+                  <a16:creationId xmlns:a16="http://schemas.microsoft.com/office/drawing/2014/main" id="{282E615E-589B-9241-B013-46ACF24F15D7}"/>
+                </a:ext>
+              </a:extLst>
+            </p:cNvPr>
+            <p:cNvSpPr/>
+            <p:nvPr/>
+          </p:nvSpPr>
+          <p:spPr>
+            <a:xfrm>
+              <a:off x="723289" y="2162908"/>
+              <a:ext cx="2590800" cy="3376246"/>
+            </a:xfrm>
+            <a:prstGeom prst="rect">
+              <a:avLst/>
+            </a:prstGeom>
+          </p:spPr>
+          <p:style>
+            <a:lnRef idx="2">
+              <a:schemeClr val="accent1">
+                <a:shade val="50000"/>
+              </a:schemeClr>
+            </a:lnRef>
+            <a:fillRef idx="1">
+              <a:schemeClr val="accent1"/>
+            </a:fillRef>
+            <a:effectRef idx="0">
+              <a:schemeClr val="accent1"/>
+            </a:effectRef>
+            <a:fontRef idx="minor">
+              <a:schemeClr val="lt1"/>
+            </a:fontRef>
+          </p:style>
+          <p:txBody>
+            <a:bodyPr rtlCol="0" anchor="ctr"/>
+            <a:lstStyle/>
+            <a:p>
+              <a:pPr algn="ctr"/>
+              <a:endParaRPr lang="it-IT" dirty="0"/>
+            </a:p>
+          </p:txBody>
+        </p:sp>
+        <p:grpSp>
+          <p:nvGrpSpPr>
+            <p:cNvPr id="10" name="Gruppo 9">
+              <a:extLst>
+                <a:ext uri="{FF2B5EF4-FFF2-40B4-BE49-F238E27FC236}">
+                  <a16:creationId xmlns:a16="http://schemas.microsoft.com/office/drawing/2014/main" id="{38EBBFA2-D19E-3C41-B57E-E07746A6A6A1}"/>
+                </a:ext>
+              </a:extLst>
+            </p:cNvPr>
+            <p:cNvGrpSpPr/>
+            <p:nvPr/>
+          </p:nvGrpSpPr>
+          <p:grpSpPr>
+            <a:xfrm>
+              <a:off x="1151194" y="2691096"/>
+              <a:ext cx="1655353" cy="2572883"/>
+              <a:chOff x="1182829" y="2874648"/>
+              <a:chExt cx="1655353" cy="2572883"/>
+            </a:xfrm>
+          </p:grpSpPr>
+          <p:pic>
+            <p:nvPicPr>
+              <p:cNvPr id="1026" name="Picture 2" descr="Jar Clear Glass Blue - Free vector graphic on Pixabay">
+                <a:extLst>
+                  <a:ext uri="{FF2B5EF4-FFF2-40B4-BE49-F238E27FC236}">
+                    <a16:creationId xmlns:a16="http://schemas.microsoft.com/office/drawing/2014/main" id="{99558AFC-AEA2-4246-8324-E5AC42DF2EC3}"/>
+                  </a:ext>
+                </a:extLst>
+              </p:cNvPr>
+              <p:cNvPicPr>
+                <a:picLocks noChangeAspect="1" noChangeArrowheads="1"/>
+              </p:cNvPicPr>
+              <p:nvPr/>
+            </p:nvPicPr>
+            <p:blipFill>
+              <a:blip r:embed="rId4">
+                <a:extLst>
+                  <a:ext uri="{28A0092B-C50C-407E-A947-70E740481C1C}">
+                    <a14:useLocalDpi xmlns:a14="http://schemas.microsoft.com/office/drawing/2010/main" val="0"/>
+                  </a:ext>
+                </a:extLst>
+              </a:blip>
+              <a:srcRect/>
+              <a:stretch>
+                <a:fillRect/>
+              </a:stretch>
+            </p:blipFill>
+            <p:spPr bwMode="auto">
+              <a:xfrm>
+                <a:off x="1182829" y="2942759"/>
+                <a:ext cx="1655353" cy="2504772"/>
+              </a:xfrm>
+              <a:prstGeom prst="rect">
+                <a:avLst/>
+              </a:prstGeom>
+              <a:noFill/>
+              <a:extLst>
+                <a:ext uri="{909E8E84-426E-40DD-AFC4-6F175D3DCCD1}">
+                  <a14:hiddenFill xmlns:a14="http://schemas.microsoft.com/office/drawing/2010/main">
+                    <a:solidFill>
+                      <a:srgbClr val="FFFFFF"/>
+                    </a:solidFill>
+                  </a14:hiddenFill>
+                </a:ext>
+              </a:extLst>
+            </p:spPr>
+          </p:pic>
+          <p:pic>
+            <p:nvPicPr>
+              <p:cNvPr id="9" name="Picture 4" descr="How to Manage Multiple Java Versions in MacOS (Updated 2021 + macOS Big  Sur) | by Chamika Kasun | Medium">
+                <a:extLst>
+                  <a:ext uri="{FF2B5EF4-FFF2-40B4-BE49-F238E27FC236}">
+                    <a16:creationId xmlns:a16="http://schemas.microsoft.com/office/drawing/2014/main" id="{A5E9F4A6-BC05-5448-92E7-79DCA6A5FAC3}"/>
+                  </a:ext>
+                </a:extLst>
+              </p:cNvPr>
+              <p:cNvPicPr>
+                <a:picLocks noChangeAspect="1" noChangeArrowheads="1"/>
+              </p:cNvPicPr>
+              <p:nvPr/>
+            </p:nvPicPr>
+            <p:blipFill>
+              <a:blip r:embed="rId5">
+                <a:extLst>
+                  <a:ext uri="{28A0092B-C50C-407E-A947-70E740481C1C}">
+                    <a14:useLocalDpi xmlns:a14="http://schemas.microsoft.com/office/drawing/2010/main" val="0"/>
+                  </a:ext>
+                </a:extLst>
+              </a:blip>
+              <a:srcRect/>
+              <a:stretch>
+                <a:fillRect/>
+              </a:stretch>
+            </p:blipFill>
+            <p:spPr bwMode="auto">
+              <a:xfrm>
+                <a:off x="1251329" y="3817076"/>
+                <a:ext cx="1518355" cy="849923"/>
+              </a:xfrm>
+              <a:prstGeom prst="rect">
+                <a:avLst/>
+              </a:prstGeom>
+              <a:noFill/>
+              <a:extLst>
+                <a:ext uri="{909E8E84-426E-40DD-AFC4-6F175D3DCCD1}">
+                  <a14:hiddenFill xmlns:a14="http://schemas.microsoft.com/office/drawing/2010/main">
+                    <a:solidFill>
+                      <a:srgbClr val="FFFFFF"/>
+                    </a:solidFill>
+                  </a14:hiddenFill>
+                </a:ext>
+              </a:extLst>
+            </p:spPr>
+          </p:pic>
+          <p:pic>
+            <p:nvPicPr>
+              <p:cNvPr id="1028" name="Picture 4" descr="Apache OpenWhisk – Medium">
+                <a:extLst>
+                  <a:ext uri="{FF2B5EF4-FFF2-40B4-BE49-F238E27FC236}">
+                    <a16:creationId xmlns:a16="http://schemas.microsoft.com/office/drawing/2014/main" id="{A3983E34-3150-B548-A20C-4AE1A76EA94E}"/>
+                  </a:ext>
+                </a:extLst>
+              </p:cNvPr>
+              <p:cNvPicPr>
+                <a:picLocks noChangeAspect="1" noChangeArrowheads="1"/>
+              </p:cNvPicPr>
+              <p:nvPr/>
+            </p:nvPicPr>
+            <p:blipFill>
+              <a:blip r:embed="rId6">
+                <a:extLst>
+                  <a:ext uri="{28A0092B-C50C-407E-A947-70E740481C1C}">
+                    <a14:useLocalDpi xmlns:a14="http://schemas.microsoft.com/office/drawing/2010/main" val="0"/>
+                  </a:ext>
+                </a:extLst>
+              </a:blip>
+              <a:srcRect/>
+              <a:stretch>
+                <a:fillRect/>
+              </a:stretch>
+            </p:blipFill>
+            <p:spPr bwMode="auto">
+              <a:xfrm>
+                <a:off x="1665557" y="2874648"/>
+                <a:ext cx="689898" cy="689898"/>
+              </a:xfrm>
+              <a:prstGeom prst="rect">
+                <a:avLst/>
+              </a:prstGeom>
+              <a:noFill/>
+              <a:extLst>
+                <a:ext uri="{909E8E84-426E-40DD-AFC4-6F175D3DCCD1}">
+                  <a14:hiddenFill xmlns:a14="http://schemas.microsoft.com/office/drawing/2010/main">
+                    <a:solidFill>
+                      <a:srgbClr val="FFFFFF"/>
+                    </a:solidFill>
+                  </a14:hiddenFill>
+                </a:ext>
+              </a:extLst>
+            </p:spPr>
+          </p:pic>
+        </p:grpSp>
+        <p:sp>
+          <p:nvSpPr>
+            <p:cNvPr id="8" name="CasellaDiTesto 7">
+              <a:extLst>
+                <a:ext uri="{FF2B5EF4-FFF2-40B4-BE49-F238E27FC236}">
+                  <a16:creationId xmlns:a16="http://schemas.microsoft.com/office/drawing/2014/main" id="{D55DF0A4-7FDA-284F-BF1E-4706CBDA5E3E}"/>
+                </a:ext>
+              </a:extLst>
+            </p:cNvPr>
+            <p:cNvSpPr txBox="1"/>
+            <p:nvPr/>
+          </p:nvSpPr>
+          <p:spPr>
+            <a:xfrm>
+              <a:off x="812802" y="2169565"/>
+              <a:ext cx="1359876" cy="369332"/>
+            </a:xfrm>
+            <a:prstGeom prst="rect">
+              <a:avLst/>
+            </a:prstGeom>
+            <a:noFill/>
+          </p:spPr>
+          <p:txBody>
+            <a:bodyPr wrap="square" rtlCol="0">
+              <a:spAutoFit/>
+            </a:bodyPr>
+            <a:lstStyle/>
+            <a:p>
+              <a:r>
+                <a:rPr lang="it-IT" dirty="0" err="1">
+                  <a:solidFill>
+                    <a:schemeClr val="bg1"/>
+                  </a:solidFill>
+                </a:rPr>
+                <a:t>openwhisk</a:t>
+              </a:r>
+              <a:endParaRPr lang="it-IT" dirty="0">
+                <a:solidFill>
+                  <a:schemeClr val="bg1"/>
+                </a:solidFill>
+              </a:endParaRPr>
+            </a:p>
+          </p:txBody>
+        </p:sp>
+        <p:sp>
+          <p:nvSpPr>
+            <p:cNvPr id="11" name="Freccia angolare bidirezionale 10">
+              <a:extLst>
+                <a:ext uri="{FF2B5EF4-FFF2-40B4-BE49-F238E27FC236}">
+                  <a16:creationId xmlns:a16="http://schemas.microsoft.com/office/drawing/2014/main" id="{57384DA4-B091-AA46-BEC0-B641E381E094}"/>
+                </a:ext>
+              </a:extLst>
+            </p:cNvPr>
+            <p:cNvSpPr/>
+            <p:nvPr/>
+          </p:nvSpPr>
+          <p:spPr>
+            <a:xfrm flipH="1">
+              <a:off x="1893986" y="5484289"/>
+              <a:ext cx="2068413" cy="679938"/>
+            </a:xfrm>
+            <a:prstGeom prst="leftUpArrow">
+              <a:avLst/>
+            </a:prstGeom>
+          </p:spPr>
+          <p:style>
+            <a:lnRef idx="0">
+              <a:schemeClr val="dk1"/>
+            </a:lnRef>
+            <a:fillRef idx="3">
+              <a:schemeClr val="dk1"/>
+            </a:fillRef>
+            <a:effectRef idx="3">
+              <a:schemeClr val="dk1"/>
+            </a:effectRef>
+            <a:fontRef idx="minor">
+              <a:schemeClr val="lt1"/>
+            </a:fontRef>
+          </p:style>
+          <p:txBody>
+            <a:bodyPr rtlCol="0" anchor="ctr"/>
+            <a:lstStyle/>
+            <a:p>
+              <a:pPr algn="ctr"/>
+              <a:endParaRPr lang="it-IT"/>
+            </a:p>
+          </p:txBody>
+        </p:sp>
+      </p:grpSp>
+      <p:cxnSp>
+        <p:nvCxnSpPr>
+          <p:cNvPr id="13" name="Connettore 2 12">
+            <a:extLst>
+              <a:ext uri="{FF2B5EF4-FFF2-40B4-BE49-F238E27FC236}">
+                <a16:creationId xmlns:a16="http://schemas.microsoft.com/office/drawing/2014/main" id="{FCAAD7B2-3EAC-E047-9286-EF4E910ECAE1}"/>
+              </a:ext>
+            </a:extLst>
+          </p:cNvPr>
+          <p:cNvCxnSpPr>
+            <a:cxnSpLocks/>
+          </p:cNvCxnSpPr>
+          <p:nvPr/>
+        </p:nvCxnSpPr>
+        <p:spPr>
+          <a:xfrm flipH="1" flipV="1">
+            <a:off x="2172679" y="2426678"/>
+            <a:ext cx="3301998" cy="264418"/>
+          </a:xfrm>
+          <a:prstGeom prst="straightConnector1">
+            <a:avLst/>
+          </a:prstGeom>
+          <a:ln w="57150">
+            <a:tailEnd type="triangle"/>
+          </a:ln>
+        </p:spPr>
+        <p:style>
+          <a:lnRef idx="3">
+            <a:schemeClr val="accent4"/>
+          </a:lnRef>
+          <a:fillRef idx="0">
+            <a:schemeClr val="accent4"/>
+          </a:fillRef>
+          <a:effectRef idx="2">
+            <a:schemeClr val="accent4"/>
+          </a:effectRef>
+          <a:fontRef idx="minor">
+            <a:schemeClr val="tx1"/>
+          </a:fontRef>
+        </p:style>
+      </p:cxnSp>
+      <p:cxnSp>
+        <p:nvCxnSpPr>
+          <p:cNvPr id="17" name="Connettore 2 16">
+            <a:extLst>
+              <a:ext uri="{FF2B5EF4-FFF2-40B4-BE49-F238E27FC236}">
+                <a16:creationId xmlns:a16="http://schemas.microsoft.com/office/drawing/2014/main" id="{CC64A409-054F-124A-BEE2-E10FC4B88BBF}"/>
+              </a:ext>
+            </a:extLst>
+          </p:cNvPr>
+          <p:cNvCxnSpPr>
+            <a:cxnSpLocks/>
+          </p:cNvCxnSpPr>
+          <p:nvPr/>
+        </p:nvCxnSpPr>
+        <p:spPr>
+          <a:xfrm flipH="1">
+            <a:off x="2323820" y="2954866"/>
+            <a:ext cx="3212132" cy="2446135"/>
+          </a:xfrm>
+          <a:prstGeom prst="straightConnector1">
+            <a:avLst/>
+          </a:prstGeom>
+          <a:ln w="57150">
+            <a:tailEnd type="triangle"/>
+          </a:ln>
+        </p:spPr>
+        <p:style>
+          <a:lnRef idx="3">
+            <a:schemeClr val="accent4"/>
+          </a:lnRef>
+          <a:fillRef idx="0">
+            <a:schemeClr val="accent4"/>
+          </a:fillRef>
+          <a:effectRef idx="2">
+            <a:schemeClr val="accent4"/>
+          </a:effectRef>
+          <a:fontRef idx="minor">
+            <a:schemeClr val="tx1"/>
+          </a:fontRef>
+        </p:style>
+      </p:cxnSp>
+      <p:cxnSp>
+        <p:nvCxnSpPr>
+          <p:cNvPr id="19" name="Connettore 2 18">
+            <a:extLst>
+              <a:ext uri="{FF2B5EF4-FFF2-40B4-BE49-F238E27FC236}">
+                <a16:creationId xmlns:a16="http://schemas.microsoft.com/office/drawing/2014/main" id="{67F0CC2E-CB8D-0349-91AC-C0E8D83CFCE8}"/>
+              </a:ext>
+            </a:extLst>
+          </p:cNvPr>
+          <p:cNvCxnSpPr>
+            <a:cxnSpLocks/>
+          </p:cNvCxnSpPr>
+          <p:nvPr/>
+        </p:nvCxnSpPr>
+        <p:spPr>
+          <a:xfrm flipH="1">
+            <a:off x="4045778" y="3282462"/>
+            <a:ext cx="1490174" cy="2544667"/>
+          </a:xfrm>
+          <a:prstGeom prst="straightConnector1">
+            <a:avLst/>
+          </a:prstGeom>
+          <a:ln w="57150">
+            <a:tailEnd type="triangle"/>
+          </a:ln>
+        </p:spPr>
+        <p:style>
+          <a:lnRef idx="3">
+            <a:schemeClr val="accent4"/>
+          </a:lnRef>
+          <a:fillRef idx="0">
+            <a:schemeClr val="accent4"/>
+          </a:fillRef>
+          <a:effectRef idx="2">
+            <a:schemeClr val="accent4"/>
+          </a:effectRef>
+          <a:fontRef idx="minor">
+            <a:schemeClr val="tx1"/>
+          </a:fontRef>
+        </p:style>
+      </p:cxnSp>
+    </p:spTree>
+    <p:extLst>
+      <p:ext uri="{BB962C8B-B14F-4D97-AF65-F5344CB8AC3E}">
+        <p14:creationId xmlns:p14="http://schemas.microsoft.com/office/powerpoint/2010/main" val="3887377405"/>
+      </p:ext>
+    </p:extLst>
+  </p:cSld>
+  <p:clrMapOvr>
+    <a:masterClrMapping/>
+  </p:clrMapOvr>
+  <p:timing>
+    <p:tnLst>
+      <p:par>
+        <p:cTn id="1" dur="indefinite" restart="never" nodeType="tmRoot">
+          <p:childTnLst>
+            <p:seq concurrent="1" nextAc="seek">
+              <p:cTn id="2" dur="indefinite" nodeType="mainSeq">
+                <p:childTnLst>
+                  <p:par>
+                    <p:cTn id="3" fill="hold">
+                      <p:stCondLst>
+                        <p:cond delay="indefinite"/>
+                      </p:stCondLst>
+                      <p:childTnLst>
+                        <p:par>
+                          <p:cTn id="4" fill="hold">
+                            <p:stCondLst>
+                              <p:cond delay="0"/>
+                            </p:stCondLst>
+                            <p:childTnLst>
+                              <p:par>
+                                <p:cTn id="5" presetID="35" presetClass="entr" presetSubtype="0" fill="hold" nodeType="clickEffect">
+                                  <p:stCondLst>
+                                    <p:cond delay="0"/>
+                                  </p:stCondLst>
+                                  <p:childTnLst>
+                                    <p:set>
+                                      <p:cBhvr>
+                                        <p:cTn id="6" dur="1" fill="hold">
+                                          <p:stCondLst>
+                                            <p:cond delay="0"/>
+                                          </p:stCondLst>
+                                        </p:cTn>
+                                        <p:tgtEl>
+                                          <p:spTgt spid="20"/>
+                                        </p:tgtEl>
+                                        <p:attrNameLst>
+                                          <p:attrName>style.visibility</p:attrName>
+                                        </p:attrNameLst>
+                                      </p:cBhvr>
+                                      <p:to>
+                                        <p:strVal val="visible"/>
+                                      </p:to>
+                                    </p:set>
+                                    <p:animEffect transition="in" filter="fade">
+                                      <p:cBhvr>
+                                        <p:cTn id="7" dur="2000"/>
+                                        <p:tgtEl>
+                                          <p:spTgt spid="20"/>
+                                        </p:tgtEl>
+                                      </p:cBhvr>
+                                    </p:animEffect>
+                                    <p:anim calcmode="lin" valueType="num">
+                                      <p:cBhvr>
+                                        <p:cTn id="8" dur="2000" fill="hold"/>
+                                        <p:tgtEl>
+                                          <p:spTgt spid="20"/>
+                                        </p:tgtEl>
+                                        <p:attrNameLst>
+                                          <p:attrName>style.rotation</p:attrName>
+                                        </p:attrNameLst>
+                                      </p:cBhvr>
+                                      <p:tavLst>
+                                        <p:tav tm="0">
+                                          <p:val>
+                                            <p:fltVal val="720"/>
+                                          </p:val>
+                                        </p:tav>
+                                        <p:tav tm="100000">
+                                          <p:val>
+                                            <p:fltVal val="0"/>
+                                          </p:val>
+                                        </p:tav>
+                                      </p:tavLst>
+                                    </p:anim>
+                                    <p:anim calcmode="lin" valueType="num">
+                                      <p:cBhvr>
+                                        <p:cTn id="9" dur="2000" fill="hold"/>
+                                        <p:tgtEl>
+                                          <p:spTgt spid="20"/>
+                                        </p:tgtEl>
+                                        <p:attrNameLst>
+                                          <p:attrName>ppt_h</p:attrName>
+                                        </p:attrNameLst>
+                                      </p:cBhvr>
+                                      <p:tavLst>
+                                        <p:tav tm="0">
+                                          <p:val>
+                                            <p:fltVal val="0"/>
+                                          </p:val>
+                                        </p:tav>
+                                        <p:tav tm="100000">
+                                          <p:val>
+                                            <p:strVal val="#ppt_h"/>
+                                          </p:val>
+                                        </p:tav>
+                                      </p:tavLst>
+                                    </p:anim>
+                                    <p:anim calcmode="lin" valueType="num">
+                                      <p:cBhvr>
+                                        <p:cTn id="10" dur="2000" fill="hold"/>
+                                        <p:tgtEl>
+                                          <p:spTgt spid="20"/>
+                                        </p:tgtEl>
+                                        <p:attrNameLst>
+                                          <p:attrName>ppt_w</p:attrName>
+                                        </p:attrNameLst>
+                                      </p:cBhvr>
+                                      <p:tavLst>
+                                        <p:tav tm="0">
+                                          <p:val>
+                                            <p:fltVal val="0"/>
+                                          </p:val>
+                                        </p:tav>
+                                        <p:tav tm="100000">
+                                          <p:val>
+                                            <p:strVal val="#ppt_w"/>
+                                          </p:val>
+                                        </p:tav>
+                                      </p:tavLst>
+                                    </p:anim>
+                                  </p:childTnLst>
+                                </p:cTn>
+                              </p:par>
+                            </p:childTnLst>
+                          </p:cTn>
+                        </p:par>
+                      </p:childTnLst>
+                    </p:cTn>
+                  </p:par>
+                  <p:par>
+                    <p:cTn id="11" fill="hold">
+                      <p:stCondLst>
+                        <p:cond delay="indefinite"/>
+                      </p:stCondLst>
+                      <p:childTnLst>
+                        <p:par>
+                          <p:cTn id="12" fill="hold">
+                            <p:stCondLst>
+                              <p:cond delay="0"/>
+                            </p:stCondLst>
+                            <p:childTnLst>
+                              <p:par>
+                                <p:cTn id="13" presetID="42" presetClass="entr" presetSubtype="0" fill="hold" nodeType="clickEffect">
+                                  <p:stCondLst>
+                                    <p:cond delay="0"/>
+                                  </p:stCondLst>
+                                  <p:childTnLst>
+                                    <p:set>
+                                      <p:cBhvr>
+                                        <p:cTn id="14" dur="1" fill="hold">
+                                          <p:stCondLst>
+                                            <p:cond delay="0"/>
+                                          </p:stCondLst>
+                                        </p:cTn>
+                                        <p:tgtEl>
+                                          <p:spTgt spid="3"/>
+                                        </p:tgtEl>
+                                        <p:attrNameLst>
+                                          <p:attrName>style.visibility</p:attrName>
+                                        </p:attrNameLst>
+                                      </p:cBhvr>
+                                      <p:to>
+                                        <p:strVal val="visible"/>
+                                      </p:to>
+                                    </p:set>
+                                    <p:animEffect transition="in" filter="fade">
+                                      <p:cBhvr>
+                                        <p:cTn id="15" dur="1000"/>
+                                        <p:tgtEl>
+                                          <p:spTgt spid="3"/>
+                                        </p:tgtEl>
+                                      </p:cBhvr>
+                                    </p:animEffect>
+                                    <p:anim calcmode="lin" valueType="num">
+                                      <p:cBhvr>
+                                        <p:cTn id="16" dur="1000" fill="hold"/>
+                                        <p:tgtEl>
+                                          <p:spTgt spid="3"/>
+                                        </p:tgtEl>
+                                        <p:attrNameLst>
+                                          <p:attrName>ppt_x</p:attrName>
+                                        </p:attrNameLst>
+                                      </p:cBhvr>
+                                      <p:tavLst>
+                                        <p:tav tm="0">
+                                          <p:val>
+                                            <p:strVal val="#ppt_x"/>
+                                          </p:val>
+                                        </p:tav>
+                                        <p:tav tm="100000">
+                                          <p:val>
+                                            <p:strVal val="#ppt_x"/>
+                                          </p:val>
+                                        </p:tav>
+                                      </p:tavLst>
+                                    </p:anim>
+                                    <p:anim calcmode="lin" valueType="num">
+                                      <p:cBhvr>
+                                        <p:cTn id="17" dur="1000" fill="hold"/>
+                                        <p:tgtEl>
+                                          <p:spTgt spid="3"/>
+                                        </p:tgtEl>
+                                        <p:attrNameLst>
+                                          <p:attrName>ppt_y</p:attrName>
+                                        </p:attrNameLst>
+                                      </p:cBhvr>
+                                      <p:tavLst>
+                                        <p:tav tm="0">
+                                          <p:val>
+                                            <p:strVal val="#ppt_y+.1"/>
+                                          </p:val>
+                                        </p:tav>
+                                        <p:tav tm="100000">
+                                          <p:val>
+                                            <p:strVal val="#ppt_y"/>
+                                          </p:val>
+                                        </p:tav>
+                                      </p:tavLst>
+                                    </p:anim>
+                                  </p:childTnLst>
+                                </p:cTn>
+                              </p:par>
+                            </p:childTnLst>
+                          </p:cTn>
+                        </p:par>
+                      </p:childTnLst>
+                    </p:cTn>
+                  </p:par>
+                  <p:par>
+                    <p:cTn id="18" fill="hold">
+                      <p:stCondLst>
+                        <p:cond delay="indefinite"/>
+                      </p:stCondLst>
+                      <p:childTnLst>
+                        <p:par>
+                          <p:cTn id="19" fill="hold">
+                            <p:stCondLst>
+                              <p:cond delay="0"/>
+                            </p:stCondLst>
+                            <p:childTnLst>
+                              <p:par>
+                                <p:cTn id="20" presetID="43" presetClass="entr" presetSubtype="0" fill="hold" nodeType="clickEffect">
+                                  <p:stCondLst>
+                                    <p:cond delay="0"/>
+                                  </p:stCondLst>
+                                  <p:childTnLst>
+                                    <p:set>
+                                      <p:cBhvr>
+                                        <p:cTn id="21" dur="1" fill="hold">
+                                          <p:stCondLst>
+                                            <p:cond delay="0"/>
+                                          </p:stCondLst>
+                                        </p:cTn>
+                                        <p:tgtEl>
+                                          <p:spTgt spid="13"/>
+                                        </p:tgtEl>
+                                        <p:attrNameLst>
+                                          <p:attrName>style.visibility</p:attrName>
+                                        </p:attrNameLst>
+                                      </p:cBhvr>
+                                      <p:to>
+                                        <p:strVal val="visible"/>
+                                      </p:to>
+                                    </p:set>
+                                    <p:animEffect transition="in" filter="fade">
+                                      <p:cBhvr>
+                                        <p:cTn id="22" dur="100"/>
+                                        <p:tgtEl>
+                                          <p:spTgt spid="13"/>
+                                        </p:tgtEl>
+                                      </p:cBhvr>
+                                    </p:animEffect>
+                                    <p:anim calcmode="lin" valueType="num">
+                                      <p:cBhvr>
+                                        <p:cTn id="23" dur="400" fill="hold"/>
+                                        <p:tgtEl>
+                                          <p:spTgt spid="13"/>
+                                        </p:tgtEl>
+                                        <p:attrNameLst>
+                                          <p:attrName>ppt_x</p:attrName>
+                                        </p:attrNameLst>
+                                      </p:cBhvr>
+                                      <p:tavLst>
+                                        <p:tav tm="0">
+                                          <p:val>
+                                            <p:strVal val="#ppt_x"/>
+                                          </p:val>
+                                        </p:tav>
+                                        <p:tav tm="100000">
+                                          <p:val>
+                                            <p:strVal val="#ppt_x"/>
+                                          </p:val>
+                                        </p:tav>
+                                      </p:tavLst>
+                                    </p:anim>
+                                    <p:anim calcmode="lin" valueType="num">
+                                      <p:cBhvr>
+                                        <p:cTn id="24" dur="400" fill="hold"/>
+                                        <p:tgtEl>
+                                          <p:spTgt spid="13"/>
+                                        </p:tgtEl>
+                                        <p:attrNameLst>
+                                          <p:attrName>ppt_y</p:attrName>
+                                        </p:attrNameLst>
+                                      </p:cBhvr>
+                                      <p:tavLst>
+                                        <p:tav tm="0">
+                                          <p:val>
+                                            <p:strVal val="#ppt_y+0.31"/>
+                                          </p:val>
+                                        </p:tav>
+                                        <p:tav tm="100000">
+                                          <p:val>
+                                            <p:strVal val="#ppt_y+0.31"/>
+                                          </p:val>
+                                        </p:tav>
+                                      </p:tavLst>
+                                    </p:anim>
+                                    <p:anim calcmode="lin" valueType="num">
+                                      <p:cBhvr>
+                                        <p:cTn id="25" dur="600" decel="50000" fill="hold">
+                                          <p:stCondLst>
+                                            <p:cond delay="400"/>
+                                          </p:stCondLst>
+                                        </p:cTn>
+                                        <p:tgtEl>
+                                          <p:spTgt spid="13"/>
+                                        </p:tgtEl>
+                                        <p:attrNameLst>
+                                          <p:attrName>ppt_x</p:attrName>
+                                        </p:attrNameLst>
+                                      </p:cBhvr>
+                                      <p:tavLst>
+                                        <p:tav tm="0">
+                                          <p:val>
+                                            <p:strVal val="#ppt_x"/>
+                                          </p:val>
+                                        </p:tav>
+                                        <p:tav tm="5000">
+                                          <p:val>
+                                            <p:strVal val="#ppt_x+0.0242"/>
+                                          </p:val>
+                                        </p:tav>
+                                        <p:tav tm="10000">
+                                          <p:val>
+                                            <p:strVal val="#ppt_x+0.0479"/>
+                                          </p:val>
+                                        </p:tav>
+                                        <p:tav tm="15000">
+                                          <p:val>
+                                            <p:strVal val="#ppt_x+0.0704"/>
+                                          </p:val>
+                                        </p:tav>
+                                        <p:tav tm="20000">
+                                          <p:val>
+                                            <p:strVal val="#ppt_x+0.0911"/>
+                                          </p:val>
+                                        </p:tav>
+                                        <p:tav tm="25000">
+                                          <p:val>
+                                            <p:strVal val="#ppt_x+0.1096"/>
+                                          </p:val>
+                                        </p:tav>
+                                        <p:tav tm="30000">
+                                          <p:val>
+                                            <p:strVal val="#ppt_x+0.1254"/>
+                                          </p:val>
+                                        </p:tav>
+                                        <p:tav tm="35000">
+                                          <p:val>
+                                            <p:strVal val="#ppt_x+0.1381"/>
+                                          </p:val>
+                                        </p:tav>
+                                        <p:tav tm="40000">
+                                          <p:val>
+                                            <p:strVal val="#ppt_x+0.1474"/>
+                                          </p:val>
+                                        </p:tav>
+                                        <p:tav tm="45000">
+                                          <p:val>
+                                            <p:strVal val="#ppt_x+0.1531"/>
+                                          </p:val>
+                                        </p:tav>
+                                        <p:tav tm="50000">
+                                          <p:val>
+                                            <p:strVal val="#ppt_x+0.1550"/>
+                                          </p:val>
+                                        </p:tav>
+                                        <p:tav tm="55000">
+                                          <p:val>
+                                            <p:strVal val="#ppt_x+0.1531"/>
+                                          </p:val>
+                                        </p:tav>
+                                        <p:tav tm="60000">
+                                          <p:val>
+                                            <p:strVal val="#ppt_x+0.1474"/>
+                                          </p:val>
+                                        </p:tav>
+                                        <p:tav tm="65000">
+                                          <p:val>
+                                            <p:strVal val="#ppt_x+0.1381"/>
+                                          </p:val>
+                                        </p:tav>
+                                        <p:tav tm="70000">
+                                          <p:val>
+                                            <p:strVal val="#ppt_x+0.1254"/>
+                                          </p:val>
+                                        </p:tav>
+                                        <p:tav tm="75000">
+                                          <p:val>
+                                            <p:strVal val="#ppt_x+0.1096"/>
+                                          </p:val>
+                                        </p:tav>
+                                        <p:tav tm="80000">
+                                          <p:val>
+                                            <p:strVal val="#ppt_x+0.0911"/>
+                                          </p:val>
+                                        </p:tav>
+                                        <p:tav tm="85000">
+                                          <p:val>
+                                            <p:strVal val="#ppt_x+0.0704"/>
+                                          </p:val>
+                                        </p:tav>
+                                        <p:tav tm="90000">
+                                          <p:val>
+                                            <p:strVal val="#ppt_x+0.0479"/>
+                                          </p:val>
+                                        </p:tav>
+                                        <p:tav tm="95000">
+                                          <p:val>
+                                            <p:strVal val="#ppt_x+0.0242"/>
+                                          </p:val>
+                                        </p:tav>
+                                        <p:tav tm="100000">
+                                          <p:val>
+                                            <p:strVal val="#ppt_x"/>
+                                          </p:val>
+                                        </p:tav>
+                                      </p:tavLst>
+                                    </p:anim>
+                                    <p:anim calcmode="lin" valueType="num">
+                                      <p:cBhvr>
+                                        <p:cTn id="26" dur="600" decel="50000" fill="hold">
+                                          <p:stCondLst>
+                                            <p:cond delay="400"/>
+                                          </p:stCondLst>
+                                        </p:cTn>
+                                        <p:tgtEl>
+                                          <p:spTgt spid="13"/>
+                                        </p:tgtEl>
+                                        <p:attrNameLst>
+                                          <p:attrName>ppt_y</p:attrName>
+                                        </p:attrNameLst>
+                                      </p:cBhvr>
+                                      <p:tavLst>
+                                        <p:tav tm="0">
+                                          <p:val>
+                                            <p:strVal val="#ppt_y+0.31"/>
+                                          </p:val>
+                                        </p:tav>
+                                        <p:tav tm="5000">
+                                          <p:val>
+                                            <p:strVal val="#ppt_y+0.308"/>
+                                          </p:val>
+                                        </p:tav>
+                                        <p:tav tm="10000">
+                                          <p:val>
+                                            <p:strVal val="#ppt_y+0.3024"/>
+                                          </p:val>
+                                        </p:tav>
+                                        <p:tav tm="15000">
+                                          <p:val>
+                                            <p:strVal val="#ppt_y+0.2931"/>
+                                          </p:val>
+                                        </p:tav>
+                                        <p:tav tm="20000">
+                                          <p:val>
+                                            <p:strVal val="#ppt_y+0.2804"/>
+                                          </p:val>
+                                        </p:tav>
+                                        <p:tav tm="25000">
+                                          <p:val>
+                                            <p:strVal val="#ppt_y+0.2646"/>
+                                          </p:val>
+                                        </p:tav>
+                                        <p:tav tm="30000">
+                                          <p:val>
+                                            <p:strVal val="#ppt_y+0.2461"/>
+                                          </p:val>
+                                        </p:tav>
+                                        <p:tav tm="35000">
+                                          <p:val>
+                                            <p:strVal val="#ppt_y+0.2253"/>
+                                          </p:val>
+                                        </p:tav>
+                                        <p:tav tm="40000">
+                                          <p:val>
+                                            <p:strVal val="#ppt_y+0.2029"/>
+                                          </p:val>
+                                        </p:tav>
+                                        <p:tav tm="45000">
+                                          <p:val>
+                                            <p:strVal val="#ppt_y+0.1792"/>
+                                          </p:val>
+                                        </p:tav>
+                                        <p:tav tm="50000">
+                                          <p:val>
+                                            <p:strVal val="#ppt_y+0.155"/>
+                                          </p:val>
+                                        </p:tav>
+                                        <p:tav tm="55000">
+                                          <p:val>
+                                            <p:strVal val="#ppt_y+0.1307"/>
+                                          </p:val>
+                                        </p:tav>
+                                        <p:tav tm="60000">
+                                          <p:val>
+                                            <p:strVal val="#ppt_y+0.1071"/>
+                                          </p:val>
+                                        </p:tav>
+                                        <p:tav tm="65000">
+                                          <p:val>
+                                            <p:strVal val="#ppt_y+0.0846"/>
+                                          </p:val>
+                                        </p:tav>
+                                        <p:tav tm="70000">
+                                          <p:val>
+                                            <p:strVal val="#ppt_y+0.0639"/>
+                                          </p:val>
+                                        </p:tav>
+                                        <p:tav tm="75000">
+                                          <p:val>
+                                            <p:strVal val="#ppt_y+0.0454"/>
+                                          </p:val>
+                                        </p:tav>
+                                        <p:tav tm="80000">
+                                          <p:val>
+                                            <p:strVal val="#ppt_y+0.0296"/>
+                                          </p:val>
+                                        </p:tav>
+                                        <p:tav tm="85000">
+                                          <p:val>
+                                            <p:strVal val="#ppt_y+0.0169"/>
+                                          </p:val>
+                                        </p:tav>
+                                        <p:tav tm="90000">
+                                          <p:val>
+                                            <p:strVal val="#ppt_y+0.0076"/>
+                                          </p:val>
+                                        </p:tav>
+                                        <p:tav tm="95000">
+                                          <p:val>
+                                            <p:strVal val="#ppt_y+0.0019"/>
+                                          </p:val>
+                                        </p:tav>
+                                        <p:tav tm="100000">
+                                          <p:val>
+                                            <p:strVal val="#ppt_y"/>
+                                          </p:val>
+                                        </p:tav>
+                                      </p:tavLst>
+                                    </p:anim>
+                                  </p:childTnLst>
+                                </p:cTn>
+                              </p:par>
+                            </p:childTnLst>
+                          </p:cTn>
+                        </p:par>
+                      </p:childTnLst>
+                    </p:cTn>
+                  </p:par>
+                  <p:par>
+                    <p:cTn id="27" fill="hold">
+                      <p:stCondLst>
+                        <p:cond delay="indefinite"/>
+                      </p:stCondLst>
+                      <p:childTnLst>
+                        <p:par>
+                          <p:cTn id="28" fill="hold">
+                            <p:stCondLst>
+                              <p:cond delay="0"/>
+                            </p:stCondLst>
+                            <p:childTnLst>
+                              <p:par>
+                                <p:cTn id="29" presetID="43" presetClass="entr" presetSubtype="0" fill="hold" nodeType="clickEffect">
+                                  <p:stCondLst>
+                                    <p:cond delay="0"/>
+                                  </p:stCondLst>
+                                  <p:childTnLst>
+                                    <p:set>
+                                      <p:cBhvr>
+                                        <p:cTn id="30" dur="1" fill="hold">
+                                          <p:stCondLst>
+                                            <p:cond delay="0"/>
+                                          </p:stCondLst>
+                                        </p:cTn>
+                                        <p:tgtEl>
+                                          <p:spTgt spid="17"/>
+                                        </p:tgtEl>
+                                        <p:attrNameLst>
+                                          <p:attrName>style.visibility</p:attrName>
+                                        </p:attrNameLst>
+                                      </p:cBhvr>
+                                      <p:to>
+                                        <p:strVal val="visible"/>
+                                      </p:to>
+                                    </p:set>
+                                    <p:animEffect transition="in" filter="fade">
+                                      <p:cBhvr>
+                                        <p:cTn id="31" dur="100"/>
+                                        <p:tgtEl>
+                                          <p:spTgt spid="17"/>
+                                        </p:tgtEl>
+                                      </p:cBhvr>
+                                    </p:animEffect>
+                                    <p:anim calcmode="lin" valueType="num">
+                                      <p:cBhvr>
+                                        <p:cTn id="32" dur="400" fill="hold"/>
+                                        <p:tgtEl>
+                                          <p:spTgt spid="17"/>
+                                        </p:tgtEl>
+                                        <p:attrNameLst>
+                                          <p:attrName>ppt_x</p:attrName>
+                                        </p:attrNameLst>
+                                      </p:cBhvr>
+                                      <p:tavLst>
+                                        <p:tav tm="0">
+                                          <p:val>
+                                            <p:strVal val="#ppt_x"/>
+                                          </p:val>
+                                        </p:tav>
+                                        <p:tav tm="100000">
+                                          <p:val>
+                                            <p:strVal val="#ppt_x"/>
+                                          </p:val>
+                                        </p:tav>
+                                      </p:tavLst>
+                                    </p:anim>
+                                    <p:anim calcmode="lin" valueType="num">
+                                      <p:cBhvr>
+                                        <p:cTn id="33" dur="400" fill="hold"/>
+                                        <p:tgtEl>
+                                          <p:spTgt spid="17"/>
+                                        </p:tgtEl>
+                                        <p:attrNameLst>
+                                          <p:attrName>ppt_y</p:attrName>
+                                        </p:attrNameLst>
+                                      </p:cBhvr>
+                                      <p:tavLst>
+                                        <p:tav tm="0">
+                                          <p:val>
+                                            <p:strVal val="#ppt_y+0.31"/>
+                                          </p:val>
+                                        </p:tav>
+                                        <p:tav tm="100000">
+                                          <p:val>
+                                            <p:strVal val="#ppt_y+0.31"/>
+                                          </p:val>
+                                        </p:tav>
+                                      </p:tavLst>
+                                    </p:anim>
+                                    <p:anim calcmode="lin" valueType="num">
+                                      <p:cBhvr>
+                                        <p:cTn id="34" dur="600" decel="50000" fill="hold">
+                                          <p:stCondLst>
+                                            <p:cond delay="400"/>
+                                          </p:stCondLst>
+                                        </p:cTn>
+                                        <p:tgtEl>
+                                          <p:spTgt spid="17"/>
+                                        </p:tgtEl>
+                                        <p:attrNameLst>
+                                          <p:attrName>ppt_x</p:attrName>
+                                        </p:attrNameLst>
+                                      </p:cBhvr>
+                                      <p:tavLst>
+                                        <p:tav tm="0">
+                                          <p:val>
+                                            <p:strVal val="#ppt_x"/>
+                                          </p:val>
+                                        </p:tav>
+                                        <p:tav tm="5000">
+                                          <p:val>
+                                            <p:strVal val="#ppt_x+0.0242"/>
+                                          </p:val>
+                                        </p:tav>
+                                        <p:tav tm="10000">
+                                          <p:val>
+                                            <p:strVal val="#ppt_x+0.0479"/>
+                                          </p:val>
+                                        </p:tav>
+                                        <p:tav tm="15000">
+                                          <p:val>
+                                            <p:strVal val="#ppt_x+0.0704"/>
+                                          </p:val>
+                                        </p:tav>
+                                        <p:tav tm="20000">
+                                          <p:val>
+                                            <p:strVal val="#ppt_x+0.0911"/>
+                                          </p:val>
+                                        </p:tav>
+                                        <p:tav tm="25000">
+                                          <p:val>
+                                            <p:strVal val="#ppt_x+0.1096"/>
+                                          </p:val>
+                                        </p:tav>
+                                        <p:tav tm="30000">
+                                          <p:val>
+                                            <p:strVal val="#ppt_x+0.1254"/>
+                                          </p:val>
+                                        </p:tav>
+                                        <p:tav tm="35000">
+                                          <p:val>
+                                            <p:strVal val="#ppt_x+0.1381"/>
+                                          </p:val>
+                                        </p:tav>
+                                        <p:tav tm="40000">
+                                          <p:val>
+                                            <p:strVal val="#ppt_x+0.1474"/>
+                                          </p:val>
+                                        </p:tav>
+                                        <p:tav tm="45000">
+                                          <p:val>
+                                            <p:strVal val="#ppt_x+0.1531"/>
+                                          </p:val>
+                                        </p:tav>
+                                        <p:tav tm="50000">
+                                          <p:val>
+                                            <p:strVal val="#ppt_x+0.1550"/>
+                                          </p:val>
+                                        </p:tav>
+                                        <p:tav tm="55000">
+                                          <p:val>
+                                            <p:strVal val="#ppt_x+0.1531"/>
+                                          </p:val>
+                                        </p:tav>
+                                        <p:tav tm="60000">
+                                          <p:val>
+                                            <p:strVal val="#ppt_x+0.1474"/>
+                                          </p:val>
+                                        </p:tav>
+                                        <p:tav tm="65000">
+                                          <p:val>
+                                            <p:strVal val="#ppt_x+0.1381"/>
+                                          </p:val>
+                                        </p:tav>
+                                        <p:tav tm="70000">
+                                          <p:val>
+                                            <p:strVal val="#ppt_x+0.1254"/>
+                                          </p:val>
+                                        </p:tav>
+                                        <p:tav tm="75000">
+                                          <p:val>
+                                            <p:strVal val="#ppt_x+0.1096"/>
+                                          </p:val>
+                                        </p:tav>
+                                        <p:tav tm="80000">
+                                          <p:val>
+                                            <p:strVal val="#ppt_x+0.0911"/>
+                                          </p:val>
+                                        </p:tav>
+                                        <p:tav tm="85000">
+                                          <p:val>
+                                            <p:strVal val="#ppt_x+0.0704"/>
+                                          </p:val>
+                                        </p:tav>
+                                        <p:tav tm="90000">
+                                          <p:val>
+                                            <p:strVal val="#ppt_x+0.0479"/>
+                                          </p:val>
+                                        </p:tav>
+                                        <p:tav tm="95000">
+                                          <p:val>
+                                            <p:strVal val="#ppt_x+0.0242"/>
+                                          </p:val>
+                                        </p:tav>
+                                        <p:tav tm="100000">
+                                          <p:val>
+                                            <p:strVal val="#ppt_x"/>
+                                          </p:val>
+                                        </p:tav>
+                                      </p:tavLst>
+                                    </p:anim>
+                                    <p:anim calcmode="lin" valueType="num">
+                                      <p:cBhvr>
+                                        <p:cTn id="35" dur="600" decel="50000" fill="hold">
+                                          <p:stCondLst>
+                                            <p:cond delay="400"/>
+                                          </p:stCondLst>
+                                        </p:cTn>
+                                        <p:tgtEl>
+                                          <p:spTgt spid="17"/>
+                                        </p:tgtEl>
+                                        <p:attrNameLst>
+                                          <p:attrName>ppt_y</p:attrName>
+                                        </p:attrNameLst>
+                                      </p:cBhvr>
+                                      <p:tavLst>
+                                        <p:tav tm="0">
+                                          <p:val>
+                                            <p:strVal val="#ppt_y+0.31"/>
+                                          </p:val>
+                                        </p:tav>
+                                        <p:tav tm="5000">
+                                          <p:val>
+                                            <p:strVal val="#ppt_y+0.308"/>
+                                          </p:val>
+                                        </p:tav>
+                                        <p:tav tm="10000">
+                                          <p:val>
+                                            <p:strVal val="#ppt_y+0.3024"/>
+                                          </p:val>
+                                        </p:tav>
+                                        <p:tav tm="15000">
+                                          <p:val>
+                                            <p:strVal val="#ppt_y+0.2931"/>
+                                          </p:val>
+                                        </p:tav>
+                                        <p:tav tm="20000">
+                                          <p:val>
+                                            <p:strVal val="#ppt_y+0.2804"/>
+                                          </p:val>
+                                        </p:tav>
+                                        <p:tav tm="25000">
+                                          <p:val>
+                                            <p:strVal val="#ppt_y+0.2646"/>
+                                          </p:val>
+                                        </p:tav>
+                                        <p:tav tm="30000">
+                                          <p:val>
+                                            <p:strVal val="#ppt_y+0.2461"/>
+                                          </p:val>
+                                        </p:tav>
+                                        <p:tav tm="35000">
+                                          <p:val>
+                                            <p:strVal val="#ppt_y+0.2253"/>
+                                          </p:val>
+                                        </p:tav>
+                                        <p:tav tm="40000">
+                                          <p:val>
+                                            <p:strVal val="#ppt_y+0.2029"/>
+                                          </p:val>
+                                        </p:tav>
+                                        <p:tav tm="45000">
+                                          <p:val>
+                                            <p:strVal val="#ppt_y+0.1792"/>
+                                          </p:val>
+                                        </p:tav>
+                                        <p:tav tm="50000">
+                                          <p:val>
+                                            <p:strVal val="#ppt_y+0.155"/>
+                                          </p:val>
+                                        </p:tav>
+                                        <p:tav tm="55000">
+                                          <p:val>
+                                            <p:strVal val="#ppt_y+0.1307"/>
+                                          </p:val>
+                                        </p:tav>
+                                        <p:tav tm="60000">
+                                          <p:val>
+                                            <p:strVal val="#ppt_y+0.1071"/>
+                                          </p:val>
+                                        </p:tav>
+                                        <p:tav tm="65000">
+                                          <p:val>
+                                            <p:strVal val="#ppt_y+0.0846"/>
+                                          </p:val>
+                                        </p:tav>
+                                        <p:tav tm="70000">
+                                          <p:val>
+                                            <p:strVal val="#ppt_y+0.0639"/>
+                                          </p:val>
+                                        </p:tav>
+                                        <p:tav tm="75000">
+                                          <p:val>
+                                            <p:strVal val="#ppt_y+0.0454"/>
+                                          </p:val>
+                                        </p:tav>
+                                        <p:tav tm="80000">
+                                          <p:val>
+                                            <p:strVal val="#ppt_y+0.0296"/>
+                                          </p:val>
+                                        </p:tav>
+                                        <p:tav tm="85000">
+                                          <p:val>
+                                            <p:strVal val="#ppt_y+0.0169"/>
+                                          </p:val>
+                                        </p:tav>
+                                        <p:tav tm="90000">
+                                          <p:val>
+                                            <p:strVal val="#ppt_y+0.0076"/>
+                                          </p:val>
+                                        </p:tav>
+                                        <p:tav tm="95000">
+                                          <p:val>
+                                            <p:strVal val="#ppt_y+0.0019"/>
+                                          </p:val>
+                                        </p:tav>
+                                        <p:tav tm="100000">
+                                          <p:val>
+                                            <p:strVal val="#ppt_y"/>
+                                          </p:val>
+                                        </p:tav>
+                                      </p:tavLst>
+                                    </p:anim>
+                                  </p:childTnLst>
+                                </p:cTn>
+                              </p:par>
+                            </p:childTnLst>
+                          </p:cTn>
+                        </p:par>
+                      </p:childTnLst>
+                    </p:cTn>
+                  </p:par>
+                  <p:par>
+                    <p:cTn id="36" fill="hold">
+                      <p:stCondLst>
+                        <p:cond delay="indefinite"/>
+                      </p:stCondLst>
+                      <p:childTnLst>
+                        <p:par>
+                          <p:cTn id="37" fill="hold">
+                            <p:stCondLst>
+                              <p:cond delay="0"/>
+                            </p:stCondLst>
+                            <p:childTnLst>
+                              <p:par>
+                                <p:cTn id="38" presetID="43" presetClass="entr" presetSubtype="0" fill="hold" nodeType="clickEffect">
+                                  <p:stCondLst>
+                                    <p:cond delay="0"/>
+                                  </p:stCondLst>
+                                  <p:childTnLst>
+                                    <p:set>
+                                      <p:cBhvr>
+                                        <p:cTn id="39" dur="1" fill="hold">
+                                          <p:stCondLst>
+                                            <p:cond delay="0"/>
+                                          </p:stCondLst>
+                                        </p:cTn>
+                                        <p:tgtEl>
+                                          <p:spTgt spid="19"/>
+                                        </p:tgtEl>
+                                        <p:attrNameLst>
+                                          <p:attrName>style.visibility</p:attrName>
+                                        </p:attrNameLst>
+                                      </p:cBhvr>
+                                      <p:to>
+                                        <p:strVal val="visible"/>
+                                      </p:to>
+                                    </p:set>
+                                    <p:animEffect transition="in" filter="fade">
+                                      <p:cBhvr>
+                                        <p:cTn id="40" dur="100"/>
+                                        <p:tgtEl>
+                                          <p:spTgt spid="19"/>
+                                        </p:tgtEl>
+                                      </p:cBhvr>
+                                    </p:animEffect>
+                                    <p:anim calcmode="lin" valueType="num">
+                                      <p:cBhvr>
+                                        <p:cTn id="41" dur="400" fill="hold"/>
+                                        <p:tgtEl>
+                                          <p:spTgt spid="19"/>
+                                        </p:tgtEl>
+                                        <p:attrNameLst>
+                                          <p:attrName>ppt_x</p:attrName>
+                                        </p:attrNameLst>
+                                      </p:cBhvr>
+                                      <p:tavLst>
+                                        <p:tav tm="0">
+                                          <p:val>
+                                            <p:strVal val="#ppt_x"/>
+                                          </p:val>
+                                        </p:tav>
+                                        <p:tav tm="100000">
+                                          <p:val>
+                                            <p:strVal val="#ppt_x"/>
+                                          </p:val>
+                                        </p:tav>
+                                      </p:tavLst>
+                                    </p:anim>
+                                    <p:anim calcmode="lin" valueType="num">
+                                      <p:cBhvr>
+                                        <p:cTn id="42" dur="400" fill="hold"/>
+                                        <p:tgtEl>
+                                          <p:spTgt spid="19"/>
+                                        </p:tgtEl>
+                                        <p:attrNameLst>
+                                          <p:attrName>ppt_y</p:attrName>
+                                        </p:attrNameLst>
+                                      </p:cBhvr>
+                                      <p:tavLst>
+                                        <p:tav tm="0">
+                                          <p:val>
+                                            <p:strVal val="#ppt_y+0.31"/>
+                                          </p:val>
+                                        </p:tav>
+                                        <p:tav tm="100000">
+                                          <p:val>
+                                            <p:strVal val="#ppt_y+0.31"/>
+                                          </p:val>
+                                        </p:tav>
+                                      </p:tavLst>
+                                    </p:anim>
+                                    <p:anim calcmode="lin" valueType="num">
+                                      <p:cBhvr>
+                                        <p:cTn id="43" dur="600" decel="50000" fill="hold">
+                                          <p:stCondLst>
+                                            <p:cond delay="400"/>
+                                          </p:stCondLst>
+                                        </p:cTn>
+                                        <p:tgtEl>
+                                          <p:spTgt spid="19"/>
+                                        </p:tgtEl>
+                                        <p:attrNameLst>
+                                          <p:attrName>ppt_x</p:attrName>
+                                        </p:attrNameLst>
+                                      </p:cBhvr>
+                                      <p:tavLst>
+                                        <p:tav tm="0">
+                                          <p:val>
+                                            <p:strVal val="#ppt_x"/>
+                                          </p:val>
+                                        </p:tav>
+                                        <p:tav tm="5000">
+                                          <p:val>
+                                            <p:strVal val="#ppt_x+0.0242"/>
+                                          </p:val>
+                                        </p:tav>
+                                        <p:tav tm="10000">
+                                          <p:val>
+                                            <p:strVal val="#ppt_x+0.0479"/>
+                                          </p:val>
+                                        </p:tav>
+                                        <p:tav tm="15000">
+                                          <p:val>
+                                            <p:strVal val="#ppt_x+0.0704"/>
+                                          </p:val>
+                                        </p:tav>
+                                        <p:tav tm="20000">
+                                          <p:val>
+                                            <p:strVal val="#ppt_x+0.0911"/>
+                                          </p:val>
+                                        </p:tav>
+                                        <p:tav tm="25000">
+                                          <p:val>
+                                            <p:strVal val="#ppt_x+0.1096"/>
+                                          </p:val>
+                                        </p:tav>
+                                        <p:tav tm="30000">
+                                          <p:val>
+                                            <p:strVal val="#ppt_x+0.1254"/>
+                                          </p:val>
+                                        </p:tav>
+                                        <p:tav tm="35000">
+                                          <p:val>
+                                            <p:strVal val="#ppt_x+0.1381"/>
+                                          </p:val>
+                                        </p:tav>
+                                        <p:tav tm="40000">
+                                          <p:val>
+                                            <p:strVal val="#ppt_x+0.1474"/>
+                                          </p:val>
+                                        </p:tav>
+                                        <p:tav tm="45000">
+                                          <p:val>
+                                            <p:strVal val="#ppt_x+0.1531"/>
+                                          </p:val>
+                                        </p:tav>
+                                        <p:tav tm="50000">
+                                          <p:val>
+                                            <p:strVal val="#ppt_x+0.1550"/>
+                                          </p:val>
+                                        </p:tav>
+                                        <p:tav tm="55000">
+                                          <p:val>
+                                            <p:strVal val="#ppt_x+0.1531"/>
+                                          </p:val>
+                                        </p:tav>
+                                        <p:tav tm="60000">
+                                          <p:val>
+                                            <p:strVal val="#ppt_x+0.1474"/>
+                                          </p:val>
+                                        </p:tav>
+                                        <p:tav tm="65000">
+                                          <p:val>
+                                            <p:strVal val="#ppt_x+0.1381"/>
+                                          </p:val>
+                                        </p:tav>
+                                        <p:tav tm="70000">
+                                          <p:val>
+                                            <p:strVal val="#ppt_x+0.1254"/>
+                                          </p:val>
+                                        </p:tav>
+                                        <p:tav tm="75000">
+                                          <p:val>
+                                            <p:strVal val="#ppt_x+0.1096"/>
+                                          </p:val>
+                                        </p:tav>
+                                        <p:tav tm="80000">
+                                          <p:val>
+                                            <p:strVal val="#ppt_x+0.0911"/>
+                                          </p:val>
+                                        </p:tav>
+                                        <p:tav tm="85000">
+                                          <p:val>
+                                            <p:strVal val="#ppt_x+0.0704"/>
+                                          </p:val>
+                                        </p:tav>
+                                        <p:tav tm="90000">
+                                          <p:val>
+                                            <p:strVal val="#ppt_x+0.0479"/>
+                                          </p:val>
+                                        </p:tav>
+                                        <p:tav tm="95000">
+                                          <p:val>
+                                            <p:strVal val="#ppt_x+0.0242"/>
+                                          </p:val>
+                                        </p:tav>
+                                        <p:tav tm="100000">
+                                          <p:val>
+                                            <p:strVal val="#ppt_x"/>
+                                          </p:val>
+                                        </p:tav>
+                                      </p:tavLst>
+                                    </p:anim>
+                                    <p:anim calcmode="lin" valueType="num">
+                                      <p:cBhvr>
+                                        <p:cTn id="44" dur="600" decel="50000" fill="hold">
+                                          <p:stCondLst>
+                                            <p:cond delay="400"/>
+                                          </p:stCondLst>
+                                        </p:cTn>
+                                        <p:tgtEl>
+                                          <p:spTgt spid="19"/>
+                                        </p:tgtEl>
+                                        <p:attrNameLst>
+                                          <p:attrName>ppt_y</p:attrName>
+                                        </p:attrNameLst>
+                                      </p:cBhvr>
+                                      <p:tavLst>
+                                        <p:tav tm="0">
+                                          <p:val>
+                                            <p:strVal val="#ppt_y+0.31"/>
+                                          </p:val>
+                                        </p:tav>
+                                        <p:tav tm="5000">
+                                          <p:val>
+                                            <p:strVal val="#ppt_y+0.308"/>
+                                          </p:val>
+                                        </p:tav>
+                                        <p:tav tm="10000">
+                                          <p:val>
+                                            <p:strVal val="#ppt_y+0.3024"/>
+                                          </p:val>
+                                        </p:tav>
+                                        <p:tav tm="15000">
+                                          <p:val>
+                                            <p:strVal val="#ppt_y+0.2931"/>
+                                          </p:val>
+                                        </p:tav>
+                                        <p:tav tm="20000">
+                                          <p:val>
+                                            <p:strVal val="#ppt_y+0.2804"/>
+                                          </p:val>
+                                        </p:tav>
+                                        <p:tav tm="25000">
+                                          <p:val>
+                                            <p:strVal val="#ppt_y+0.2646"/>
+                                          </p:val>
+                                        </p:tav>
+                                        <p:tav tm="30000">
+                                          <p:val>
+                                            <p:strVal val="#ppt_y+0.2461"/>
+                                          </p:val>
+                                        </p:tav>
+                                        <p:tav tm="35000">
+                                          <p:val>
+                                            <p:strVal val="#ppt_y+0.2253"/>
+                                          </p:val>
+                                        </p:tav>
+                                        <p:tav tm="40000">
+                                          <p:val>
+                                            <p:strVal val="#ppt_y+0.2029"/>
+                                          </p:val>
+                                        </p:tav>
+                                        <p:tav tm="45000">
+                                          <p:val>
+                                            <p:strVal val="#ppt_y+0.1792"/>
+                                          </p:val>
+                                        </p:tav>
+                                        <p:tav tm="50000">
+                                          <p:val>
+                                            <p:strVal val="#ppt_y+0.155"/>
+                                          </p:val>
+                                        </p:tav>
+                                        <p:tav tm="55000">
+                                          <p:val>
+                                            <p:strVal val="#ppt_y+0.1307"/>
+                                          </p:val>
+                                        </p:tav>
+                                        <p:tav tm="60000">
+                                          <p:val>
+                                            <p:strVal val="#ppt_y+0.1071"/>
+                                          </p:val>
+                                        </p:tav>
+                                        <p:tav tm="65000">
+                                          <p:val>
+                                            <p:strVal val="#ppt_y+0.0846"/>
+                                          </p:val>
+                                        </p:tav>
+                                        <p:tav tm="70000">
+                                          <p:val>
+                                            <p:strVal val="#ppt_y+0.0639"/>
+                                          </p:val>
+                                        </p:tav>
+                                        <p:tav tm="75000">
+                                          <p:val>
+                                            <p:strVal val="#ppt_y+0.0454"/>
+                                          </p:val>
+                                        </p:tav>
+                                        <p:tav tm="80000">
+                                          <p:val>
+                                            <p:strVal val="#ppt_y+0.0296"/>
+                                          </p:val>
+                                        </p:tav>
+                                        <p:tav tm="85000">
+                                          <p:val>
+                                            <p:strVal val="#ppt_y+0.0169"/>
+                                          </p:val>
+                                        </p:tav>
+                                        <p:tav tm="90000">
+                                          <p:val>
+                                            <p:strVal val="#ppt_y+0.0076"/>
+                                          </p:val>
+                                        </p:tav>
+                                        <p:tav tm="95000">
+                                          <p:val>
+                                            <p:strVal val="#ppt_y+0.0019"/>
+                                          </p:val>
+                                        </p:tav>
+                                        <p:tav tm="100000">
+                                          <p:val>
+                                            <p:strVal val="#ppt_y"/>
+                                          </p:val>
+                                        </p:tav>
+                                      </p:tavLst>
+                                    </p:anim>
+                                  </p:childTnLst>
+                                </p:cTn>
+                              </p:par>
+                            </p:childTnLst>
+                          </p:cTn>
+                        </p:par>
+                      </p:childTnLst>
+                    </p:cTn>
+                  </p:par>
+                </p:childTnLst>
+              </p:cTn>
+              <p:prevCondLst>
+                <p:cond evt="onPrev" delay="0">
+                  <p:tgtEl>
+                    <p:sldTgt/>
+                  </p:tgtEl>
+                </p:cond>
+              </p:prevCondLst>
+              <p:nextCondLst>
+                <p:cond evt="onNext" delay="0">
+                  <p:tgtEl>
+                    <p:sldTgt/>
+                  </p:tgtEl>
+                </p:cond>
+              </p:nextCondLst>
+            </p:seq>
+          </p:childTnLst>
+        </p:cTn>
+      </p:par>
+    </p:tnLst>
+  </p:timing>
+</p:sld>
+</file>
+
+<file path=ppt/slides/slide9.xml><?xml version="1.0" encoding="utf-8"?>
+<p:sld xmlns:a="http://schemas.openxmlformats.org/drawingml/2006/main" xmlns:r="http://schemas.openxmlformats.org/officeDocument/2006/relationships" xmlns:p="http://schemas.openxmlformats.org/presentationml/2006/main">
+  <p:cSld>
+    <p:spTree>
+      <p:nvGrpSpPr>
+        <p:cNvPr id="1" name=""/>
+        <p:cNvGrpSpPr/>
+        <p:nvPr/>
+      </p:nvGrpSpPr>
+      <p:grpSpPr>
+        <a:xfrm>
+          <a:off x="0" y="0"/>
+          <a:ext cx="0" cy="0"/>
+          <a:chOff x="0" y="0"/>
+          <a:chExt cx="0" cy="0"/>
+        </a:xfrm>
+      </p:grpSpPr>
+      <p:grpSp>
+        <p:nvGrpSpPr>
+          <p:cNvPr id="43" name="Gruppo 42">
+            <a:extLst>
+              <a:ext uri="{FF2B5EF4-FFF2-40B4-BE49-F238E27FC236}">
+                <a16:creationId xmlns:a16="http://schemas.microsoft.com/office/drawing/2014/main" id="{C2117504-A388-7C41-B789-7DF8DA40AC5B}"/>
+              </a:ext>
+            </a:extLst>
+          </p:cNvPr>
+          <p:cNvGrpSpPr/>
+          <p:nvPr/>
+        </p:nvGrpSpPr>
+        <p:grpSpPr>
+          <a:xfrm>
+            <a:off x="104679" y="529222"/>
+            <a:ext cx="3790194" cy="5227853"/>
+            <a:chOff x="104679" y="529222"/>
+            <a:chExt cx="3790194" cy="5227853"/>
+          </a:xfrm>
+        </p:grpSpPr>
+        <p:grpSp>
+          <p:nvGrpSpPr>
+            <p:cNvPr id="13" name="Gruppo 12">
+              <a:extLst>
+                <a:ext uri="{FF2B5EF4-FFF2-40B4-BE49-F238E27FC236}">
+                  <a16:creationId xmlns:a16="http://schemas.microsoft.com/office/drawing/2014/main" id="{CA9C8825-43B9-C448-9F9A-79FF95E1B98A}"/>
+                </a:ext>
+              </a:extLst>
+            </p:cNvPr>
+            <p:cNvGrpSpPr/>
+            <p:nvPr/>
+          </p:nvGrpSpPr>
+          <p:grpSpPr>
+            <a:xfrm>
+              <a:off x="360061" y="529222"/>
+              <a:ext cx="3534812" cy="5227853"/>
+              <a:chOff x="320433" y="-46075"/>
+              <a:chExt cx="3641966" cy="6493768"/>
+            </a:xfrm>
+          </p:grpSpPr>
+          <p:sp>
+            <p:nvSpPr>
+              <p:cNvPr id="14" name="Rettangolo con angoli arrotondati 13">
+                <a:extLst>
+                  <a:ext uri="{FF2B5EF4-FFF2-40B4-BE49-F238E27FC236}">
+                    <a16:creationId xmlns:a16="http://schemas.microsoft.com/office/drawing/2014/main" id="{8EADE413-4F55-4E46-AEE2-6EBF2C11B90E}"/>
+                  </a:ext>
+                </a:extLst>
+              </p:cNvPr>
+              <p:cNvSpPr/>
+              <p:nvPr/>
+            </p:nvSpPr>
+            <p:spPr>
+              <a:xfrm>
+                <a:off x="320433" y="1254370"/>
+                <a:ext cx="3513155" cy="5193323"/>
+              </a:xfrm>
+              <a:prstGeom prst="roundRect">
+                <a:avLst/>
+              </a:prstGeom>
+            </p:spPr>
+            <p:style>
+              <a:lnRef idx="1">
+                <a:schemeClr val="accent5"/>
+              </a:lnRef>
+              <a:fillRef idx="2">
+                <a:schemeClr val="accent5"/>
+              </a:fillRef>
+              <a:effectRef idx="1">
+                <a:schemeClr val="accent5"/>
+              </a:effectRef>
+              <a:fontRef idx="minor">
+                <a:schemeClr val="dk1"/>
+              </a:fontRef>
+            </p:style>
+            <p:txBody>
+              <a:bodyPr rtlCol="0" anchor="ctr"/>
+              <a:lstStyle/>
+              <a:p>
+                <a:pPr algn="ctr"/>
+                <a:endParaRPr lang="it-IT" dirty="0"/>
+              </a:p>
+            </p:txBody>
+          </p:sp>
+          <p:pic>
+            <p:nvPicPr>
+              <p:cNvPr id="15" name="Picture 2">
+                <a:extLst>
+                  <a:ext uri="{FF2B5EF4-FFF2-40B4-BE49-F238E27FC236}">
+                    <a16:creationId xmlns:a16="http://schemas.microsoft.com/office/drawing/2014/main" id="{0272E4FD-DFC9-7941-B6A8-234FBE7703D5}"/>
+                  </a:ext>
+                </a:extLst>
+              </p:cNvPr>
+              <p:cNvPicPr>
+                <a:picLocks noChangeAspect="1" noChangeArrowheads="1"/>
+              </p:cNvPicPr>
+              <p:nvPr/>
+            </p:nvPicPr>
+            <p:blipFill>
+              <a:blip r:embed="rId2">
+                <a:extLst>
+                  <a:ext uri="{28A0092B-C50C-407E-A947-70E740481C1C}">
+                    <a14:useLocalDpi xmlns:a14="http://schemas.microsoft.com/office/drawing/2010/main" val="0"/>
+                  </a:ext>
+                </a:extLst>
+              </a:blip>
+              <a:srcRect/>
+              <a:stretch>
+                <a:fillRect/>
+              </a:stretch>
+            </p:blipFill>
+            <p:spPr bwMode="auto">
+              <a:xfrm>
+                <a:off x="425941" y="-46075"/>
+                <a:ext cx="2403230" cy="1988673"/>
+              </a:xfrm>
+              <a:prstGeom prst="rect">
+                <a:avLst/>
+              </a:prstGeom>
+              <a:noFill/>
+              <a:extLst>
+                <a:ext uri="{909E8E84-426E-40DD-AFC4-6F175D3DCCD1}">
+                  <a14:hiddenFill xmlns:a14="http://schemas.microsoft.com/office/drawing/2010/main">
+                    <a:solidFill>
+                      <a:srgbClr val="FFFFFF"/>
+                    </a:solidFill>
+                  </a14:hiddenFill>
+                </a:ext>
+              </a:extLst>
+            </p:spPr>
+          </p:pic>
+          <p:sp>
+            <p:nvSpPr>
+              <p:cNvPr id="16" name="Rettangolo 15">
+                <a:extLst>
+                  <a:ext uri="{FF2B5EF4-FFF2-40B4-BE49-F238E27FC236}">
+                    <a16:creationId xmlns:a16="http://schemas.microsoft.com/office/drawing/2014/main" id="{84943419-8A39-EF45-A24D-0946B141D7C3}"/>
+                  </a:ext>
+                </a:extLst>
+              </p:cNvPr>
+              <p:cNvSpPr/>
+              <p:nvPr/>
+            </p:nvSpPr>
+            <p:spPr>
+              <a:xfrm>
+                <a:off x="723289" y="2162908"/>
+                <a:ext cx="2590800" cy="3376246"/>
+              </a:xfrm>
+              <a:prstGeom prst="rect">
+                <a:avLst/>
+              </a:prstGeom>
+            </p:spPr>
+            <p:style>
+              <a:lnRef idx="2">
+                <a:schemeClr val="accent1">
+                  <a:shade val="50000"/>
+                </a:schemeClr>
+              </a:lnRef>
+              <a:fillRef idx="1">
+                <a:schemeClr val="accent1"/>
+              </a:fillRef>
+              <a:effectRef idx="0">
+                <a:schemeClr val="accent1"/>
+              </a:effectRef>
+              <a:fontRef idx="minor">
+                <a:schemeClr val="lt1"/>
+              </a:fontRef>
+            </p:style>
+            <p:txBody>
+              <a:bodyPr rtlCol="0" anchor="ctr"/>
+              <a:lstStyle/>
+              <a:p>
+                <a:pPr algn="ctr"/>
+                <a:endParaRPr lang="it-IT" dirty="0"/>
+              </a:p>
+            </p:txBody>
+          </p:sp>
+          <p:grpSp>
+            <p:nvGrpSpPr>
+              <p:cNvPr id="17" name="Gruppo 16">
+                <a:extLst>
+                  <a:ext uri="{FF2B5EF4-FFF2-40B4-BE49-F238E27FC236}">
+                    <a16:creationId xmlns:a16="http://schemas.microsoft.com/office/drawing/2014/main" id="{D3BCFE07-3C85-E64D-9552-CB23E87EF1BA}"/>
+                  </a:ext>
+                </a:extLst>
+              </p:cNvPr>
+              <p:cNvGrpSpPr/>
+              <p:nvPr/>
+            </p:nvGrpSpPr>
+            <p:grpSpPr>
+              <a:xfrm>
+                <a:off x="1151194" y="2691096"/>
+                <a:ext cx="1655353" cy="2572883"/>
+                <a:chOff x="1182829" y="2874648"/>
+                <a:chExt cx="1655353" cy="2572883"/>
+              </a:xfrm>
+            </p:grpSpPr>
+            <p:pic>
+              <p:nvPicPr>
+                <p:cNvPr id="20" name="Picture 2" descr="Jar Clear Glass Blue - Free vector graphic on Pixabay">
+                  <a:extLst>
+                    <a:ext uri="{FF2B5EF4-FFF2-40B4-BE49-F238E27FC236}">
+                      <a16:creationId xmlns:a16="http://schemas.microsoft.com/office/drawing/2014/main" id="{EE547365-5E31-0442-9F7E-E22622B7FE6B}"/>
+                    </a:ext>
+                  </a:extLst>
+                </p:cNvPr>
+                <p:cNvPicPr>
+                  <a:picLocks noChangeAspect="1" noChangeArrowheads="1"/>
+                </p:cNvPicPr>
+                <p:nvPr/>
+              </p:nvPicPr>
+              <p:blipFill>
+                <a:blip r:embed="rId3">
+                  <a:extLst>
+                    <a:ext uri="{28A0092B-C50C-407E-A947-70E740481C1C}">
+                      <a14:useLocalDpi xmlns:a14="http://schemas.microsoft.com/office/drawing/2010/main" val="0"/>
+                    </a:ext>
+                  </a:extLst>
+                </a:blip>
+                <a:srcRect/>
+                <a:stretch>
+                  <a:fillRect/>
+                </a:stretch>
+              </p:blipFill>
+              <p:spPr bwMode="auto">
+                <a:xfrm>
+                  <a:off x="1182829" y="2942759"/>
+                  <a:ext cx="1655353" cy="2504772"/>
+                </a:xfrm>
+                <a:prstGeom prst="rect">
+                  <a:avLst/>
+                </a:prstGeom>
+                <a:noFill/>
+                <a:extLst>
+                  <a:ext uri="{909E8E84-426E-40DD-AFC4-6F175D3DCCD1}">
+                    <a14:hiddenFill xmlns:a14="http://schemas.microsoft.com/office/drawing/2010/main">
+                      <a:solidFill>
+                        <a:srgbClr val="FFFFFF"/>
+                      </a:solidFill>
+                    </a14:hiddenFill>
+                  </a:ext>
+                </a:extLst>
+              </p:spPr>
+            </p:pic>
+            <p:pic>
+              <p:nvPicPr>
+                <p:cNvPr id="21" name="Picture 4" descr="How to Manage Multiple Java Versions in MacOS (Updated 2021 + macOS Big  Sur) | by Chamika Kasun | Medium">
+                  <a:extLst>
+                    <a:ext uri="{FF2B5EF4-FFF2-40B4-BE49-F238E27FC236}">
+                      <a16:creationId xmlns:a16="http://schemas.microsoft.com/office/drawing/2014/main" id="{C4923135-B80E-8345-837D-F655DF4C6975}"/>
+                    </a:ext>
+                  </a:extLst>
+                </p:cNvPr>
+                <p:cNvPicPr>
+                  <a:picLocks noChangeAspect="1" noChangeArrowheads="1"/>
+                </p:cNvPicPr>
+                <p:nvPr/>
+              </p:nvPicPr>
+              <p:blipFill>
+                <a:blip r:embed="rId4">
+                  <a:extLst>
+                    <a:ext uri="{28A0092B-C50C-407E-A947-70E740481C1C}">
+                      <a14:useLocalDpi xmlns:a14="http://schemas.microsoft.com/office/drawing/2010/main" val="0"/>
+                    </a:ext>
+                  </a:extLst>
+                </a:blip>
+                <a:srcRect/>
+                <a:stretch>
+                  <a:fillRect/>
+                </a:stretch>
+              </p:blipFill>
+              <p:spPr bwMode="auto">
+                <a:xfrm>
+                  <a:off x="1251329" y="3817076"/>
+                  <a:ext cx="1518355" cy="849923"/>
+                </a:xfrm>
+                <a:prstGeom prst="rect">
+                  <a:avLst/>
+                </a:prstGeom>
+                <a:noFill/>
+                <a:extLst>
+                  <a:ext uri="{909E8E84-426E-40DD-AFC4-6F175D3DCCD1}">
+                    <a14:hiddenFill xmlns:a14="http://schemas.microsoft.com/office/drawing/2010/main">
+                      <a:solidFill>
+                        <a:srgbClr val="FFFFFF"/>
+                      </a:solidFill>
+                    </a14:hiddenFill>
+                  </a:ext>
+                </a:extLst>
+              </p:spPr>
+            </p:pic>
+            <p:pic>
+              <p:nvPicPr>
+                <p:cNvPr id="22" name="Picture 4" descr="Apache OpenWhisk – Medium">
+                  <a:extLst>
+                    <a:ext uri="{FF2B5EF4-FFF2-40B4-BE49-F238E27FC236}">
+                      <a16:creationId xmlns:a16="http://schemas.microsoft.com/office/drawing/2014/main" id="{BE692867-8FAE-AD43-99B8-5DB09B2AA503}"/>
+                    </a:ext>
+                  </a:extLst>
+                </p:cNvPr>
+                <p:cNvPicPr>
+                  <a:picLocks noChangeAspect="1" noChangeArrowheads="1"/>
+                </p:cNvPicPr>
+                <p:nvPr/>
+              </p:nvPicPr>
+              <p:blipFill>
+                <a:blip r:embed="rId5">
+                  <a:extLst>
+                    <a:ext uri="{28A0092B-C50C-407E-A947-70E740481C1C}">
+                      <a14:useLocalDpi xmlns:a14="http://schemas.microsoft.com/office/drawing/2010/main" val="0"/>
+                    </a:ext>
+                  </a:extLst>
+                </a:blip>
+                <a:srcRect/>
+                <a:stretch>
+                  <a:fillRect/>
+                </a:stretch>
+              </p:blipFill>
+              <p:spPr bwMode="auto">
+                <a:xfrm>
+                  <a:off x="1665557" y="2874648"/>
+                  <a:ext cx="689898" cy="689898"/>
+                </a:xfrm>
+                <a:prstGeom prst="rect">
+                  <a:avLst/>
+                </a:prstGeom>
+                <a:noFill/>
+                <a:extLst>
+                  <a:ext uri="{909E8E84-426E-40DD-AFC4-6F175D3DCCD1}">
+                    <a14:hiddenFill xmlns:a14="http://schemas.microsoft.com/office/drawing/2010/main">
+                      <a:solidFill>
+                        <a:srgbClr val="FFFFFF"/>
+                      </a:solidFill>
+                    </a14:hiddenFill>
+                  </a:ext>
+                </a:extLst>
+              </p:spPr>
+            </p:pic>
+          </p:grpSp>
+          <p:sp>
+            <p:nvSpPr>
+              <p:cNvPr id="18" name="CasellaDiTesto 17">
+                <a:extLst>
+                  <a:ext uri="{FF2B5EF4-FFF2-40B4-BE49-F238E27FC236}">
+                    <a16:creationId xmlns:a16="http://schemas.microsoft.com/office/drawing/2014/main" id="{AD0AAF7C-7EC0-2E49-916E-C95DED30DE75}"/>
+                  </a:ext>
+                </a:extLst>
+              </p:cNvPr>
+              <p:cNvSpPr txBox="1"/>
+              <p:nvPr/>
+            </p:nvSpPr>
+            <p:spPr>
+              <a:xfrm>
+                <a:off x="812802" y="2169565"/>
+                <a:ext cx="1359876" cy="369332"/>
+              </a:xfrm>
+              <a:prstGeom prst="rect">
+                <a:avLst/>
+              </a:prstGeom>
+              <a:noFill/>
+            </p:spPr>
+            <p:txBody>
+              <a:bodyPr wrap="square" rtlCol="0">
+                <a:spAutoFit/>
+              </a:bodyPr>
+              <a:lstStyle/>
+              <a:p>
+                <a:r>
+                  <a:rPr lang="it-IT" dirty="0" err="1">
+                    <a:solidFill>
+                      <a:schemeClr val="bg1"/>
+                    </a:solidFill>
+                  </a:rPr>
+                  <a:t>openwhisk</a:t>
+                </a:r>
+                <a:endParaRPr lang="it-IT" dirty="0">
+                  <a:solidFill>
+                    <a:schemeClr val="bg1"/>
+                  </a:solidFill>
+                </a:endParaRPr>
+              </a:p>
+            </p:txBody>
+          </p:sp>
+          <p:sp>
+            <p:nvSpPr>
+              <p:cNvPr id="19" name="Freccia angolare bidirezionale 18">
+                <a:extLst>
+                  <a:ext uri="{FF2B5EF4-FFF2-40B4-BE49-F238E27FC236}">
+                    <a16:creationId xmlns:a16="http://schemas.microsoft.com/office/drawing/2014/main" id="{092BE722-78D1-3B45-89A3-68FB4BFC5569}"/>
+                  </a:ext>
+                </a:extLst>
+              </p:cNvPr>
+              <p:cNvSpPr/>
+              <p:nvPr/>
+            </p:nvSpPr>
+            <p:spPr>
+              <a:xfrm flipH="1">
+                <a:off x="1893986" y="5484289"/>
+                <a:ext cx="2068413" cy="679938"/>
+              </a:xfrm>
+              <a:prstGeom prst="leftUpArrow">
+                <a:avLst/>
+              </a:prstGeom>
+            </p:spPr>
+            <p:style>
+              <a:lnRef idx="0">
+                <a:schemeClr val="dk1"/>
+              </a:lnRef>
+              <a:fillRef idx="3">
+                <a:schemeClr val="dk1"/>
+              </a:fillRef>
+              <a:effectRef idx="3">
+                <a:schemeClr val="dk1"/>
+              </a:effectRef>
+              <a:fontRef idx="minor">
+                <a:schemeClr val="lt1"/>
+              </a:fontRef>
+            </p:style>
+            <p:txBody>
+              <a:bodyPr rtlCol="0" anchor="ctr"/>
+              <a:lstStyle/>
+              <a:p>
+                <a:pPr algn="ctr"/>
+                <a:endParaRPr lang="it-IT"/>
+              </a:p>
+            </p:txBody>
+          </p:sp>
+        </p:grpSp>
+        <p:sp>
+          <p:nvSpPr>
+            <p:cNvPr id="26" name="Freccia a inversione 25">
+              <a:extLst>
+                <a:ext uri="{FF2B5EF4-FFF2-40B4-BE49-F238E27FC236}">
+                  <a16:creationId xmlns:a16="http://schemas.microsoft.com/office/drawing/2014/main" id="{18AC8802-EDDD-C443-AE03-2B8E49EA96BD}"/>
+                </a:ext>
+              </a:extLst>
+            </p:cNvPr>
+            <p:cNvSpPr/>
+            <p:nvPr/>
+          </p:nvSpPr>
+          <p:spPr>
+            <a:xfrm rot="16200000">
+              <a:off x="-609129" y="1814733"/>
+              <a:ext cx="2118958" cy="691342"/>
+            </a:xfrm>
+            <a:prstGeom prst="uturnArrow">
+              <a:avLst/>
+            </a:prstGeom>
+          </p:spPr>
+          <p:style>
+            <a:lnRef idx="2">
+              <a:schemeClr val="accent1">
+                <a:shade val="50000"/>
+              </a:schemeClr>
+            </a:lnRef>
+            <a:fillRef idx="1">
+              <a:schemeClr val="accent1"/>
+            </a:fillRef>
+            <a:effectRef idx="0">
+              <a:schemeClr val="accent1"/>
+            </a:effectRef>
+            <a:fontRef idx="minor">
+              <a:schemeClr val="lt1"/>
+            </a:fontRef>
+          </p:style>
+          <p:txBody>
+            <a:bodyPr rtlCol="0" anchor="ctr"/>
+            <a:lstStyle/>
+            <a:p>
+              <a:pPr algn="ctr"/>
+              <a:endParaRPr lang="it-IT">
+                <a:solidFill>
+                  <a:schemeClr val="tx1"/>
+                </a:solidFill>
+              </a:endParaRPr>
+            </a:p>
+          </p:txBody>
+        </p:sp>
+      </p:grpSp>
+      <p:sp>
+        <p:nvSpPr>
+          <p:cNvPr id="3" name="CasellaDiTesto 2">
+            <a:extLst>
+              <a:ext uri="{FF2B5EF4-FFF2-40B4-BE49-F238E27FC236}">
+                <a16:creationId xmlns:a16="http://schemas.microsoft.com/office/drawing/2014/main" id="{5F37FD60-D5E7-D34C-BC9D-DCA5971590E0}"/>
+              </a:ext>
+            </a:extLst>
+          </p:cNvPr>
+          <p:cNvSpPr txBox="1"/>
+          <p:nvPr/>
+        </p:nvSpPr>
+        <p:spPr>
+          <a:xfrm>
+            <a:off x="3713095" y="810005"/>
+            <a:ext cx="2900153" cy="584775"/>
+          </a:xfrm>
+          <a:prstGeom prst="rect">
+            <a:avLst/>
+          </a:prstGeom>
+          <a:noFill/>
+        </p:spPr>
+        <p:txBody>
+          <a:bodyPr wrap="none" rtlCol="0">
+            <a:spAutoFit/>
+          </a:bodyPr>
+          <a:lstStyle/>
+          <a:p>
+            <a:r>
+              <a:rPr lang="it-IT" sz="3200" dirty="0" err="1">
+                <a:latin typeface="Courier" pitchFamily="2" charset="0"/>
+                <a:cs typeface="Aharoni" panose="02010803020104030203" pitchFamily="2" charset="-79"/>
+              </a:rPr>
+              <a:t>docker</a:t>
+            </a:r>
+            <a:r>
+              <a:rPr lang="it-IT" sz="3200" dirty="0">
+                <a:latin typeface="Courier" pitchFamily="2" charset="0"/>
+                <a:cs typeface="Aharoni" panose="02010803020104030203" pitchFamily="2" charset="-79"/>
+              </a:rPr>
+              <a:t> </a:t>
+            </a:r>
+            <a:r>
+              <a:rPr lang="it-IT" sz="3200" dirty="0" err="1">
+                <a:latin typeface="Courier" pitchFamily="2" charset="0"/>
+                <a:cs typeface="Aharoni" panose="02010803020104030203" pitchFamily="2" charset="-79"/>
+              </a:rPr>
+              <a:t>run</a:t>
+            </a:r>
+            <a:r>
+              <a:rPr lang="it-IT" sz="3200" dirty="0">
+                <a:latin typeface="Courier" pitchFamily="2" charset="0"/>
+                <a:cs typeface="Aharoni" panose="02010803020104030203" pitchFamily="2" charset="-79"/>
+              </a:rPr>
+              <a:t> </a:t>
+            </a:r>
+          </a:p>
+        </p:txBody>
+      </p:sp>
+      <p:sp>
+        <p:nvSpPr>
+          <p:cNvPr id="6" name="CasellaDiTesto 5">
+            <a:extLst>
+              <a:ext uri="{FF2B5EF4-FFF2-40B4-BE49-F238E27FC236}">
+                <a16:creationId xmlns:a16="http://schemas.microsoft.com/office/drawing/2014/main" id="{575F87E8-FBA0-D049-B8FE-7A54FCFA341E}"/>
+              </a:ext>
+            </a:extLst>
+          </p:cNvPr>
+          <p:cNvSpPr txBox="1"/>
+          <p:nvPr/>
+        </p:nvSpPr>
+        <p:spPr>
+          <a:xfrm>
+            <a:off x="3152774" y="117792"/>
+            <a:ext cx="6851556" cy="584775"/>
+          </a:xfrm>
+          <a:prstGeom prst="rect">
+            <a:avLst/>
+          </a:prstGeom>
+          <a:noFill/>
+        </p:spPr>
+        <p:txBody>
+          <a:bodyPr wrap="none" rtlCol="0">
+            <a:spAutoFit/>
+          </a:bodyPr>
+          <a:lstStyle/>
+          <a:p>
+            <a:r>
+              <a:rPr lang="it-IT" sz="3200" dirty="0" err="1">
+                <a:latin typeface="Aharoni" panose="02010803020104030203" pitchFamily="2" charset="-79"/>
+                <a:cs typeface="Aharoni" panose="02010803020104030203" pitchFamily="2" charset="-79"/>
+              </a:rPr>
+              <a:t>Launching</a:t>
+            </a:r>
+            <a:r>
+              <a:rPr lang="it-IT" sz="3200" dirty="0">
+                <a:latin typeface="Aharoni" panose="02010803020104030203" pitchFamily="2" charset="-79"/>
+                <a:cs typeface="Aharoni" panose="02010803020104030203" pitchFamily="2" charset="-79"/>
+              </a:rPr>
+              <a:t> </a:t>
+            </a:r>
+            <a:r>
+              <a:rPr lang="it-IT" sz="3200" dirty="0" err="1">
+                <a:latin typeface="Aharoni" panose="02010803020104030203" pitchFamily="2" charset="-79"/>
+                <a:cs typeface="Aharoni" panose="02010803020104030203" pitchFamily="2" charset="-79"/>
+              </a:rPr>
+              <a:t>Standalone</a:t>
+            </a:r>
+            <a:r>
+              <a:rPr lang="it-IT" sz="3200" dirty="0">
+                <a:latin typeface="Aharoni" panose="02010803020104030203" pitchFamily="2" charset="-79"/>
+                <a:cs typeface="Aharoni" panose="02010803020104030203" pitchFamily="2" charset="-79"/>
+              </a:rPr>
+              <a:t> </a:t>
+            </a:r>
+            <a:r>
+              <a:rPr lang="it-IT" sz="3200" dirty="0" err="1">
+                <a:latin typeface="Aharoni" panose="02010803020104030203" pitchFamily="2" charset="-79"/>
+                <a:cs typeface="Aharoni" panose="02010803020104030203" pitchFamily="2" charset="-79"/>
+              </a:rPr>
+              <a:t>OpenWhisk</a:t>
+            </a:r>
+            <a:endParaRPr lang="it-IT" sz="3200" dirty="0">
+              <a:latin typeface="Aharoni" panose="02010803020104030203" pitchFamily="2" charset="-79"/>
+              <a:cs typeface="Aharoni" panose="02010803020104030203" pitchFamily="2" charset="-79"/>
+            </a:endParaRPr>
+          </a:p>
+        </p:txBody>
+      </p:sp>
+      <p:sp>
+        <p:nvSpPr>
+          <p:cNvPr id="9" name="CasellaDiTesto 8">
+            <a:extLst>
+              <a:ext uri="{FF2B5EF4-FFF2-40B4-BE49-F238E27FC236}">
+                <a16:creationId xmlns:a16="http://schemas.microsoft.com/office/drawing/2014/main" id="{292D960B-CAB1-164D-B91F-CDC270A075B3}"/>
+              </a:ext>
+            </a:extLst>
+          </p:cNvPr>
+          <p:cNvSpPr txBox="1"/>
+          <p:nvPr/>
+        </p:nvSpPr>
+        <p:spPr>
+          <a:xfrm>
+            <a:off x="6760446" y="785144"/>
+            <a:ext cx="2653290" cy="584775"/>
+          </a:xfrm>
+          <a:prstGeom prst="rect">
+            <a:avLst/>
+          </a:prstGeom>
+          <a:noFill/>
+        </p:spPr>
+        <p:txBody>
+          <a:bodyPr wrap="none" rtlCol="0">
+            <a:spAutoFit/>
+          </a:bodyPr>
+          <a:lstStyle/>
+          <a:p>
+            <a:r>
+              <a:rPr lang="it-IT" sz="3200" dirty="0">
+                <a:latin typeface="Courier" pitchFamily="2" charset="0"/>
+                <a:cs typeface="Aharoni" panose="02010803020104030203" pitchFamily="2" charset="-79"/>
+              </a:rPr>
+              <a:t>-ti --</a:t>
+            </a:r>
+            <a:r>
+              <a:rPr lang="it-IT" sz="3200" dirty="0" err="1">
+                <a:latin typeface="Courier" pitchFamily="2" charset="0"/>
+                <a:cs typeface="Aharoni" panose="02010803020104030203" pitchFamily="2" charset="-79"/>
+              </a:rPr>
+              <a:t>rm</a:t>
+            </a:r>
+            <a:r>
+              <a:rPr lang="it-IT" sz="3200" dirty="0">
+                <a:latin typeface="Courier" pitchFamily="2" charset="0"/>
+                <a:cs typeface="Aharoni" panose="02010803020104030203" pitchFamily="2" charset="-79"/>
+              </a:rPr>
+              <a:t> \</a:t>
+            </a:r>
+          </a:p>
+        </p:txBody>
+      </p:sp>
+      <p:sp>
+        <p:nvSpPr>
+          <p:cNvPr id="11" name="CasellaDiTesto 10">
+            <a:extLst>
+              <a:ext uri="{FF2B5EF4-FFF2-40B4-BE49-F238E27FC236}">
+                <a16:creationId xmlns:a16="http://schemas.microsoft.com/office/drawing/2014/main" id="{4E22B888-50BC-C545-B199-8FEA5ACB96C8}"/>
+              </a:ext>
+            </a:extLst>
+          </p:cNvPr>
+          <p:cNvSpPr txBox="1"/>
+          <p:nvPr/>
+        </p:nvSpPr>
+        <p:spPr>
+          <a:xfrm>
+            <a:off x="450349" y="6072856"/>
+            <a:ext cx="11046614" cy="584775"/>
+          </a:xfrm>
+          <a:prstGeom prst="rect">
+            <a:avLst/>
+          </a:prstGeom>
+          <a:noFill/>
+        </p:spPr>
+        <p:txBody>
+          <a:bodyPr wrap="none" rtlCol="0">
+            <a:spAutoFit/>
+          </a:bodyPr>
+          <a:lstStyle/>
+          <a:p>
+            <a:r>
+              <a:rPr lang="it-IT" sz="3200" dirty="0" err="1">
+                <a:latin typeface="Courier" pitchFamily="2" charset="0"/>
+                <a:cs typeface="Aharoni" panose="02010803020104030203" pitchFamily="2" charset="-79"/>
+              </a:rPr>
+              <a:t>sciabarracom</a:t>
+            </a:r>
+            <a:r>
+              <a:rPr lang="it-IT" sz="3200" dirty="0">
+                <a:latin typeface="Courier" pitchFamily="2" charset="0"/>
+                <a:cs typeface="Aharoni" panose="02010803020104030203" pitchFamily="2" charset="-79"/>
+              </a:rPr>
+              <a:t>/openwhisk-standalone:2020-07-01</a:t>
+            </a:r>
+          </a:p>
+        </p:txBody>
+      </p:sp>
+      <p:grpSp>
+        <p:nvGrpSpPr>
+          <p:cNvPr id="39" name="Gruppo 38">
+            <a:extLst>
+              <a:ext uri="{FF2B5EF4-FFF2-40B4-BE49-F238E27FC236}">
+                <a16:creationId xmlns:a16="http://schemas.microsoft.com/office/drawing/2014/main" id="{2690D294-B46F-F944-987A-39F4BBF86F23}"/>
+              </a:ext>
+            </a:extLst>
+          </p:cNvPr>
+          <p:cNvGrpSpPr/>
+          <p:nvPr/>
+        </p:nvGrpSpPr>
+        <p:grpSpPr>
+          <a:xfrm>
+            <a:off x="1971468" y="1530017"/>
+            <a:ext cx="8023500" cy="1077218"/>
+            <a:chOff x="1971468" y="1530017"/>
+            <a:chExt cx="8023500" cy="1077218"/>
+          </a:xfrm>
+        </p:grpSpPr>
+        <p:sp>
+          <p:nvSpPr>
+            <p:cNvPr id="4" name="CasellaDiTesto 3">
+              <a:extLst>
+                <a:ext uri="{FF2B5EF4-FFF2-40B4-BE49-F238E27FC236}">
+                  <a16:creationId xmlns:a16="http://schemas.microsoft.com/office/drawing/2014/main" id="{70266DCB-E419-FE44-8640-08F486D0E149}"/>
+                </a:ext>
+              </a:extLst>
+            </p:cNvPr>
+            <p:cNvSpPr txBox="1"/>
+            <p:nvPr/>
+          </p:nvSpPr>
+          <p:spPr>
+            <a:xfrm>
+              <a:off x="4379328" y="1530017"/>
+              <a:ext cx="5615640" cy="1077218"/>
+            </a:xfrm>
+            <a:prstGeom prst="rect">
+              <a:avLst/>
+            </a:prstGeom>
+            <a:noFill/>
+          </p:spPr>
+          <p:txBody>
+            <a:bodyPr wrap="none" rtlCol="0">
+              <a:spAutoFit/>
+            </a:bodyPr>
+            <a:lstStyle/>
+            <a:p>
+              <a:r>
+                <a:rPr lang="it-IT" sz="3200" dirty="0">
+                  <a:latin typeface="Courier" pitchFamily="2" charset="0"/>
+                  <a:cs typeface="Aharoni" panose="02010803020104030203" pitchFamily="2" charset="-79"/>
+                </a:rPr>
+                <a:t>--</a:t>
+              </a:r>
+              <a:r>
+                <a:rPr lang="it-IT" sz="3200" dirty="0" err="1">
+                  <a:latin typeface="Courier" pitchFamily="2" charset="0"/>
+                  <a:cs typeface="Aharoni" panose="02010803020104030203" pitchFamily="2" charset="-79"/>
+                </a:rPr>
+                <a:t>name</a:t>
+              </a:r>
+              <a:r>
+                <a:rPr lang="it-IT" sz="3200" dirty="0">
+                  <a:latin typeface="Courier" pitchFamily="2" charset="0"/>
+                  <a:cs typeface="Aharoni" panose="02010803020104030203" pitchFamily="2" charset="-79"/>
+                </a:rPr>
+                <a:t> </a:t>
+              </a:r>
+              <a:r>
+                <a:rPr lang="it-IT" sz="3200" dirty="0" err="1">
+                  <a:latin typeface="Courier" pitchFamily="2" charset="0"/>
+                  <a:cs typeface="Aharoni" panose="02010803020104030203" pitchFamily="2" charset="-79"/>
+                </a:rPr>
+                <a:t>openwhisk</a:t>
+              </a:r>
+              <a:r>
+                <a:rPr lang="it-IT" sz="3200" dirty="0">
+                  <a:latin typeface="Courier" pitchFamily="2" charset="0"/>
+                  <a:cs typeface="Aharoni" panose="02010803020104030203" pitchFamily="2" charset="-79"/>
+                </a:rPr>
+                <a:t> \</a:t>
+              </a:r>
+              <a:br>
+                <a:rPr lang="it-IT" sz="3200" dirty="0">
+                  <a:latin typeface="Courier" pitchFamily="2" charset="0"/>
+                  <a:cs typeface="Aharoni" panose="02010803020104030203" pitchFamily="2" charset="-79"/>
+                </a:rPr>
+              </a:br>
+              <a:r>
+                <a:rPr lang="it-IT" sz="3200" dirty="0">
+                  <a:latin typeface="Courier" pitchFamily="2" charset="0"/>
+                  <a:cs typeface="Aharoni" panose="02010803020104030203" pitchFamily="2" charset="-79"/>
+                </a:rPr>
+                <a:t>--</a:t>
+              </a:r>
+              <a:r>
+                <a:rPr lang="it-IT" sz="3200" dirty="0" err="1">
+                  <a:latin typeface="Courier" pitchFamily="2" charset="0"/>
+                  <a:cs typeface="Aharoni" panose="02010803020104030203" pitchFamily="2" charset="-79"/>
+                </a:rPr>
+                <a:t>hostname</a:t>
+              </a:r>
+              <a:r>
+                <a:rPr lang="it-IT" sz="3200" dirty="0">
+                  <a:latin typeface="Courier" pitchFamily="2" charset="0"/>
+                  <a:cs typeface="Aharoni" panose="02010803020104030203" pitchFamily="2" charset="-79"/>
+                </a:rPr>
+                <a:t> </a:t>
+              </a:r>
+              <a:r>
+                <a:rPr lang="it-IT" sz="3200" dirty="0" err="1">
+                  <a:latin typeface="Courier" pitchFamily="2" charset="0"/>
+                  <a:cs typeface="Aharoni" panose="02010803020104030203" pitchFamily="2" charset="-79"/>
+                </a:rPr>
+                <a:t>openwhisk</a:t>
+              </a:r>
+              <a:r>
+                <a:rPr lang="it-IT" sz="3200" dirty="0">
+                  <a:latin typeface="Courier" pitchFamily="2" charset="0"/>
+                  <a:cs typeface="Aharoni" panose="02010803020104030203" pitchFamily="2" charset="-79"/>
+                </a:rPr>
+                <a:t> \</a:t>
+              </a:r>
+            </a:p>
+          </p:txBody>
+        </p:sp>
+        <p:cxnSp>
+          <p:nvCxnSpPr>
+            <p:cNvPr id="23" name="Connettore 2 22">
+              <a:extLst>
+                <a:ext uri="{FF2B5EF4-FFF2-40B4-BE49-F238E27FC236}">
+                  <a16:creationId xmlns:a16="http://schemas.microsoft.com/office/drawing/2014/main" id="{B87B7730-0687-0247-B77D-F780CCBF61A4}"/>
+                </a:ext>
+              </a:extLst>
+            </p:cNvPr>
+            <p:cNvCxnSpPr>
+              <a:cxnSpLocks/>
+            </p:cNvCxnSpPr>
+            <p:nvPr/>
+          </p:nvCxnSpPr>
+          <p:spPr>
+            <a:xfrm flipH="1">
+              <a:off x="1971468" y="1928041"/>
+              <a:ext cx="2407860" cy="521592"/>
+            </a:xfrm>
+            <a:prstGeom prst="straightConnector1">
+              <a:avLst/>
+            </a:prstGeom>
+            <a:ln w="57150">
+              <a:tailEnd type="triangle"/>
+            </a:ln>
+          </p:spPr>
+          <p:style>
+            <a:lnRef idx="3">
+              <a:schemeClr val="accent4"/>
+            </a:lnRef>
+            <a:fillRef idx="0">
+              <a:schemeClr val="accent4"/>
+            </a:fillRef>
+            <a:effectRef idx="2">
+              <a:schemeClr val="accent4"/>
+            </a:effectRef>
+            <a:fontRef idx="minor">
+              <a:schemeClr val="tx1"/>
+            </a:fontRef>
+          </p:style>
+        </p:cxnSp>
+      </p:grpSp>
+      <p:grpSp>
+        <p:nvGrpSpPr>
+          <p:cNvPr id="40" name="Gruppo 39">
+            <a:extLst>
+              <a:ext uri="{FF2B5EF4-FFF2-40B4-BE49-F238E27FC236}">
+                <a16:creationId xmlns:a16="http://schemas.microsoft.com/office/drawing/2014/main" id="{292A11BF-439B-2344-B47D-5668E6F7BABD}"/>
+              </a:ext>
+            </a:extLst>
+          </p:cNvPr>
+          <p:cNvGrpSpPr/>
+          <p:nvPr/>
+        </p:nvGrpSpPr>
+        <p:grpSpPr>
+          <a:xfrm>
+            <a:off x="858532" y="2889389"/>
+            <a:ext cx="10894330" cy="1077218"/>
+            <a:chOff x="858532" y="2889389"/>
+            <a:chExt cx="10894330" cy="1077218"/>
+          </a:xfrm>
+        </p:grpSpPr>
+        <p:sp>
+          <p:nvSpPr>
+            <p:cNvPr id="7" name="CasellaDiTesto 6">
+              <a:extLst>
+                <a:ext uri="{FF2B5EF4-FFF2-40B4-BE49-F238E27FC236}">
+                  <a16:creationId xmlns:a16="http://schemas.microsoft.com/office/drawing/2014/main" id="{4C254A9C-DB7B-8A4A-AD4C-E12CEA325998}"/>
+                </a:ext>
+              </a:extLst>
+            </p:cNvPr>
+            <p:cNvSpPr txBox="1"/>
+            <p:nvPr/>
+          </p:nvSpPr>
+          <p:spPr>
+            <a:xfrm>
+              <a:off x="3915460" y="2889389"/>
+              <a:ext cx="7837402" cy="1077218"/>
+            </a:xfrm>
+            <a:prstGeom prst="rect">
+              <a:avLst/>
+            </a:prstGeom>
+            <a:noFill/>
+          </p:spPr>
+          <p:txBody>
+            <a:bodyPr wrap="none" rtlCol="0">
+              <a:spAutoFit/>
+            </a:bodyPr>
+            <a:lstStyle/>
+            <a:p>
+              <a:r>
+                <a:rPr lang="it-IT" sz="3200" dirty="0">
+                  <a:latin typeface="Courier" pitchFamily="2" charset="0"/>
+                  <a:cs typeface="Aharoni" panose="02010803020104030203" pitchFamily="2" charset="-79"/>
+                </a:rPr>
+                <a:t>--volume /</a:t>
+              </a:r>
+              <a:r>
+                <a:rPr lang="it-IT" sz="3200" dirty="0" err="1">
+                  <a:latin typeface="Courier" pitchFamily="2" charset="0"/>
+                  <a:cs typeface="Aharoni" panose="02010803020104030203" pitchFamily="2" charset="-79"/>
+                </a:rPr>
+                <a:t>var</a:t>
+              </a:r>
+              <a:r>
+                <a:rPr lang="it-IT" sz="3200" dirty="0">
+                  <a:latin typeface="Courier" pitchFamily="2" charset="0"/>
+                  <a:cs typeface="Aharoni" panose="02010803020104030203" pitchFamily="2" charset="-79"/>
+                </a:rPr>
+                <a:t>/</a:t>
+              </a:r>
+              <a:r>
+                <a:rPr lang="it-IT" sz="3200" dirty="0" err="1">
+                  <a:latin typeface="Courier" pitchFamily="2" charset="0"/>
+                  <a:cs typeface="Aharoni" panose="02010803020104030203" pitchFamily="2" charset="-79"/>
+                </a:rPr>
+                <a:t>run</a:t>
+              </a:r>
+              <a:r>
+                <a:rPr lang="it-IT" sz="3200" dirty="0">
+                  <a:latin typeface="Courier" pitchFamily="2" charset="0"/>
+                  <a:cs typeface="Aharoni" panose="02010803020104030203" pitchFamily="2" charset="-79"/>
+                </a:rPr>
+                <a:t>/</a:t>
+              </a:r>
+              <a:r>
+                <a:rPr lang="it-IT" sz="3200" dirty="0" err="1">
+                  <a:latin typeface="Courier" pitchFamily="2" charset="0"/>
+                  <a:cs typeface="Aharoni" panose="02010803020104030203" pitchFamily="2" charset="-79"/>
+                </a:rPr>
+                <a:t>docker.sock</a:t>
+              </a:r>
+              <a:r>
+                <a:rPr lang="it-IT" sz="3200" dirty="0">
+                  <a:latin typeface="Courier" pitchFamily="2" charset="0"/>
+                  <a:cs typeface="Aharoni" panose="02010803020104030203" pitchFamily="2" charset="-79"/>
+                </a:rPr>
+                <a:t>:\</a:t>
+              </a:r>
+              <a:br>
+                <a:rPr lang="it-IT" sz="3200" dirty="0">
+                  <a:latin typeface="Courier" pitchFamily="2" charset="0"/>
+                  <a:cs typeface="Aharoni" panose="02010803020104030203" pitchFamily="2" charset="-79"/>
+                </a:rPr>
+              </a:br>
+              <a:r>
+                <a:rPr lang="it-IT" sz="3200" dirty="0">
+                  <a:latin typeface="Courier" pitchFamily="2" charset="0"/>
+                  <a:cs typeface="Aharoni" panose="02010803020104030203" pitchFamily="2" charset="-79"/>
+                </a:rPr>
+                <a:t>/</a:t>
+              </a:r>
+              <a:r>
+                <a:rPr lang="it-IT" sz="3200" dirty="0" err="1">
+                  <a:latin typeface="Courier" pitchFamily="2" charset="0"/>
+                  <a:cs typeface="Aharoni" panose="02010803020104030203" pitchFamily="2" charset="-79"/>
+                </a:rPr>
+                <a:t>var</a:t>
+              </a:r>
+              <a:r>
+                <a:rPr lang="it-IT" sz="3200" dirty="0">
+                  <a:latin typeface="Courier" pitchFamily="2" charset="0"/>
+                  <a:cs typeface="Aharoni" panose="02010803020104030203" pitchFamily="2" charset="-79"/>
+                </a:rPr>
+                <a:t>/</a:t>
+              </a:r>
+              <a:r>
+                <a:rPr lang="it-IT" sz="3200" dirty="0" err="1">
+                  <a:latin typeface="Courier" pitchFamily="2" charset="0"/>
+                  <a:cs typeface="Aharoni" panose="02010803020104030203" pitchFamily="2" charset="-79"/>
+                </a:rPr>
+                <a:t>run</a:t>
+              </a:r>
+              <a:r>
+                <a:rPr lang="it-IT" sz="3200" dirty="0">
+                  <a:latin typeface="Courier" pitchFamily="2" charset="0"/>
+                  <a:cs typeface="Aharoni" panose="02010803020104030203" pitchFamily="2" charset="-79"/>
+                </a:rPr>
+                <a:t>/</a:t>
+              </a:r>
+              <a:r>
+                <a:rPr lang="it-IT" sz="3200" dirty="0" err="1">
+                  <a:latin typeface="Courier" pitchFamily="2" charset="0"/>
+                  <a:cs typeface="Aharoni" panose="02010803020104030203" pitchFamily="2" charset="-79"/>
+                </a:rPr>
+                <a:t>docker.sock</a:t>
+              </a:r>
+              <a:r>
+                <a:rPr lang="it-IT" sz="3200" dirty="0">
+                  <a:latin typeface="Courier" pitchFamily="2" charset="0"/>
+                  <a:cs typeface="Aharoni" panose="02010803020104030203" pitchFamily="2" charset="-79"/>
+                </a:rPr>
+                <a:t> \</a:t>
+              </a:r>
+            </a:p>
+          </p:txBody>
+        </p:sp>
+        <p:cxnSp>
+          <p:nvCxnSpPr>
+            <p:cNvPr id="28" name="Connettore 2 27">
+              <a:extLst>
+                <a:ext uri="{FF2B5EF4-FFF2-40B4-BE49-F238E27FC236}">
+                  <a16:creationId xmlns:a16="http://schemas.microsoft.com/office/drawing/2014/main" id="{E590C54A-65A7-D94D-91D8-5713F110792C}"/>
+                </a:ext>
+              </a:extLst>
+            </p:cNvPr>
+            <p:cNvCxnSpPr>
+              <a:cxnSpLocks/>
+            </p:cNvCxnSpPr>
+            <p:nvPr/>
+          </p:nvCxnSpPr>
+          <p:spPr>
+            <a:xfrm flipH="1">
+              <a:off x="858532" y="3106615"/>
+              <a:ext cx="2931907" cy="0"/>
+            </a:xfrm>
+            <a:prstGeom prst="straightConnector1">
+              <a:avLst/>
+            </a:prstGeom>
+            <a:ln w="57150">
+              <a:tailEnd type="triangle"/>
+            </a:ln>
+          </p:spPr>
+          <p:style>
+            <a:lnRef idx="3">
+              <a:schemeClr val="accent4"/>
+            </a:lnRef>
+            <a:fillRef idx="0">
+              <a:schemeClr val="accent4"/>
+            </a:fillRef>
+            <a:effectRef idx="2">
+              <a:schemeClr val="accent4"/>
+            </a:effectRef>
+            <a:fontRef idx="minor">
+              <a:schemeClr val="tx1"/>
+            </a:fontRef>
+          </p:style>
+        </p:cxnSp>
+      </p:grpSp>
+      <p:grpSp>
+        <p:nvGrpSpPr>
+          <p:cNvPr id="41" name="Gruppo 40">
+            <a:extLst>
+              <a:ext uri="{FF2B5EF4-FFF2-40B4-BE49-F238E27FC236}">
+                <a16:creationId xmlns:a16="http://schemas.microsoft.com/office/drawing/2014/main" id="{A0C6402F-30DC-0246-8AB0-3F5F1353C5E4}"/>
+              </a:ext>
+            </a:extLst>
+          </p:cNvPr>
+          <p:cNvGrpSpPr/>
+          <p:nvPr/>
+        </p:nvGrpSpPr>
+        <p:grpSpPr>
+          <a:xfrm>
+            <a:off x="3216514" y="4119340"/>
+            <a:ext cx="7821501" cy="1124110"/>
+            <a:chOff x="3216514" y="4119340"/>
+            <a:chExt cx="7821501" cy="1124110"/>
+          </a:xfrm>
+        </p:grpSpPr>
+        <p:sp>
+          <p:nvSpPr>
+            <p:cNvPr id="5" name="CasellaDiTesto 4">
+              <a:extLst>
+                <a:ext uri="{FF2B5EF4-FFF2-40B4-BE49-F238E27FC236}">
+                  <a16:creationId xmlns:a16="http://schemas.microsoft.com/office/drawing/2014/main" id="{3D507DD7-0189-B341-B8EB-A688E87A0658}"/>
+                </a:ext>
+              </a:extLst>
+            </p:cNvPr>
+            <p:cNvSpPr txBox="1"/>
+            <p:nvPr/>
+          </p:nvSpPr>
+          <p:spPr>
+            <a:xfrm>
+              <a:off x="4188063" y="4119340"/>
+              <a:ext cx="6849952" cy="1077218"/>
+            </a:xfrm>
+            <a:prstGeom prst="rect">
+              <a:avLst/>
+            </a:prstGeom>
+            <a:noFill/>
+          </p:spPr>
+          <p:txBody>
+            <a:bodyPr wrap="none" rtlCol="0">
+              <a:spAutoFit/>
+            </a:bodyPr>
+            <a:lstStyle/>
+            <a:p>
+              <a:r>
+                <a:rPr lang="it-IT" sz="3200" dirty="0">
+                  <a:latin typeface="Courier" pitchFamily="2" charset="0"/>
+                  <a:cs typeface="Aharoni" panose="02010803020104030203" pitchFamily="2" charset="-79"/>
+                </a:rPr>
+                <a:t>--network bridge \ </a:t>
+              </a:r>
+              <a:br>
+                <a:rPr lang="it-IT" sz="3200" dirty="0">
+                  <a:latin typeface="Courier" pitchFamily="2" charset="0"/>
+                  <a:cs typeface="Aharoni" panose="02010803020104030203" pitchFamily="2" charset="-79"/>
+                </a:rPr>
+              </a:br>
+              <a:r>
+                <a:rPr lang="it-IT" sz="3200" dirty="0">
+                  <a:latin typeface="Courier" pitchFamily="2" charset="0"/>
+                  <a:cs typeface="Aharoni" panose="02010803020104030203" pitchFamily="2" charset="-79"/>
+                </a:rPr>
+                <a:t>-</a:t>
+              </a:r>
+              <a:r>
+                <a:rPr lang="it-IT" sz="3200" dirty="0" err="1">
+                  <a:latin typeface="Courier" pitchFamily="2" charset="0"/>
+                  <a:cs typeface="Aharoni" panose="02010803020104030203" pitchFamily="2" charset="-79"/>
+                </a:rPr>
+                <a:t>p</a:t>
+              </a:r>
+              <a:r>
+                <a:rPr lang="it-IT" sz="3200" dirty="0">
+                  <a:latin typeface="Courier" pitchFamily="2" charset="0"/>
+                  <a:cs typeface="Aharoni" panose="02010803020104030203" pitchFamily="2" charset="-79"/>
+                </a:rPr>
+                <a:t> 3232:3232 -</a:t>
+              </a:r>
+              <a:r>
+                <a:rPr lang="it-IT" sz="3200" dirty="0" err="1">
+                  <a:latin typeface="Courier" pitchFamily="2" charset="0"/>
+                  <a:cs typeface="Aharoni" panose="02010803020104030203" pitchFamily="2" charset="-79"/>
+                </a:rPr>
+                <a:t>p</a:t>
+              </a:r>
+              <a:r>
+                <a:rPr lang="it-IT" sz="3200" dirty="0">
+                  <a:latin typeface="Courier" pitchFamily="2" charset="0"/>
+                  <a:cs typeface="Aharoni" panose="02010803020104030203" pitchFamily="2" charset="-79"/>
+                </a:rPr>
+                <a:t> 3233:3233 \</a:t>
+              </a:r>
+            </a:p>
+          </p:txBody>
+        </p:sp>
+        <p:cxnSp>
+          <p:nvCxnSpPr>
+            <p:cNvPr id="33" name="Connettore 2 32">
+              <a:extLst>
+                <a:ext uri="{FF2B5EF4-FFF2-40B4-BE49-F238E27FC236}">
+                  <a16:creationId xmlns:a16="http://schemas.microsoft.com/office/drawing/2014/main" id="{D61C5CD7-8E89-424A-81C5-E749360270CE}"/>
+                </a:ext>
+              </a:extLst>
+            </p:cNvPr>
+            <p:cNvCxnSpPr>
+              <a:cxnSpLocks/>
+            </p:cNvCxnSpPr>
+            <p:nvPr/>
+          </p:nvCxnSpPr>
+          <p:spPr>
+            <a:xfrm flipH="1">
+              <a:off x="3216514" y="4501662"/>
+              <a:ext cx="971549" cy="741788"/>
+            </a:xfrm>
+            <a:prstGeom prst="straightConnector1">
+              <a:avLst/>
+            </a:prstGeom>
+            <a:ln w="57150">
+              <a:tailEnd type="triangle"/>
+            </a:ln>
+          </p:spPr>
+          <p:style>
+            <a:lnRef idx="3">
+              <a:schemeClr val="accent4"/>
+            </a:lnRef>
+            <a:fillRef idx="0">
+              <a:schemeClr val="accent4"/>
+            </a:fillRef>
+            <a:effectRef idx="2">
+              <a:schemeClr val="accent4"/>
+            </a:effectRef>
+            <a:fontRef idx="minor">
+              <a:schemeClr val="tx1"/>
+            </a:fontRef>
+          </p:style>
+        </p:cxnSp>
+      </p:grpSp>
+      <p:grpSp>
+        <p:nvGrpSpPr>
+          <p:cNvPr id="42" name="Gruppo 41">
+            <a:extLst>
+              <a:ext uri="{FF2B5EF4-FFF2-40B4-BE49-F238E27FC236}">
+                <a16:creationId xmlns:a16="http://schemas.microsoft.com/office/drawing/2014/main" id="{2F92B3C7-708E-6B47-AE30-CA274CD8817E}"/>
+              </a:ext>
+            </a:extLst>
+          </p:cNvPr>
+          <p:cNvGrpSpPr/>
+          <p:nvPr/>
+        </p:nvGrpSpPr>
+        <p:grpSpPr>
+          <a:xfrm>
+            <a:off x="3938554" y="5322928"/>
+            <a:ext cx="8253446" cy="584775"/>
+            <a:chOff x="3938554" y="5322928"/>
+            <a:chExt cx="8253446" cy="584775"/>
+          </a:xfrm>
+        </p:grpSpPr>
+        <p:sp>
+          <p:nvSpPr>
+            <p:cNvPr id="8" name="CasellaDiTesto 7">
+              <a:extLst>
+                <a:ext uri="{FF2B5EF4-FFF2-40B4-BE49-F238E27FC236}">
+                  <a16:creationId xmlns:a16="http://schemas.microsoft.com/office/drawing/2014/main" id="{98995051-361B-034F-BF81-7722C610E2F6}"/>
+                </a:ext>
+              </a:extLst>
+            </p:cNvPr>
+            <p:cNvSpPr txBox="1"/>
+            <p:nvPr/>
+          </p:nvSpPr>
+          <p:spPr>
+            <a:xfrm>
+              <a:off x="4354598" y="5322928"/>
+              <a:ext cx="7837402" cy="584775"/>
+            </a:xfrm>
+            <a:prstGeom prst="rect">
+              <a:avLst/>
+            </a:prstGeom>
+            <a:noFill/>
+          </p:spPr>
+          <p:txBody>
+            <a:bodyPr wrap="none" rtlCol="0">
+              <a:spAutoFit/>
+            </a:bodyPr>
+            <a:lstStyle/>
+            <a:p>
+              <a:r>
+                <a:rPr lang="it-IT" sz="3200" dirty="0">
+                  <a:latin typeface="Courier" pitchFamily="2" charset="0"/>
+                  <a:cs typeface="Aharoni" panose="02010803020104030203" pitchFamily="2" charset="-79"/>
+                </a:rPr>
+                <a:t>--</a:t>
+              </a:r>
+              <a:r>
+                <a:rPr lang="it-IT" sz="3200" dirty="0" err="1">
+                  <a:latin typeface="Courier" pitchFamily="2" charset="0"/>
+                  <a:cs typeface="Aharoni" panose="02010803020104030203" pitchFamily="2" charset="-79"/>
+                </a:rPr>
+                <a:t>env</a:t>
+              </a:r>
+              <a:r>
+                <a:rPr lang="it-IT" sz="3200" dirty="0">
+                  <a:latin typeface="Courier" pitchFamily="2" charset="0"/>
+                  <a:cs typeface="Aharoni" panose="02010803020104030203" pitchFamily="2" charset="-79"/>
+                </a:rPr>
+                <a:t> HOST_EXTERNAL=</a:t>
+              </a:r>
+              <a:r>
+                <a:rPr lang="it-IT" sz="3200" dirty="0" err="1">
+                  <a:latin typeface="Courier" pitchFamily="2" charset="0"/>
+                  <a:cs typeface="Aharoni" panose="02010803020104030203" pitchFamily="2" charset="-79"/>
+                </a:rPr>
+                <a:t>localhost</a:t>
+              </a:r>
+              <a:r>
+                <a:rPr lang="it-IT" sz="3200" dirty="0">
+                  <a:latin typeface="Courier" pitchFamily="2" charset="0"/>
+                  <a:cs typeface="Aharoni" panose="02010803020104030203" pitchFamily="2" charset="-79"/>
+                </a:rPr>
+                <a:t> \</a:t>
+              </a:r>
+            </a:p>
+          </p:txBody>
+        </p:sp>
+        <p:cxnSp>
+          <p:nvCxnSpPr>
+            <p:cNvPr id="35" name="Connettore 2 34">
+              <a:extLst>
+                <a:ext uri="{FF2B5EF4-FFF2-40B4-BE49-F238E27FC236}">
+                  <a16:creationId xmlns:a16="http://schemas.microsoft.com/office/drawing/2014/main" id="{BE5FA237-7FF7-5A4A-BCA6-983DEE90EAA0}"/>
+                </a:ext>
+              </a:extLst>
+            </p:cNvPr>
+            <p:cNvCxnSpPr>
+              <a:cxnSpLocks/>
+            </p:cNvCxnSpPr>
+            <p:nvPr/>
+          </p:nvCxnSpPr>
+          <p:spPr>
+            <a:xfrm flipH="1" flipV="1">
+              <a:off x="3938554" y="5352838"/>
+              <a:ext cx="856184" cy="176031"/>
+            </a:xfrm>
+            <a:prstGeom prst="straightConnector1">
+              <a:avLst/>
+            </a:prstGeom>
+            <a:ln w="57150">
+              <a:tailEnd type="triangle"/>
+            </a:ln>
+          </p:spPr>
+          <p:style>
+            <a:lnRef idx="3">
+              <a:schemeClr val="accent4"/>
+            </a:lnRef>
+            <a:fillRef idx="0">
+              <a:schemeClr val="accent4"/>
+            </a:fillRef>
+            <a:effectRef idx="2">
+              <a:schemeClr val="accent4"/>
+            </a:effectRef>
+            <a:fontRef idx="minor">
+              <a:schemeClr val="tx1"/>
+            </a:fontRef>
+          </p:style>
+        </p:cxnSp>
+      </p:grpSp>
+    </p:spTree>
+    <p:extLst>
+      <p:ext uri="{BB962C8B-B14F-4D97-AF65-F5344CB8AC3E}">
+        <p14:creationId xmlns:p14="http://schemas.microsoft.com/office/powerpoint/2010/main" val="785811582"/>
+      </p:ext>
+    </p:extLst>
+  </p:cSld>
+  <p:clrMapOvr>
+    <a:masterClrMapping/>
+  </p:clrMapOvr>
+  <p:timing>
+    <p:tnLst>
+      <p:par>
+        <p:cTn id="1" dur="indefinite" restart="never" nodeType="tmRoot">
+          <p:childTnLst>
+            <p:seq concurrent="1" nextAc="seek">
+              <p:cTn id="2" dur="indefinite" nodeType="mainSeq">
+                <p:childTnLst>
+                  <p:par>
+                    <p:cTn id="3" fill="hold">
+                      <p:stCondLst>
+                        <p:cond delay="indefinite"/>
+                      </p:stCondLst>
+                      <p:childTnLst>
+                        <p:par>
+                          <p:cTn id="4" fill="hold">
+                            <p:stCondLst>
+                              <p:cond delay="0"/>
+                            </p:stCondLst>
+                            <p:childTnLst>
+                              <p:par>
+                                <p:cTn id="5" presetID="53" presetClass="entr" presetSubtype="16" fill="hold" nodeType="clickEffect">
+                                  <p:stCondLst>
+                                    <p:cond delay="0"/>
+                                  </p:stCondLst>
+                                  <p:childTnLst>
+                                    <p:set>
+                                      <p:cBhvr>
+                                        <p:cTn id="6" dur="1" fill="hold">
+                                          <p:stCondLst>
+                                            <p:cond delay="0"/>
+                                          </p:stCondLst>
+                                        </p:cTn>
+                                        <p:tgtEl>
+                                          <p:spTgt spid="43"/>
+                                        </p:tgtEl>
+                                        <p:attrNameLst>
+                                          <p:attrName>style.visibility</p:attrName>
+                                        </p:attrNameLst>
+                                      </p:cBhvr>
+                                      <p:to>
+                                        <p:strVal val="visible"/>
+                                      </p:to>
+                                    </p:set>
+                                    <p:anim calcmode="lin" valueType="num">
+                                      <p:cBhvr>
+                                        <p:cTn id="7" dur="500" fill="hold"/>
+                                        <p:tgtEl>
+                                          <p:spTgt spid="43"/>
+                                        </p:tgtEl>
+                                        <p:attrNameLst>
+                                          <p:attrName>ppt_w</p:attrName>
+                                        </p:attrNameLst>
+                                      </p:cBhvr>
+                                      <p:tavLst>
+                                        <p:tav tm="0">
+                                          <p:val>
+                                            <p:fltVal val="0"/>
+                                          </p:val>
+                                        </p:tav>
+                                        <p:tav tm="100000">
+                                          <p:val>
+                                            <p:strVal val="#ppt_w"/>
+                                          </p:val>
+                                        </p:tav>
+                                      </p:tavLst>
+                                    </p:anim>
+                                    <p:anim calcmode="lin" valueType="num">
+                                      <p:cBhvr>
+                                        <p:cTn id="8" dur="500" fill="hold"/>
+                                        <p:tgtEl>
+                                          <p:spTgt spid="43"/>
+                                        </p:tgtEl>
+                                        <p:attrNameLst>
+                                          <p:attrName>ppt_h</p:attrName>
+                                        </p:attrNameLst>
+                                      </p:cBhvr>
+                                      <p:tavLst>
+                                        <p:tav tm="0">
+                                          <p:val>
+                                            <p:fltVal val="0"/>
+                                          </p:val>
+                                        </p:tav>
+                                        <p:tav tm="100000">
+                                          <p:val>
+                                            <p:strVal val="#ppt_h"/>
+                                          </p:val>
+                                        </p:tav>
+                                      </p:tavLst>
+                                    </p:anim>
+                                    <p:animEffect transition="in" filter="fade">
+                                      <p:cBhvr>
+                                        <p:cTn id="9" dur="500"/>
+                                        <p:tgtEl>
+                                          <p:spTgt spid="43"/>
+                                        </p:tgtEl>
+                                      </p:cBhvr>
+                                    </p:animEffect>
+                                  </p:childTnLst>
+                                </p:cTn>
+                              </p:par>
+                            </p:childTnLst>
+                          </p:cTn>
+                        </p:par>
+                      </p:childTnLst>
+                    </p:cTn>
+                  </p:par>
+                  <p:par>
+                    <p:cTn id="10" fill="hold">
+                      <p:stCondLst>
+                        <p:cond delay="indefinite"/>
+                      </p:stCondLst>
+                      <p:childTnLst>
+                        <p:par>
+                          <p:cTn id="11" fill="hold">
+                            <p:stCondLst>
+                              <p:cond delay="0"/>
+                            </p:stCondLst>
+                            <p:childTnLst>
+                              <p:par>
+                                <p:cTn id="12" presetID="38" presetClass="entr" presetSubtype="0" accel="50000" fill="hold" grpId="0" nodeType="clickEffect">
+                                  <p:stCondLst>
+                                    <p:cond delay="0"/>
+                                  </p:stCondLst>
+                                  <p:iterate type="lt">
+                                    <p:tmPct val="50000"/>
+                                  </p:iterate>
+                                  <p:childTnLst>
+                                    <p:set>
+                                      <p:cBhvr>
+                                        <p:cTn id="13" dur="1" fill="hold">
+                                          <p:stCondLst>
+                                            <p:cond delay="0"/>
+                                          </p:stCondLst>
+                                        </p:cTn>
+                                        <p:tgtEl>
+                                          <p:spTgt spid="3"/>
+                                        </p:tgtEl>
+                                        <p:attrNameLst>
+                                          <p:attrName>style.visibility</p:attrName>
+                                        </p:attrNameLst>
+                                      </p:cBhvr>
+                                      <p:to>
+                                        <p:strVal val="visible"/>
+                                      </p:to>
+                                    </p:set>
+                                    <p:set>
+                                      <p:cBhvr>
+                                        <p:cTn id="14" dur="455" fill="hold">
+                                          <p:stCondLst>
+                                            <p:cond delay="0"/>
+                                          </p:stCondLst>
+                                        </p:cTn>
+                                        <p:tgtEl>
+                                          <p:spTgt spid="3"/>
+                                        </p:tgtEl>
+                                        <p:attrNameLst>
+                                          <p:attrName>style.rotation</p:attrName>
+                                        </p:attrNameLst>
+                                      </p:cBhvr>
+                                      <p:to>
+                                        <p:strVal val="-45.0"/>
+                                      </p:to>
+                                    </p:set>
+                                    <p:anim calcmode="lin" valueType="num">
+                                      <p:cBhvr>
+                                        <p:cTn id="15" dur="455" fill="hold">
+                                          <p:stCondLst>
+                                            <p:cond delay="455"/>
+                                          </p:stCondLst>
+                                        </p:cTn>
+                                        <p:tgtEl>
+                                          <p:spTgt spid="3"/>
+                                        </p:tgtEl>
+                                        <p:attrNameLst>
+                                          <p:attrName>style.rotation</p:attrName>
+                                        </p:attrNameLst>
+                                      </p:cBhvr>
+                                      <p:tavLst>
+                                        <p:tav tm="0">
+                                          <p:val>
+                                            <p:fltVal val="-45"/>
+                                          </p:val>
+                                        </p:tav>
+                                        <p:tav tm="69900">
+                                          <p:val>
+                                            <p:fltVal val="45"/>
+                                          </p:val>
+                                        </p:tav>
+                                        <p:tav tm="100000">
+                                          <p:val>
+                                            <p:fltVal val="0"/>
+                                          </p:val>
+                                        </p:tav>
+                                      </p:tavLst>
+                                    </p:anim>
+                                    <p:anim calcmode="lin" valueType="num">
+                                      <p:cBhvr>
+                                        <p:cTn id="16" dur="455" fill="hold">
+                                          <p:stCondLst>
+                                            <p:cond delay="0"/>
+                                          </p:stCondLst>
+                                        </p:cTn>
+                                        <p:tgtEl>
+                                          <p:spTgt spid="3"/>
+                                        </p:tgtEl>
+                                        <p:attrNameLst>
+                                          <p:attrName>ppt_y</p:attrName>
+                                        </p:attrNameLst>
+                                      </p:cBhvr>
+                                      <p:tavLst>
+                                        <p:tav tm="0">
+                                          <p:val>
+                                            <p:strVal val="#ppt_y-1"/>
+                                          </p:val>
+                                        </p:tav>
+                                        <p:tav tm="100000">
+                                          <p:val>
+                                            <p:strVal val="#ppt_y-(0.354*#ppt_w-0.172*#ppt_h)"/>
+                                          </p:val>
+                                        </p:tav>
+                                      </p:tavLst>
+                                    </p:anim>
+                                    <p:anim calcmode="lin" valueType="num">
+                                      <p:cBhvr>
+                                        <p:cTn id="17" dur="156" decel="50000" autoRev="1" fill="hold">
+                                          <p:stCondLst>
+                                            <p:cond delay="455"/>
+                                          </p:stCondLst>
+                                        </p:cTn>
+                                        <p:tgtEl>
+                                          <p:spTgt spid="3"/>
+                                        </p:tgtEl>
+                                        <p:attrNameLst>
+                                          <p:attrName>ppt_y</p:attrName>
+                                        </p:attrNameLst>
+                                      </p:cBhvr>
+                                      <p:tavLst>
+                                        <p:tav tm="0">
+                                          <p:val>
+                                            <p:strVal val="#ppt_y-(0.354*#ppt_w-0.172*#ppt_h)"/>
+                                          </p:val>
+                                        </p:tav>
+                                        <p:tav tm="100000">
+                                          <p:val>
+                                            <p:strVal val="#ppt_y-(0.354*#ppt_w-0.172*#ppt_h)-#ppt_h/2"/>
+                                          </p:val>
+                                        </p:tav>
+                                      </p:tavLst>
+                                    </p:anim>
+                                    <p:anim calcmode="lin" valueType="num">
+                                      <p:cBhvr>
+                                        <p:cTn id="18" dur="136" fill="hold">
+                                          <p:stCondLst>
+                                            <p:cond delay="864"/>
+                                          </p:stCondLst>
+                                        </p:cTn>
+                                        <p:tgtEl>
+                                          <p:spTgt spid="3"/>
+                                        </p:tgtEl>
+                                        <p:attrNameLst>
+                                          <p:attrName>ppt_y</p:attrName>
+                                        </p:attrNameLst>
+                                      </p:cBhvr>
+                                      <p:tavLst>
+                                        <p:tav tm="0">
+                                          <p:val>
+                                            <p:strVal val="#ppt_y-(0.354*#ppt_w-0.172*#ppt_h)"/>
+                                          </p:val>
+                                        </p:tav>
+                                        <p:tav tm="100000">
+                                          <p:val>
+                                            <p:strVal val="#ppt_y"/>
+                                          </p:val>
+                                        </p:tav>
+                                      </p:tavLst>
+                                    </p:anim>
+                                  </p:childTnLst>
+                                </p:cTn>
+                              </p:par>
+                            </p:childTnLst>
+                          </p:cTn>
+                        </p:par>
+                      </p:childTnLst>
+                    </p:cTn>
+                  </p:par>
+                  <p:par>
+                    <p:cTn id="19" fill="hold">
+                      <p:stCondLst>
+                        <p:cond delay="indefinite"/>
+                      </p:stCondLst>
+                      <p:childTnLst>
+                        <p:par>
+                          <p:cTn id="20" fill="hold">
+                            <p:stCondLst>
+                              <p:cond delay="0"/>
+                            </p:stCondLst>
+                            <p:childTnLst>
+                              <p:par>
+                                <p:cTn id="21" presetID="41" presetClass="entr" presetSubtype="0" fill="hold" grpId="0" nodeType="clickEffect">
+                                  <p:stCondLst>
+                                    <p:cond delay="0"/>
+                                  </p:stCondLst>
+                                  <p:iterate type="lt">
+                                    <p:tmPct val="10000"/>
+                                  </p:iterate>
+                                  <p:childTnLst>
+                                    <p:set>
+                                      <p:cBhvr>
+                                        <p:cTn id="22" dur="1" fill="hold">
+                                          <p:stCondLst>
+                                            <p:cond delay="0"/>
+                                          </p:stCondLst>
+                                        </p:cTn>
+                                        <p:tgtEl>
+                                          <p:spTgt spid="11"/>
+                                        </p:tgtEl>
+                                        <p:attrNameLst>
+                                          <p:attrName>style.visibility</p:attrName>
+                                        </p:attrNameLst>
+                                      </p:cBhvr>
+                                      <p:to>
+                                        <p:strVal val="visible"/>
+                                      </p:to>
+                                    </p:set>
+                                    <p:anim calcmode="lin" valueType="num">
+                                      <p:cBhvr>
+                                        <p:cTn id="23" dur="500" fill="hold"/>
+                                        <p:tgtEl>
+                                          <p:spTgt spid="11"/>
+                                        </p:tgtEl>
+                                        <p:attrNameLst>
+                                          <p:attrName>ppt_x</p:attrName>
+                                        </p:attrNameLst>
+                                      </p:cBhvr>
+                                      <p:tavLst>
+                                        <p:tav tm="0">
+                                          <p:val>
+                                            <p:strVal val="#ppt_x"/>
+                                          </p:val>
+                                        </p:tav>
+                                        <p:tav tm="50000">
+                                          <p:val>
+                                            <p:strVal val="#ppt_x+.1"/>
+                                          </p:val>
+                                        </p:tav>
+                                        <p:tav tm="100000">
+                                          <p:val>
+                                            <p:strVal val="#ppt_x"/>
+                                          </p:val>
+                                        </p:tav>
+                                      </p:tavLst>
+                                    </p:anim>
+                                    <p:anim calcmode="lin" valueType="num">
+                                      <p:cBhvr>
+                                        <p:cTn id="24" dur="500" fill="hold"/>
+                                        <p:tgtEl>
+                                          <p:spTgt spid="11"/>
+                                        </p:tgtEl>
+                                        <p:attrNameLst>
+                                          <p:attrName>ppt_y</p:attrName>
+                                        </p:attrNameLst>
+                                      </p:cBhvr>
+                                      <p:tavLst>
+                                        <p:tav tm="0">
+                                          <p:val>
+                                            <p:strVal val="#ppt_y"/>
+                                          </p:val>
+                                        </p:tav>
+                                        <p:tav tm="100000">
+                                          <p:val>
+                                            <p:strVal val="#ppt_y"/>
+                                          </p:val>
+                                        </p:tav>
+                                      </p:tavLst>
+                                    </p:anim>
+                                    <p:anim calcmode="lin" valueType="num">
+                                      <p:cBhvr>
+                                        <p:cTn id="25" dur="500" fill="hold"/>
+                                        <p:tgtEl>
+                                          <p:spTgt spid="11"/>
+                                        </p:tgtEl>
+                                        <p:attrNameLst>
+                                          <p:attrName>ppt_h</p:attrName>
+                                        </p:attrNameLst>
+                                      </p:cBhvr>
+                                      <p:tavLst>
+                                        <p:tav tm="0">
+                                          <p:val>
+                                            <p:strVal val="#ppt_h/10"/>
+                                          </p:val>
+                                        </p:tav>
+                                        <p:tav tm="50000">
+                                          <p:val>
+                                            <p:strVal val="#ppt_h+.01"/>
+                                          </p:val>
+                                        </p:tav>
+                                        <p:tav tm="100000">
+                                          <p:val>
+                                            <p:strVal val="#ppt_h"/>
+                                          </p:val>
+                                        </p:tav>
+                                      </p:tavLst>
+                                    </p:anim>
+                                    <p:anim calcmode="lin" valueType="num">
+                                      <p:cBhvr>
+                                        <p:cTn id="26" dur="500" fill="hold"/>
+                                        <p:tgtEl>
+                                          <p:spTgt spid="11"/>
+                                        </p:tgtEl>
+                                        <p:attrNameLst>
+                                          <p:attrName>ppt_w</p:attrName>
+                                        </p:attrNameLst>
+                                      </p:cBhvr>
+                                      <p:tavLst>
+                                        <p:tav tm="0">
+                                          <p:val>
+                                            <p:strVal val="#ppt_w/10"/>
+                                          </p:val>
+                                        </p:tav>
+                                        <p:tav tm="50000">
+                                          <p:val>
+                                            <p:strVal val="#ppt_w+.01"/>
+                                          </p:val>
+                                        </p:tav>
+                                        <p:tav tm="100000">
+                                          <p:val>
+                                            <p:strVal val="#ppt_w"/>
+                                          </p:val>
+                                        </p:tav>
+                                      </p:tavLst>
+                                    </p:anim>
+                                    <p:animEffect transition="in" filter="fade">
+                                      <p:cBhvr>
+                                        <p:cTn id="27" dur="500" tmFilter="0,0; .5, 1; 1, 1"/>
+                                        <p:tgtEl>
+                                          <p:spTgt spid="11"/>
+                                        </p:tgtEl>
+                                      </p:cBhvr>
+                                    </p:animEffect>
+                                  </p:childTnLst>
+                                </p:cTn>
+                              </p:par>
+                            </p:childTnLst>
+                          </p:cTn>
+                        </p:par>
+                      </p:childTnLst>
+                    </p:cTn>
+                  </p:par>
+                  <p:par>
+                    <p:cTn id="28" fill="hold">
+                      <p:stCondLst>
+                        <p:cond delay="indefinite"/>
+                      </p:stCondLst>
+                      <p:childTnLst>
+                        <p:par>
+                          <p:cTn id="29" fill="hold">
+                            <p:stCondLst>
+                              <p:cond delay="0"/>
+                            </p:stCondLst>
+                            <p:childTnLst>
+                              <p:par>
+                                <p:cTn id="30" presetID="38" presetClass="entr" presetSubtype="0" accel="50000" fill="hold" grpId="0" nodeType="clickEffect">
+                                  <p:stCondLst>
+                                    <p:cond delay="0"/>
+                                  </p:stCondLst>
+                                  <p:iterate type="lt">
+                                    <p:tmPct val="50000"/>
+                                  </p:iterate>
+                                  <p:childTnLst>
+                                    <p:set>
+                                      <p:cBhvr>
+                                        <p:cTn id="31" dur="1" fill="hold">
+                                          <p:stCondLst>
+                                            <p:cond delay="0"/>
+                                          </p:stCondLst>
+                                        </p:cTn>
+                                        <p:tgtEl>
+                                          <p:spTgt spid="9"/>
+                                        </p:tgtEl>
+                                        <p:attrNameLst>
+                                          <p:attrName>style.visibility</p:attrName>
+                                        </p:attrNameLst>
+                                      </p:cBhvr>
+                                      <p:to>
+                                        <p:strVal val="visible"/>
+                                      </p:to>
+                                    </p:set>
+                                    <p:set>
+                                      <p:cBhvr>
+                                        <p:cTn id="32" dur="455" fill="hold">
+                                          <p:stCondLst>
+                                            <p:cond delay="0"/>
+                                          </p:stCondLst>
+                                        </p:cTn>
+                                        <p:tgtEl>
+                                          <p:spTgt spid="9"/>
+                                        </p:tgtEl>
+                                        <p:attrNameLst>
+                                          <p:attrName>style.rotation</p:attrName>
+                                        </p:attrNameLst>
+                                      </p:cBhvr>
+                                      <p:to>
+                                        <p:strVal val="-45.0"/>
+                                      </p:to>
+                                    </p:set>
+                                    <p:anim calcmode="lin" valueType="num">
+                                      <p:cBhvr>
+                                        <p:cTn id="33" dur="455" fill="hold">
+                                          <p:stCondLst>
+                                            <p:cond delay="455"/>
+                                          </p:stCondLst>
+                                        </p:cTn>
+                                        <p:tgtEl>
+                                          <p:spTgt spid="9"/>
+                                        </p:tgtEl>
+                                        <p:attrNameLst>
+                                          <p:attrName>style.rotation</p:attrName>
+                                        </p:attrNameLst>
+                                      </p:cBhvr>
+                                      <p:tavLst>
+                                        <p:tav tm="0">
+                                          <p:val>
+                                            <p:fltVal val="-45"/>
+                                          </p:val>
+                                        </p:tav>
+                                        <p:tav tm="69900">
+                                          <p:val>
+                                            <p:fltVal val="45"/>
+                                          </p:val>
+                                        </p:tav>
+                                        <p:tav tm="100000">
+                                          <p:val>
+                                            <p:fltVal val="0"/>
+                                          </p:val>
+                                        </p:tav>
+                                      </p:tavLst>
+                                    </p:anim>
+                                    <p:anim calcmode="lin" valueType="num">
+                                      <p:cBhvr>
+                                        <p:cTn id="34" dur="455" fill="hold">
+                                          <p:stCondLst>
+                                            <p:cond delay="0"/>
+                                          </p:stCondLst>
+                                        </p:cTn>
+                                        <p:tgtEl>
+                                          <p:spTgt spid="9"/>
+                                        </p:tgtEl>
+                                        <p:attrNameLst>
+                                          <p:attrName>ppt_y</p:attrName>
+                                        </p:attrNameLst>
+                                      </p:cBhvr>
+                                      <p:tavLst>
+                                        <p:tav tm="0">
+                                          <p:val>
+                                            <p:strVal val="#ppt_y-1"/>
+                                          </p:val>
+                                        </p:tav>
+                                        <p:tav tm="100000">
+                                          <p:val>
+                                            <p:strVal val="#ppt_y-(0.354*#ppt_w-0.172*#ppt_h)"/>
+                                          </p:val>
+                                        </p:tav>
+                                      </p:tavLst>
+                                    </p:anim>
+                                    <p:anim calcmode="lin" valueType="num">
+                                      <p:cBhvr>
+                                        <p:cTn id="35" dur="156" decel="50000" autoRev="1" fill="hold">
+                                          <p:stCondLst>
+                                            <p:cond delay="455"/>
+                                          </p:stCondLst>
+                                        </p:cTn>
+                                        <p:tgtEl>
+                                          <p:spTgt spid="9"/>
+                                        </p:tgtEl>
+                                        <p:attrNameLst>
+                                          <p:attrName>ppt_y</p:attrName>
+                                        </p:attrNameLst>
+                                      </p:cBhvr>
+                                      <p:tavLst>
+                                        <p:tav tm="0">
+                                          <p:val>
+                                            <p:strVal val="#ppt_y-(0.354*#ppt_w-0.172*#ppt_h)"/>
+                                          </p:val>
+                                        </p:tav>
+                                        <p:tav tm="100000">
+                                          <p:val>
+                                            <p:strVal val="#ppt_y-(0.354*#ppt_w-0.172*#ppt_h)-#ppt_h/2"/>
+                                          </p:val>
+                                        </p:tav>
+                                      </p:tavLst>
+                                    </p:anim>
+                                    <p:anim calcmode="lin" valueType="num">
+                                      <p:cBhvr>
+                                        <p:cTn id="36" dur="136" fill="hold">
+                                          <p:stCondLst>
+                                            <p:cond delay="864"/>
+                                          </p:stCondLst>
+                                        </p:cTn>
+                                        <p:tgtEl>
+                                          <p:spTgt spid="9"/>
+                                        </p:tgtEl>
+                                        <p:attrNameLst>
+                                          <p:attrName>ppt_y</p:attrName>
+                                        </p:attrNameLst>
+                                      </p:cBhvr>
+                                      <p:tavLst>
+                                        <p:tav tm="0">
+                                          <p:val>
+                                            <p:strVal val="#ppt_y-(0.354*#ppt_w-0.172*#ppt_h)"/>
+                                          </p:val>
+                                        </p:tav>
+                                        <p:tav tm="100000">
+                                          <p:val>
+                                            <p:strVal val="#ppt_y"/>
+                                          </p:val>
+                                        </p:tav>
+                                      </p:tavLst>
+                                    </p:anim>
+                                  </p:childTnLst>
+                                </p:cTn>
+                              </p:par>
+                            </p:childTnLst>
+                          </p:cTn>
+                        </p:par>
+                      </p:childTnLst>
+                    </p:cTn>
+                  </p:par>
+                  <p:par>
+                    <p:cTn id="37" fill="hold">
+                      <p:stCondLst>
+                        <p:cond delay="indefinite"/>
+                      </p:stCondLst>
+                      <p:childTnLst>
+                        <p:par>
+                          <p:cTn id="38" fill="hold">
+                            <p:stCondLst>
+                              <p:cond delay="0"/>
+                            </p:stCondLst>
+                            <p:childTnLst>
+                              <p:par>
+                                <p:cTn id="39" presetID="30" presetClass="entr" presetSubtype="0" fill="hold" nodeType="clickEffect">
+                                  <p:stCondLst>
+                                    <p:cond delay="0"/>
+                                  </p:stCondLst>
+                                  <p:childTnLst>
+                                    <p:set>
+                                      <p:cBhvr>
+                                        <p:cTn id="40" dur="1" fill="hold">
+                                          <p:stCondLst>
+                                            <p:cond delay="0"/>
+                                          </p:stCondLst>
+                                        </p:cTn>
+                                        <p:tgtEl>
+                                          <p:spTgt spid="39"/>
+                                        </p:tgtEl>
+                                        <p:attrNameLst>
+                                          <p:attrName>style.visibility</p:attrName>
+                                        </p:attrNameLst>
+                                      </p:cBhvr>
+                                      <p:to>
+                                        <p:strVal val="visible"/>
+                                      </p:to>
+                                    </p:set>
+                                    <p:animEffect transition="in" filter="fade">
+                                      <p:cBhvr>
+                                        <p:cTn id="41" dur="800" decel="100000"/>
+                                        <p:tgtEl>
+                                          <p:spTgt spid="39"/>
+                                        </p:tgtEl>
+                                      </p:cBhvr>
+                                    </p:animEffect>
+                                    <p:anim calcmode="lin" valueType="num">
+                                      <p:cBhvr>
+                                        <p:cTn id="42" dur="800" decel="100000" fill="hold"/>
+                                        <p:tgtEl>
+                                          <p:spTgt spid="39"/>
+                                        </p:tgtEl>
+                                        <p:attrNameLst>
+                                          <p:attrName>style.rotation</p:attrName>
+                                        </p:attrNameLst>
+                                      </p:cBhvr>
+                                      <p:tavLst>
+                                        <p:tav tm="0">
+                                          <p:val>
+                                            <p:fltVal val="-90"/>
+                                          </p:val>
+                                        </p:tav>
+                                        <p:tav tm="100000">
+                                          <p:val>
+                                            <p:fltVal val="0"/>
+                                          </p:val>
+                                        </p:tav>
+                                      </p:tavLst>
+                                    </p:anim>
+                                    <p:anim calcmode="lin" valueType="num">
+                                      <p:cBhvr>
+                                        <p:cTn id="43" dur="800" decel="100000" fill="hold"/>
+                                        <p:tgtEl>
+                                          <p:spTgt spid="39"/>
+                                        </p:tgtEl>
+                                        <p:attrNameLst>
+                                          <p:attrName>ppt_x</p:attrName>
+                                        </p:attrNameLst>
+                                      </p:cBhvr>
+                                      <p:tavLst>
+                                        <p:tav tm="0">
+                                          <p:val>
+                                            <p:strVal val="#ppt_x+0.4"/>
+                                          </p:val>
+                                        </p:tav>
+                                        <p:tav tm="100000">
+                                          <p:val>
+                                            <p:strVal val="#ppt_x-0.05"/>
+                                          </p:val>
+                                        </p:tav>
+                                      </p:tavLst>
+                                    </p:anim>
+                                    <p:anim calcmode="lin" valueType="num">
+                                      <p:cBhvr>
+                                        <p:cTn id="44" dur="800" decel="100000" fill="hold"/>
+                                        <p:tgtEl>
+                                          <p:spTgt spid="39"/>
+                                        </p:tgtEl>
+                                        <p:attrNameLst>
+                                          <p:attrName>ppt_y</p:attrName>
+                                        </p:attrNameLst>
+                                      </p:cBhvr>
+                                      <p:tavLst>
+                                        <p:tav tm="0">
+                                          <p:val>
+                                            <p:strVal val="#ppt_y-0.4"/>
+                                          </p:val>
+                                        </p:tav>
+                                        <p:tav tm="100000">
+                                          <p:val>
+                                            <p:strVal val="#ppt_y+0.1"/>
+                                          </p:val>
+                                        </p:tav>
+                                      </p:tavLst>
+                                    </p:anim>
+                                    <p:anim calcmode="lin" valueType="num">
+                                      <p:cBhvr>
+                                        <p:cTn id="45" dur="200" accel="100000" fill="hold">
+                                          <p:stCondLst>
+                                            <p:cond delay="800"/>
+                                          </p:stCondLst>
+                                        </p:cTn>
+                                        <p:tgtEl>
+                                          <p:spTgt spid="39"/>
+                                        </p:tgtEl>
+                                        <p:attrNameLst>
+                                          <p:attrName>ppt_x</p:attrName>
+                                        </p:attrNameLst>
+                                      </p:cBhvr>
+                                      <p:tavLst>
+                                        <p:tav tm="0">
+                                          <p:val>
+                                            <p:strVal val="#ppt_x-0.05"/>
+                                          </p:val>
+                                        </p:tav>
+                                        <p:tav tm="100000">
+                                          <p:val>
+                                            <p:strVal val="#ppt_x"/>
+                                          </p:val>
+                                        </p:tav>
+                                      </p:tavLst>
+                                    </p:anim>
+                                    <p:anim calcmode="lin" valueType="num">
+                                      <p:cBhvr>
+                                        <p:cTn id="46" dur="200" accel="100000" fill="hold">
+                                          <p:stCondLst>
+                                            <p:cond delay="800"/>
+                                          </p:stCondLst>
+                                        </p:cTn>
+                                        <p:tgtEl>
+                                          <p:spTgt spid="39"/>
+                                        </p:tgtEl>
+                                        <p:attrNameLst>
+                                          <p:attrName>ppt_y</p:attrName>
+                                        </p:attrNameLst>
+                                      </p:cBhvr>
+                                      <p:tavLst>
+                                        <p:tav tm="0">
+                                          <p:val>
+                                            <p:strVal val="#ppt_y+0.1"/>
+                                          </p:val>
+                                        </p:tav>
+                                        <p:tav tm="100000">
+                                          <p:val>
+                                            <p:strVal val="#ppt_y"/>
+                                          </p:val>
+                                        </p:tav>
+                                      </p:tavLst>
+                                    </p:anim>
+                                  </p:childTnLst>
+                                </p:cTn>
+                              </p:par>
+                            </p:childTnLst>
+                          </p:cTn>
+                        </p:par>
+                      </p:childTnLst>
+                    </p:cTn>
+                  </p:par>
+                  <p:par>
+                    <p:cTn id="47" fill="hold">
+                      <p:stCondLst>
+                        <p:cond delay="indefinite"/>
+                      </p:stCondLst>
+                      <p:childTnLst>
+                        <p:par>
+                          <p:cTn id="48" fill="hold">
+                            <p:stCondLst>
+                              <p:cond delay="0"/>
+                            </p:stCondLst>
+                            <p:childTnLst>
+                              <p:par>
+                                <p:cTn id="49" presetID="52" presetClass="entr" presetSubtype="0" fill="hold" nodeType="clickEffect">
+                                  <p:stCondLst>
+                                    <p:cond delay="0"/>
+                                  </p:stCondLst>
+                                  <p:childTnLst>
+                                    <p:set>
+                                      <p:cBhvr>
+                                        <p:cTn id="50" dur="1" fill="hold">
+                                          <p:stCondLst>
+                                            <p:cond delay="0"/>
+                                          </p:stCondLst>
+                                        </p:cTn>
+                                        <p:tgtEl>
+                                          <p:spTgt spid="40"/>
+                                        </p:tgtEl>
+                                        <p:attrNameLst>
+                                          <p:attrName>style.visibility</p:attrName>
+                                        </p:attrNameLst>
+                                      </p:cBhvr>
+                                      <p:to>
+                                        <p:strVal val="visible"/>
+                                      </p:to>
+                                    </p:set>
+                                    <p:animScale>
+                                      <p:cBhvr>
+                                        <p:cTn id="51" dur="1000" decel="50000" fill="hold">
+                                          <p:stCondLst>
+                                            <p:cond delay="0"/>
+                                          </p:stCondLst>
+                                        </p:cTn>
+                                        <p:tgtEl>
+                                          <p:spTgt spid="40"/>
+                                        </p:tgtEl>
+                                      </p:cBhvr>
+                                      <p:from x="250000" y="250000"/>
+                                      <p:to x="100000" y="100000"/>
+                                    </p:animScale>
+                                    <p:animMotion origin="layout" path="M -0.46736 0.92887  C -0.37517 0.88508  -0.02552 0.75279  0.0908 0.66613  C  0.20747 0.57948  0.21649 0.50394  0.23177 0.40825  C 0.24705 0.31256  0.22118 0.15964   0.18264 0.09152  C 0.1441 0.02341  0.03802 0.0  0.0 0.0  " pathEditMode="relative" ptsTypes="">
+                                      <p:cBhvr>
+                                        <p:cTn id="52" dur="1000" decel="50000" fill="hold">
+                                          <p:stCondLst>
+                                            <p:cond delay="0"/>
+                                          </p:stCondLst>
+                                        </p:cTn>
+                                        <p:tgtEl>
+                                          <p:spTgt spid="40"/>
+                                        </p:tgtEl>
+                                        <p:attrNameLst>
+                                          <p:attrName>ppt_x</p:attrName>
+                                          <p:attrName>ppt_y</p:attrName>
+                                        </p:attrNameLst>
+                                      </p:cBhvr>
+                                    </p:animMotion>
+                                    <p:animEffect transition="in" filter="fade">
+                                      <p:cBhvr>
+                                        <p:cTn id="53" dur="1000"/>
+                                        <p:tgtEl>
+                                          <p:spTgt spid="40"/>
+                                        </p:tgtEl>
+                                      </p:cBhvr>
+                                    </p:animEffect>
+                                  </p:childTnLst>
+                                </p:cTn>
+                              </p:par>
+                            </p:childTnLst>
+                          </p:cTn>
+                        </p:par>
+                      </p:childTnLst>
+                    </p:cTn>
+                  </p:par>
+                  <p:par>
+                    <p:cTn id="54" fill="hold">
+                      <p:stCondLst>
+                        <p:cond delay="indefinite"/>
+                      </p:stCondLst>
+                      <p:childTnLst>
+                        <p:par>
+                          <p:cTn id="55" fill="hold">
+                            <p:stCondLst>
+                              <p:cond delay="0"/>
+                            </p:stCondLst>
+                            <p:childTnLst>
+                              <p:par>
+                                <p:cTn id="56" presetID="26" presetClass="entr" presetSubtype="0" fill="hold" nodeType="clickEffect">
+                                  <p:stCondLst>
+                                    <p:cond delay="0"/>
+                                  </p:stCondLst>
+                                  <p:childTnLst>
+                                    <p:set>
+                                      <p:cBhvr>
+                                        <p:cTn id="57" dur="1" fill="hold">
+                                          <p:stCondLst>
+                                            <p:cond delay="0"/>
+                                          </p:stCondLst>
+                                        </p:cTn>
+                                        <p:tgtEl>
+                                          <p:spTgt spid="41"/>
+                                        </p:tgtEl>
+                                        <p:attrNameLst>
+                                          <p:attrName>style.visibility</p:attrName>
+                                        </p:attrNameLst>
+                                      </p:cBhvr>
+                                      <p:to>
+                                        <p:strVal val="visible"/>
+                                      </p:to>
+                                    </p:set>
+                                    <p:animEffect transition="in" filter="wipe(down)">
+                                      <p:cBhvr>
+                                        <p:cTn id="58" dur="580">
+                                          <p:stCondLst>
+                                            <p:cond delay="0"/>
+                                          </p:stCondLst>
+                                        </p:cTn>
+                                        <p:tgtEl>
+                                          <p:spTgt spid="41"/>
+                                        </p:tgtEl>
+                                      </p:cBhvr>
+                                    </p:animEffect>
+                                    <p:anim calcmode="lin" valueType="num">
+                                      <p:cBhvr>
+                                        <p:cTn id="59" dur="1822" tmFilter="0,0; 0.14,0.36; 0.43,0.73; 0.71,0.91; 1.0,1.0">
+                                          <p:stCondLst>
+                                            <p:cond delay="0"/>
+                                          </p:stCondLst>
+                                        </p:cTn>
+                                        <p:tgtEl>
+                                          <p:spTgt spid="41"/>
+                                        </p:tgtEl>
+                                        <p:attrNameLst>
+                                          <p:attrName>ppt_x</p:attrName>
+                                        </p:attrNameLst>
+                                      </p:cBhvr>
+                                      <p:tavLst>
+                                        <p:tav tm="0">
+                                          <p:val>
+                                            <p:strVal val="#ppt_x-0.25"/>
+                                          </p:val>
+                                        </p:tav>
+                                        <p:tav tm="100000">
+                                          <p:val>
+                                            <p:strVal val="#ppt_x"/>
+                                          </p:val>
+                                        </p:tav>
+                                      </p:tavLst>
+                                    </p:anim>
+                                    <p:anim calcmode="lin" valueType="num">
+                                      <p:cBhvr>
+                                        <p:cTn id="60" dur="664" tmFilter="0.0,0.0; 0.25,0.07; 0.50,0.2; 0.75,0.467; 1.0,1.0">
+                                          <p:stCondLst>
+                                            <p:cond delay="0"/>
+                                          </p:stCondLst>
+                                        </p:cTn>
+                                        <p:tgtEl>
+                                          <p:spTgt spid="41"/>
+                                        </p:tgtEl>
+                                        <p:attrNameLst>
+                                          <p:attrName>ppt_y</p:attrName>
+                                        </p:attrNameLst>
+                                      </p:cBhvr>
+                                      <p:tavLst>
+                                        <p:tav tm="0" fmla="#ppt_y-sin(pi*$)/3">
+                                          <p:val>
+                                            <p:fltVal val="0.5"/>
+                                          </p:val>
+                                        </p:tav>
+                                        <p:tav tm="100000">
+                                          <p:val>
+                                            <p:fltVal val="1"/>
+                                          </p:val>
+                                        </p:tav>
+                                      </p:tavLst>
+                                    </p:anim>
+                                    <p:anim calcmode="lin" valueType="num">
+                                      <p:cBhvr>
+                                        <p:cTn id="61" dur="664" tmFilter="0, 0; 0.125,0.2665; 0.25,0.4; 0.375,0.465; 0.5,0.5;  0.625,0.535; 0.75,0.6; 0.875,0.7335; 1,1">
+                                          <p:stCondLst>
+                                            <p:cond delay="664"/>
+                                          </p:stCondLst>
+                                        </p:cTn>
+                                        <p:tgtEl>
+                                          <p:spTgt spid="41"/>
+                                        </p:tgtEl>
+                                        <p:attrNameLst>
+                                          <p:attrName>ppt_y</p:attrName>
+                                        </p:attrNameLst>
+                                      </p:cBhvr>
+                                      <p:tavLst>
+                                        <p:tav tm="0" fmla="#ppt_y-sin(pi*$)/9">
+                                          <p:val>
+                                            <p:fltVal val="0"/>
+                                          </p:val>
+                                        </p:tav>
+                                        <p:tav tm="100000">
+                                          <p:val>
+                                            <p:fltVal val="1"/>
+                                          </p:val>
+                                        </p:tav>
+                                      </p:tavLst>
+                                    </p:anim>
+                                    <p:anim calcmode="lin" valueType="num">
+                                      <p:cBhvr>
+                                        <p:cTn id="62" dur="332" tmFilter="0, 0; 0.125,0.2665; 0.25,0.4; 0.375,0.465; 0.5,0.5;  0.625,0.535; 0.75,0.6; 0.875,0.7335; 1,1">
+                                          <p:stCondLst>
+                                            <p:cond delay="1324"/>
+                                          </p:stCondLst>
+                                        </p:cTn>
+                                        <p:tgtEl>
+                                          <p:spTgt spid="41"/>
+                                        </p:tgtEl>
+                                        <p:attrNameLst>
+                                          <p:attrName>ppt_y</p:attrName>
+                                        </p:attrNameLst>
+                                      </p:cBhvr>
+                                      <p:tavLst>
+                                        <p:tav tm="0" fmla="#ppt_y-sin(pi*$)/27">
+                                          <p:val>
+                                            <p:fltVal val="0"/>
+                                          </p:val>
+                                        </p:tav>
+                                        <p:tav tm="100000">
+                                          <p:val>
+                                            <p:fltVal val="1"/>
+                                          </p:val>
+                                        </p:tav>
+                                      </p:tavLst>
+                                    </p:anim>
+                                    <p:anim calcmode="lin" valueType="num">
+                                      <p:cBhvr>
+                                        <p:cTn id="63" dur="164" tmFilter="0, 0; 0.125,0.2665; 0.25,0.4; 0.375,0.465; 0.5,0.5;  0.625,0.535; 0.75,0.6; 0.875,0.7335; 1,1">
+                                          <p:stCondLst>
+                                            <p:cond delay="1656"/>
+                                          </p:stCondLst>
+                                        </p:cTn>
+                                        <p:tgtEl>
+                                          <p:spTgt spid="41"/>
+                                        </p:tgtEl>
+                                        <p:attrNameLst>
+                                          <p:attrName>ppt_y</p:attrName>
+                                        </p:attrNameLst>
+                                      </p:cBhvr>
+                                      <p:tavLst>
+                                        <p:tav tm="0" fmla="#ppt_y-sin(pi*$)/81">
+                                          <p:val>
+                                            <p:fltVal val="0"/>
+                                          </p:val>
+                                        </p:tav>
+                                        <p:tav tm="100000">
+                                          <p:val>
+                                            <p:fltVal val="1"/>
+                                          </p:val>
+                                        </p:tav>
+                                      </p:tavLst>
+                                    </p:anim>
+                                    <p:animScale>
+                                      <p:cBhvr>
+                                        <p:cTn id="64" dur="26">
+                                          <p:stCondLst>
+                                            <p:cond delay="650"/>
+                                          </p:stCondLst>
+                                        </p:cTn>
+                                        <p:tgtEl>
+                                          <p:spTgt spid="41"/>
+                                        </p:tgtEl>
+                                      </p:cBhvr>
+                                      <p:to x="100000" y="60000"/>
+                                    </p:animScale>
+                                    <p:animScale>
+                                      <p:cBhvr>
+                                        <p:cTn id="65" dur="166" decel="50000">
+                                          <p:stCondLst>
+                                            <p:cond delay="676"/>
+                                          </p:stCondLst>
+                                        </p:cTn>
+                                        <p:tgtEl>
+                                          <p:spTgt spid="41"/>
+                                        </p:tgtEl>
+                                      </p:cBhvr>
+                                      <p:to x="100000" y="100000"/>
+                                    </p:animScale>
+                                    <p:animScale>
+                                      <p:cBhvr>
+                                        <p:cTn id="66" dur="26">
+                                          <p:stCondLst>
+                                            <p:cond delay="1312"/>
+                                          </p:stCondLst>
+                                        </p:cTn>
+                                        <p:tgtEl>
+                                          <p:spTgt spid="41"/>
+                                        </p:tgtEl>
+                                      </p:cBhvr>
+                                      <p:to x="100000" y="80000"/>
+                                    </p:animScale>
+                                    <p:animScale>
+                                      <p:cBhvr>
+                                        <p:cTn id="67" dur="166" decel="50000">
+                                          <p:stCondLst>
+                                            <p:cond delay="1338"/>
+                                          </p:stCondLst>
+                                        </p:cTn>
+                                        <p:tgtEl>
+                                          <p:spTgt spid="41"/>
+                                        </p:tgtEl>
+                                      </p:cBhvr>
+                                      <p:to x="100000" y="100000"/>
+                                    </p:animScale>
+                                    <p:animScale>
+                                      <p:cBhvr>
+                                        <p:cTn id="68" dur="26">
+                                          <p:stCondLst>
+                                            <p:cond delay="1642"/>
+                                          </p:stCondLst>
+                                        </p:cTn>
+                                        <p:tgtEl>
+                                          <p:spTgt spid="41"/>
+                                        </p:tgtEl>
+                                      </p:cBhvr>
+                                      <p:to x="100000" y="90000"/>
+                                    </p:animScale>
+                                    <p:animScale>
+                                      <p:cBhvr>
+                                        <p:cTn id="69" dur="166" decel="50000">
+                                          <p:stCondLst>
+                                            <p:cond delay="1668"/>
+                                          </p:stCondLst>
+                                        </p:cTn>
+                                        <p:tgtEl>
+                                          <p:spTgt spid="41"/>
+                                        </p:tgtEl>
+                                      </p:cBhvr>
+                                      <p:to x="100000" y="100000"/>
+                                    </p:animScale>
+                                    <p:animScale>
+                                      <p:cBhvr>
+                                        <p:cTn id="70" dur="26">
+                                          <p:stCondLst>
+                                            <p:cond delay="1808"/>
+                                          </p:stCondLst>
+                                        </p:cTn>
+                                        <p:tgtEl>
+                                          <p:spTgt spid="41"/>
+                                        </p:tgtEl>
+                                      </p:cBhvr>
+                                      <p:to x="100000" y="95000"/>
+                                    </p:animScale>
+                                    <p:animScale>
+                                      <p:cBhvr>
+                                        <p:cTn id="71" dur="166" decel="50000">
+                                          <p:stCondLst>
+                                            <p:cond delay="1834"/>
+                                          </p:stCondLst>
+                                        </p:cTn>
+                                        <p:tgtEl>
+                                          <p:spTgt spid="41"/>
+                                        </p:tgtEl>
+                                      </p:cBhvr>
+                                      <p:to x="100000" y="100000"/>
+                                    </p:animScale>
+                                  </p:childTnLst>
+                                </p:cTn>
+                              </p:par>
+                            </p:childTnLst>
+                          </p:cTn>
+                        </p:par>
+                      </p:childTnLst>
+                    </p:cTn>
+                  </p:par>
+                  <p:par>
+                    <p:cTn id="72" fill="hold">
+                      <p:stCondLst>
+                        <p:cond delay="indefinite"/>
+                      </p:stCondLst>
+                      <p:childTnLst>
+                        <p:par>
+                          <p:cTn id="73" fill="hold">
+                            <p:stCondLst>
+                              <p:cond delay="0"/>
+                            </p:stCondLst>
+                            <p:childTnLst>
+                              <p:par>
+                                <p:cTn id="74" presetID="52" presetClass="entr" presetSubtype="0" fill="hold" nodeType="clickEffect">
+                                  <p:stCondLst>
+                                    <p:cond delay="0"/>
+                                  </p:stCondLst>
+                                  <p:childTnLst>
+                                    <p:set>
+                                      <p:cBhvr>
+                                        <p:cTn id="75" dur="1" fill="hold">
+                                          <p:stCondLst>
+                                            <p:cond delay="0"/>
+                                          </p:stCondLst>
+                                        </p:cTn>
+                                        <p:tgtEl>
+                                          <p:spTgt spid="42"/>
+                                        </p:tgtEl>
+                                        <p:attrNameLst>
+                                          <p:attrName>style.visibility</p:attrName>
+                                        </p:attrNameLst>
+                                      </p:cBhvr>
+                                      <p:to>
+                                        <p:strVal val="visible"/>
+                                      </p:to>
+                                    </p:set>
+                                    <p:animScale>
+                                      <p:cBhvr>
+                                        <p:cTn id="76" dur="1000" decel="50000" fill="hold">
+                                          <p:stCondLst>
+                                            <p:cond delay="0"/>
+                                          </p:stCondLst>
+                                        </p:cTn>
+                                        <p:tgtEl>
+                                          <p:spTgt spid="42"/>
+                                        </p:tgtEl>
+                                      </p:cBhvr>
+                                      <p:from x="250000" y="250000"/>
+                                      <p:to x="100000" y="100000"/>
+                                    </p:animScale>
+                                    <p:animMotion origin="layout" path="M -0.46736 0.92887  C -0.37517 0.88508  -0.02552 0.75279  0.0908 0.66613  C  0.20747 0.57948  0.21649 0.50394  0.23177 0.40825  C 0.24705 0.31256  0.22118 0.15964   0.18264 0.09152  C 0.1441 0.02341  0.03802 0.0  0.0 0.0  " pathEditMode="relative" ptsTypes="">
+                                      <p:cBhvr>
+                                        <p:cTn id="77" dur="1000" decel="50000" fill="hold">
+                                          <p:stCondLst>
+                                            <p:cond delay="0"/>
+                                          </p:stCondLst>
+                                        </p:cTn>
+                                        <p:tgtEl>
+                                          <p:spTgt spid="42"/>
+                                        </p:tgtEl>
+                                        <p:attrNameLst>
+                                          <p:attrName>ppt_x</p:attrName>
+                                          <p:attrName>ppt_y</p:attrName>
+                                        </p:attrNameLst>
+                                      </p:cBhvr>
+                                    </p:animMotion>
+                                    <p:animEffect transition="in" filter="fade">
+                                      <p:cBhvr>
+                                        <p:cTn id="78" dur="1000"/>
+                                        <p:tgtEl>
+                                          <p:spTgt spid="42"/>
+                                        </p:tgtEl>
+                                      </p:cBhvr>
+                                    </p:animEffect>
+                                  </p:childTnLst>
+                                </p:cTn>
+                              </p:par>
+                            </p:childTnLst>
+                          </p:cTn>
+                        </p:par>
+                      </p:childTnLst>
+                    </p:cTn>
+                  </p:par>
+                </p:childTnLst>
+              </p:cTn>
+              <p:prevCondLst>
+                <p:cond evt="onPrev" delay="0">
+                  <p:tgtEl>
+                    <p:sldTgt/>
+                  </p:tgtEl>
+                </p:cond>
+              </p:prevCondLst>
+              <p:nextCondLst>
+                <p:cond evt="onNext" delay="0">
+                  <p:tgtEl>
+                    <p:sldTgt/>
+                  </p:tgtEl>
+                </p:cond>
+              </p:nextCondLst>
+            </p:seq>
+          </p:childTnLst>
+        </p:cTn>
+      </p:par>
+    </p:tnLst>
+    <p:bldLst>
+      <p:bldP spid="3" grpId="0"/>
+      <p:bldP spid="9" grpId="0"/>
+      <p:bldP spid="11" grpId="0"/>
+    </p:bldLst>
+  </p:timing>
 </p:sld>
 </file>
 
